--- a/宣道詩/(宣道詩144) 生命之道.pptx
+++ b/宣道詩/(宣道詩144) 生命之道.pptx
@@ -5,20 +5,29 @@
     <p:sldMasterId id="2147483660" r:id="rId1"/>
   </p:sldMasterIdLst>
   <p:notesMasterIdLst>
-    <p:notesMasterId r:id="rId10"/>
+    <p:notesMasterId r:id="rId19"/>
   </p:notesMasterIdLst>
   <p:handoutMasterIdLst>
-    <p:handoutMasterId r:id="rId11"/>
+    <p:handoutMasterId r:id="rId20"/>
   </p:handoutMasterIdLst>
   <p:sldIdLst>
-    <p:sldId id="1603" r:id="rId2"/>
-    <p:sldId id="1604" r:id="rId3"/>
-    <p:sldId id="1605" r:id="rId4"/>
-    <p:sldId id="1606" r:id="rId5"/>
-    <p:sldId id="1607" r:id="rId6"/>
-    <p:sldId id="1608" r:id="rId7"/>
-    <p:sldId id="1609" r:id="rId8"/>
-    <p:sldId id="1610" r:id="rId9"/>
+    <p:sldId id="256" r:id="rId2"/>
+    <p:sldId id="257" r:id="rId3"/>
+    <p:sldId id="258" r:id="rId4"/>
+    <p:sldId id="259" r:id="rId5"/>
+    <p:sldId id="260" r:id="rId6"/>
+    <p:sldId id="261" r:id="rId7"/>
+    <p:sldId id="262" r:id="rId8"/>
+    <p:sldId id="263" r:id="rId9"/>
+    <p:sldId id="264" r:id="rId10"/>
+    <p:sldId id="265" r:id="rId11"/>
+    <p:sldId id="266" r:id="rId12"/>
+    <p:sldId id="267" r:id="rId13"/>
+    <p:sldId id="268" r:id="rId14"/>
+    <p:sldId id="269" r:id="rId15"/>
+    <p:sldId id="270" r:id="rId16"/>
+    <p:sldId id="271" r:id="rId17"/>
+    <p:sldId id="272" r:id="rId18"/>
   </p:sldIdLst>
   <p:sldSz cx="12192000" cy="6858000"/>
   <p:notesSz cx="6858000" cy="9144000"/>
@@ -3724,180 +3733,1221 @@
       </p:grpSpPr>
       <p:sp>
         <p:nvSpPr>
-          <p:cNvPr id="4" name="Title 3"/>
+          <p:cNvPr id="4" name="標題 3"/>
           <p:cNvSpPr>
             <a:spLocks noGrp="1"/>
           </p:cNvSpPr>
           <p:nvPr>
             <p:ph type="title"/>
           </p:nvPr>
-        </p:nvSpPr>
-        <p:spPr/>
-        <p:txBody>
-          <a:bodyPr>
-            <a:normAutofit/>
-          </a:bodyPr>
-          <a:lstStyle/>
-          <a:p>
-            <a:r>
-              <a:rPr lang="en-US" altLang="zh-CN" sz="4800" b="1" dirty="0">
-                <a:solidFill>
-                  <a:srgbClr val="002060"/>
-                </a:solidFill>
-                <a:latin typeface="Microsoft JhengHei" panose="020B0604030504040204" pitchFamily="34" charset="-120"/>
-                <a:ea typeface="Microsoft JhengHei" panose="020B0604030504040204" pitchFamily="34" charset="-120"/>
-              </a:rPr>
-              <a:t>【</a:t>
-            </a:r>
-            <a:r>
-              <a:rPr lang="zh-CN" altLang="en-US" sz="4800" b="1" dirty="0">
-                <a:solidFill>
-                  <a:srgbClr val="002060"/>
-                </a:solidFill>
-                <a:latin typeface="Microsoft JhengHei" panose="020B0604030504040204" pitchFamily="34" charset="-120"/>
-                <a:ea typeface="Microsoft JhengHei" panose="020B0604030504040204" pitchFamily="34" charset="-120"/>
-              </a:rPr>
-              <a:t>生命之道</a:t>
-            </a:r>
-            <a:r>
-              <a:rPr lang="en-US" altLang="zh-CN" sz="4800" b="1" dirty="0">
-                <a:solidFill>
-                  <a:srgbClr val="002060"/>
-                </a:solidFill>
-                <a:latin typeface="Microsoft JhengHei" panose="020B0604030504040204" pitchFamily="34" charset="-120"/>
-                <a:ea typeface="Microsoft JhengHei" panose="020B0604030504040204" pitchFamily="34" charset="-120"/>
-              </a:rPr>
-              <a:t>】</a:t>
-            </a:r>
-          </a:p>
-        </p:txBody>
-      </p:sp>
-      <p:sp>
-        <p:nvSpPr>
-          <p:cNvPr id="5" name="Content Placeholder 4"/>
-          <p:cNvSpPr>
-            <a:spLocks noGrp="1"/>
-          </p:cNvSpPr>
-          <p:nvPr>
-            <p:ph idx="1"/>
-          </p:nvPr>
-        </p:nvSpPr>
-        <p:spPr/>
-        <p:txBody>
-          <a:bodyPr>
-            <a:normAutofit/>
-          </a:bodyPr>
-          <a:lstStyle/>
-          <a:p>
-            <a:pPr marL="0" indent="0" algn="ctr">
-              <a:buNone/>
-            </a:pPr>
-            <a:r>
-              <a:rPr lang="zh-TW" altLang="en-US" sz="5400" b="1" dirty="0">
-                <a:solidFill>
-                  <a:srgbClr val="002060"/>
-                </a:solidFill>
-                <a:latin typeface="Microsoft JhengHei" panose="020B0604030504040204" pitchFamily="34" charset="-120"/>
-                <a:ea typeface="Microsoft JhengHei" panose="020B0604030504040204" pitchFamily="34" charset="-120"/>
-              </a:rPr>
-              <a:t>聖經都是真神言語</a:t>
-            </a:r>
-          </a:p>
-          <a:p>
-            <a:pPr marL="0" indent="0" algn="ctr">
-              <a:buNone/>
-            </a:pPr>
-            <a:r>
-              <a:rPr lang="zh-TW" altLang="en-US" sz="5400" b="1" dirty="0">
-                <a:solidFill>
-                  <a:srgbClr val="002060"/>
-                </a:solidFill>
-                <a:latin typeface="Microsoft JhengHei" panose="020B0604030504040204" pitchFamily="34" charset="-120"/>
-                <a:ea typeface="Microsoft JhengHei" panose="020B0604030504040204" pitchFamily="34" charset="-120"/>
-              </a:rPr>
-              <a:t>證明耶穌基督</a:t>
-            </a:r>
-          </a:p>
-          <a:p>
-            <a:pPr marL="0" indent="0" algn="ctr">
-              <a:buNone/>
-            </a:pPr>
-            <a:r>
-              <a:rPr lang="zh-TW" altLang="en-US" sz="5400" b="1" dirty="0">
-                <a:solidFill>
-                  <a:srgbClr val="002060"/>
-                </a:solidFill>
-                <a:latin typeface="Microsoft JhengHei" panose="020B0604030504040204" pitchFamily="34" charset="-120"/>
-                <a:ea typeface="Microsoft JhengHei" panose="020B0604030504040204" pitchFamily="34" charset="-120"/>
-              </a:rPr>
-              <a:t>道成肉身釘於十架</a:t>
-            </a:r>
-          </a:p>
-          <a:p>
-            <a:pPr marL="0" indent="0" algn="ctr">
-              <a:buNone/>
-            </a:pPr>
-            <a:r>
-              <a:rPr lang="zh-TW" altLang="en-US" sz="5400" b="1" dirty="0">
-                <a:solidFill>
-                  <a:srgbClr val="002060"/>
-                </a:solidFill>
-                <a:latin typeface="Microsoft JhengHei" panose="020B0604030504040204" pitchFamily="34" charset="-120"/>
-                <a:ea typeface="Microsoft JhengHei" panose="020B0604030504040204" pitchFamily="34" charset="-120"/>
-              </a:rPr>
-              <a:t>流血洗我罪污</a:t>
-            </a:r>
-          </a:p>
-        </p:txBody>
-      </p:sp>
-      <p:sp>
-        <p:nvSpPr>
-          <p:cNvPr id="6" name="Text Box 1"/>
-          <p:cNvSpPr txBox="1"/>
-          <p:nvPr/>
         </p:nvSpPr>
         <p:spPr>
           <a:xfrm>
-            <a:off x="1199456" y="1700808"/>
-            <a:ext cx="1380490" cy="923330"/>
+            <a:off x="0" y="2857513"/>
+            <a:ext cx="12192000" cy="1143000"/>
           </a:xfrm>
-          <a:prstGeom prst="rect">
-            <a:avLst/>
-          </a:prstGeom>
-          <a:noFill/>
-          <a:ln w="9525">
-            <a:noFill/>
-            <a:miter lim="800000"/>
-          </a:ln>
         </p:spPr>
         <p:txBody>
-          <a:bodyPr wrap="square">
-            <a:spAutoFit/>
+          <a:bodyPr>
+            <a:noAutofit/>
           </a:bodyPr>
           <a:lstStyle/>
           <a:p>
-            <a:pPr algn="ctr"/>
-            <a:r>
-              <a:rPr lang="en-US" sz="5400" b="1" dirty="0">
-                <a:solidFill>
-                  <a:srgbClr val="002060"/>
-                </a:solidFill>
+            <a:r>
+              <a:rPr lang="zh-CN" altLang="en-US" sz="5333" b="1" u="sng" dirty="0">
+                <a:solidFill>
+                  <a:srgbClr val="000066"/>
+                </a:solidFill>
+                <a:effectLst>
+                  <a:outerShdw blurRad="38100" dist="38100" dir="2700000" algn="tl">
+                    <a:srgbClr val="000000">
+                      <a:alpha val="43137"/>
+                    </a:srgbClr>
+                  </a:outerShdw>
+                </a:effectLst>
+                <a:latin typeface="微軟正黑體" pitchFamily="34" charset="-120"/>
+                <a:ea typeface="微軟正黑體" pitchFamily="34" charset="-120"/>
               </a:rPr>
-              <a:t>1.</a:t>
-            </a:r>
+              <a:t>宣道詩 </a:t>
+            </a:r>
+            <a:r>
+              <a:rPr lang="en-US" altLang="zh-CN" sz="5333" b="1" u="sng" dirty="0">
+                <a:solidFill>
+                  <a:srgbClr val="000066"/>
+                </a:solidFill>
+                <a:effectLst>
+                  <a:outerShdw blurRad="38100" dist="38100" dir="2700000" algn="tl">
+                    <a:srgbClr val="000000">
+                      <a:alpha val="43137"/>
+                    </a:srgbClr>
+                  </a:outerShdw>
+                </a:effectLst>
+                <a:latin typeface="微軟正黑體" pitchFamily="34" charset="-120"/>
+                <a:ea typeface="微軟正黑體" pitchFamily="34" charset="-120"/>
+              </a:rPr>
+              <a:t>144</a:t>
+            </a:r>
+            <a:r>
+              <a:rPr lang="en-US" altLang="zh-CN" sz="7200" b="1" i="1" dirty="0">
+                <a:solidFill>
+                  <a:srgbClr val="660033"/>
+                </a:solidFill>
+                <a:effectLst>
+                  <a:outerShdw blurRad="38100" dist="38100" dir="2700000" algn="tl">
+                    <a:srgbClr val="000000">
+                      <a:alpha val="43137"/>
+                    </a:srgbClr>
+                  </a:outerShdw>
+                </a:effectLst>
+                <a:latin typeface="微軟正黑體" pitchFamily="34" charset="-120"/>
+                <a:ea typeface="微軟正黑體" pitchFamily="34" charset="-120"/>
+              </a:rPr>
+              <a:t/>
+            </a:r>
+            <a:br>
+              <a:rPr lang="en-US" altLang="zh-CN" sz="7200" b="1" i="1" dirty="0">
+                <a:solidFill>
+                  <a:srgbClr val="660033"/>
+                </a:solidFill>
+                <a:effectLst>
+                  <a:outerShdw blurRad="38100" dist="38100" dir="2700000" algn="tl">
+                    <a:srgbClr val="000000">
+                      <a:alpha val="43137"/>
+                    </a:srgbClr>
+                  </a:outerShdw>
+                </a:effectLst>
+                <a:latin typeface="微軟正黑體" pitchFamily="34" charset="-120"/>
+                <a:ea typeface="微軟正黑體" pitchFamily="34" charset="-120"/>
+              </a:rPr>
+            </a:br>
+            <a:r>
+              <a:rPr lang="zh-CN" altLang="en-US" sz="8000" b="1" dirty="0">
+                <a:solidFill>
+                  <a:srgbClr val="660033"/>
+                </a:solidFill>
+                <a:effectLst>
+                  <a:outerShdw blurRad="38100" dist="38100" dir="2700000" algn="tl">
+                    <a:srgbClr val="000000">
+                      <a:alpha val="43137"/>
+                    </a:srgbClr>
+                  </a:outerShdw>
+                </a:effectLst>
+                <a:latin typeface="微軟正黑體" pitchFamily="34" charset="-120"/>
+                <a:ea typeface="微軟正黑體" pitchFamily="34" charset="-120"/>
+              </a:rPr>
+              <a:t>生</a:t>
+            </a:r>
+            <a:r>
+              <a:rPr lang="zh-CN" altLang="en-US" sz="8000" b="1" dirty="0">
+                <a:solidFill>
+                  <a:srgbClr val="660033"/>
+                </a:solidFill>
+                <a:effectLst>
+                  <a:outerShdw blurRad="38100" dist="38100" dir="2700000" algn="tl">
+                    <a:srgbClr val="000000">
+                      <a:alpha val="43137"/>
+                    </a:srgbClr>
+                  </a:outerShdw>
+                </a:effectLst>
+                <a:latin typeface="微軟正黑體" pitchFamily="34" charset="-120"/>
+                <a:ea typeface="微軟正黑體" pitchFamily="34" charset="-120"/>
+              </a:rPr>
+              <a:t>命之道</a:t>
+            </a:r>
+            <a:endParaRPr lang="zh-TW" altLang="en-US" sz="8000" b="1" dirty="0">
+              <a:solidFill>
+                <a:srgbClr val="660033"/>
+              </a:solidFill>
+              <a:effectLst>
+                <a:outerShdw blurRad="38100" dist="38100" dir="2700000" algn="tl">
+                  <a:srgbClr val="000000">
+                    <a:alpha val="43137"/>
+                  </a:srgbClr>
+                </a:outerShdw>
+              </a:effectLst>
+              <a:latin typeface="微軟正黑體" pitchFamily="34" charset="-120"/>
+              <a:ea typeface="微軟正黑體" pitchFamily="34" charset="-120"/>
+            </a:endParaRPr>
           </a:p>
         </p:txBody>
       </p:sp>
     </p:spTree>
     <p:extLst>
       <p:ext uri="{BB962C8B-B14F-4D97-AF65-F5344CB8AC3E}">
-        <p14:creationId xmlns:p14="http://schemas.microsoft.com/office/powerpoint/2010/main" val="3609311369"/>
+        <p14:creationId xmlns:p14="http://schemas.microsoft.com/office/powerpoint/2010/main" val="881037127"/>
       </p:ext>
     </p:extLst>
   </p:cSld>
   <p:clrMapOvr>
     <a:masterClrMapping/>
   </p:clrMapOvr>
+  <p:timing>
+    <p:tnLst>
+      <p:par>
+        <p:cTn id="1" dur="indefinite" restart="never" nodeType="tmRoot"/>
+      </p:par>
+    </p:tnLst>
+  </p:timing>
+</p:sld>
+</file>
+
+<file path=ppt/slides/slide10.xml><?xml version="1.0" encoding="utf-8"?>
+<p:sld xmlns:a="http://schemas.openxmlformats.org/drawingml/2006/main" xmlns:r="http://schemas.openxmlformats.org/officeDocument/2006/relationships" xmlns:p="http://schemas.openxmlformats.org/presentationml/2006/main">
+  <p:cSld>
+    <p:spTree>
+      <p:nvGrpSpPr>
+        <p:cNvPr id="1" name=""/>
+        <p:cNvGrpSpPr/>
+        <p:nvPr/>
+      </p:nvGrpSpPr>
+      <p:grpSpPr>
+        <a:xfrm>
+          <a:off x="0" y="0"/>
+          <a:ext cx="0" cy="0"/>
+          <a:chOff x="0" y="0"/>
+          <a:chExt cx="0" cy="0"/>
+        </a:xfrm>
+      </p:grpSpPr>
+      <p:sp>
+        <p:nvSpPr>
+          <p:cNvPr id="5" name="內容版面配置區 4"/>
+          <p:cNvSpPr>
+            <a:spLocks noGrp="1"/>
+          </p:cNvSpPr>
+          <p:nvPr>
+            <p:ph idx="1"/>
+          </p:nvPr>
+        </p:nvSpPr>
+        <p:spPr>
+          <a:xfrm>
+            <a:off x="0" y="2084851"/>
+            <a:ext cx="12192000" cy="2404863"/>
+          </a:xfrm>
+        </p:spPr>
+        <p:txBody>
+          <a:bodyPr anchor="ctr">
+            <a:normAutofit/>
+          </a:bodyPr>
+          <a:lstStyle/>
+          <a:p>
+            <a:pPr marL="0" indent="0" algn="ctr">
+              <a:buNone/>
+            </a:pPr>
+            <a:r>
+              <a:rPr lang="zh-TW" altLang="en-US" sz="6400" b="1" dirty="0">
+                <a:solidFill>
+                  <a:srgbClr val="660033"/>
+                </a:solidFill>
+                <a:latin typeface="Microsoft JhengHei" panose="020B0604030504040204" pitchFamily="34" charset="-120"/>
+                <a:ea typeface="Microsoft JhengHei" panose="020B0604030504040204" pitchFamily="34" charset="-120"/>
+              </a:rPr>
+              <a:t>真神言語滿有能力</a:t>
+            </a:r>
+          </a:p>
+          <a:p>
+            <a:pPr marL="0" indent="0" algn="ctr">
+              <a:buNone/>
+            </a:pPr>
+            <a:r>
+              <a:rPr lang="zh-TW" altLang="en-US" sz="6400" b="1" dirty="0">
+                <a:solidFill>
+                  <a:srgbClr val="660033"/>
+                </a:solidFill>
+                <a:latin typeface="Microsoft JhengHei" panose="020B0604030504040204" pitchFamily="34" charset="-120"/>
+                <a:ea typeface="Microsoft JhengHei" panose="020B0604030504040204" pitchFamily="34" charset="-120"/>
+              </a:rPr>
+              <a:t>主必親自堅立</a:t>
+            </a:r>
+            <a:endParaRPr lang="zh-TW" altLang="en-US" sz="6400" b="1" dirty="0">
+              <a:solidFill>
+                <a:srgbClr val="660033"/>
+              </a:solidFill>
+              <a:latin typeface="Microsoft JhengHei" panose="020B0604030504040204" pitchFamily="34" charset="-120"/>
+              <a:ea typeface="Microsoft JhengHei" panose="020B0604030504040204" pitchFamily="34" charset="-120"/>
+            </a:endParaRPr>
+          </a:p>
+        </p:txBody>
+      </p:sp>
+      <p:sp>
+        <p:nvSpPr>
+          <p:cNvPr id="4" name="TextBox 3"/>
+          <p:cNvSpPr txBox="1"/>
+          <p:nvPr/>
+        </p:nvSpPr>
+        <p:spPr>
+          <a:xfrm>
+            <a:off x="719403" y="2276872"/>
+            <a:ext cx="1248139" cy="1077218"/>
+          </a:xfrm>
+          <a:prstGeom prst="rect">
+            <a:avLst/>
+          </a:prstGeom>
+          <a:noFill/>
+        </p:spPr>
+        <p:txBody>
+          <a:bodyPr wrap="square" rtlCol="0">
+            <a:spAutoFit/>
+          </a:bodyPr>
+          <a:lstStyle/>
+          <a:p>
+            <a:r>
+              <a:rPr lang="en-US" sz="6400" b="1" dirty="0">
+                <a:solidFill>
+                  <a:srgbClr val="660033"/>
+                </a:solidFill>
+              </a:rPr>
+              <a:t>3.</a:t>
+            </a:r>
+            <a:endParaRPr lang="vi-VN" sz="6400" b="1" dirty="0">
+              <a:solidFill>
+                <a:srgbClr val="660033"/>
+              </a:solidFill>
+            </a:endParaRPr>
+          </a:p>
+        </p:txBody>
+      </p:sp>
+    </p:spTree>
+    <p:extLst>
+      <p:ext uri="{BB962C8B-B14F-4D97-AF65-F5344CB8AC3E}">
+        <p14:creationId xmlns:p14="http://schemas.microsoft.com/office/powerpoint/2010/main" val="1659374615"/>
+      </p:ext>
+    </p:extLst>
+  </p:cSld>
+  <p:clrMapOvr>
+    <a:masterClrMapping/>
+  </p:clrMapOvr>
+  <p:timing>
+    <p:tnLst>
+      <p:par>
+        <p:cTn id="1" dur="indefinite" restart="never" nodeType="tmRoot"/>
+      </p:par>
+    </p:tnLst>
+  </p:timing>
+</p:sld>
+</file>
+
+<file path=ppt/slides/slide11.xml><?xml version="1.0" encoding="utf-8"?>
+<p:sld xmlns:a="http://schemas.openxmlformats.org/drawingml/2006/main" xmlns:r="http://schemas.openxmlformats.org/officeDocument/2006/relationships" xmlns:p="http://schemas.openxmlformats.org/presentationml/2006/main">
+  <p:cSld>
+    <p:spTree>
+      <p:nvGrpSpPr>
+        <p:cNvPr id="1" name=""/>
+        <p:cNvGrpSpPr/>
+        <p:nvPr/>
+      </p:nvGrpSpPr>
+      <p:grpSpPr>
+        <a:xfrm>
+          <a:off x="0" y="0"/>
+          <a:ext cx="0" cy="0"/>
+          <a:chOff x="0" y="0"/>
+          <a:chExt cx="0" cy="0"/>
+        </a:xfrm>
+      </p:grpSpPr>
+      <p:sp>
+        <p:nvSpPr>
+          <p:cNvPr id="5" name="內容版面配置區 4"/>
+          <p:cNvSpPr>
+            <a:spLocks noGrp="1"/>
+          </p:cNvSpPr>
+          <p:nvPr>
+            <p:ph idx="1"/>
+          </p:nvPr>
+        </p:nvSpPr>
+        <p:spPr>
+          <a:xfrm>
+            <a:off x="0" y="2084851"/>
+            <a:ext cx="12192000" cy="2404863"/>
+          </a:xfrm>
+        </p:spPr>
+        <p:txBody>
+          <a:bodyPr anchor="ctr">
+            <a:normAutofit/>
+          </a:bodyPr>
+          <a:lstStyle/>
+          <a:p>
+            <a:pPr marL="0" indent="0" algn="ctr">
+              <a:buNone/>
+            </a:pPr>
+            <a:r>
+              <a:rPr lang="zh-TW" altLang="en-US" sz="6400" b="1" dirty="0">
+                <a:solidFill>
+                  <a:srgbClr val="660033"/>
+                </a:solidFill>
+                <a:latin typeface="Microsoft JhengHei" panose="020B0604030504040204" pitchFamily="34" charset="-120"/>
+                <a:ea typeface="Microsoft JhengHei" panose="020B0604030504040204" pitchFamily="34" charset="-120"/>
+              </a:rPr>
+              <a:t>比金更寶比蜜更甜</a:t>
+            </a:r>
+          </a:p>
+          <a:p>
+            <a:pPr marL="0" indent="0" algn="ctr">
+              <a:buNone/>
+            </a:pPr>
+            <a:r>
+              <a:rPr lang="zh-TW" altLang="en-US" sz="6400" b="1" dirty="0">
+                <a:solidFill>
+                  <a:srgbClr val="660033"/>
+                </a:solidFill>
+                <a:latin typeface="Microsoft JhengHei" panose="020B0604030504040204" pitchFamily="34" charset="-120"/>
+                <a:ea typeface="Microsoft JhengHei" panose="020B0604030504040204" pitchFamily="34" charset="-120"/>
+              </a:rPr>
+              <a:t>永遠安定在天</a:t>
+            </a:r>
+            <a:endParaRPr lang="zh-TW" altLang="en-US" sz="6400" b="1" dirty="0">
+              <a:solidFill>
+                <a:srgbClr val="660033"/>
+              </a:solidFill>
+              <a:latin typeface="Microsoft JhengHei" panose="020B0604030504040204" pitchFamily="34" charset="-120"/>
+              <a:ea typeface="Microsoft JhengHei" panose="020B0604030504040204" pitchFamily="34" charset="-120"/>
+            </a:endParaRPr>
+          </a:p>
+        </p:txBody>
+      </p:sp>
+      <p:sp>
+        <p:nvSpPr>
+          <p:cNvPr id="4" name="TextBox 3"/>
+          <p:cNvSpPr txBox="1"/>
+          <p:nvPr/>
+        </p:nvSpPr>
+        <p:spPr>
+          <a:xfrm>
+            <a:off x="719403" y="2276872"/>
+            <a:ext cx="1248139" cy="1077218"/>
+          </a:xfrm>
+          <a:prstGeom prst="rect">
+            <a:avLst/>
+          </a:prstGeom>
+          <a:noFill/>
+        </p:spPr>
+        <p:txBody>
+          <a:bodyPr wrap="square" rtlCol="0">
+            <a:spAutoFit/>
+          </a:bodyPr>
+          <a:lstStyle/>
+          <a:p>
+            <a:r>
+              <a:rPr lang="en-US" sz="6400" b="1" dirty="0">
+                <a:solidFill>
+                  <a:srgbClr val="660033"/>
+                </a:solidFill>
+              </a:rPr>
+              <a:t>3.</a:t>
+            </a:r>
+            <a:endParaRPr lang="vi-VN" sz="6400" b="1" dirty="0">
+              <a:solidFill>
+                <a:srgbClr val="660033"/>
+              </a:solidFill>
+            </a:endParaRPr>
+          </a:p>
+        </p:txBody>
+      </p:sp>
+    </p:spTree>
+    <p:extLst>
+      <p:ext uri="{BB962C8B-B14F-4D97-AF65-F5344CB8AC3E}">
+        <p14:creationId xmlns:p14="http://schemas.microsoft.com/office/powerpoint/2010/main" val="3967348268"/>
+      </p:ext>
+    </p:extLst>
+  </p:cSld>
+  <p:clrMapOvr>
+    <a:masterClrMapping/>
+  </p:clrMapOvr>
+  <p:timing>
+    <p:tnLst>
+      <p:par>
+        <p:cTn id="1" dur="indefinite" restart="never" nodeType="tmRoot"/>
+      </p:par>
+    </p:tnLst>
+  </p:timing>
+</p:sld>
+</file>
+
+<file path=ppt/slides/slide12.xml><?xml version="1.0" encoding="utf-8"?>
+<p:sld xmlns:a="http://schemas.openxmlformats.org/drawingml/2006/main" xmlns:r="http://schemas.openxmlformats.org/officeDocument/2006/relationships" xmlns:p="http://schemas.openxmlformats.org/presentationml/2006/main">
+  <p:cSld>
+    <p:spTree>
+      <p:nvGrpSpPr>
+        <p:cNvPr id="1" name=""/>
+        <p:cNvGrpSpPr/>
+        <p:nvPr/>
+      </p:nvGrpSpPr>
+      <p:grpSpPr>
+        <a:xfrm>
+          <a:off x="0" y="0"/>
+          <a:ext cx="0" cy="0"/>
+          <a:chOff x="0" y="0"/>
+          <a:chExt cx="0" cy="0"/>
+        </a:xfrm>
+      </p:grpSpPr>
+      <p:sp>
+        <p:nvSpPr>
+          <p:cNvPr id="5" name="內容版面配置區 4"/>
+          <p:cNvSpPr>
+            <a:spLocks noGrp="1"/>
+          </p:cNvSpPr>
+          <p:nvPr>
+            <p:ph idx="1"/>
+          </p:nvPr>
+        </p:nvSpPr>
+        <p:spPr>
+          <a:xfrm>
+            <a:off x="0" y="2084851"/>
+            <a:ext cx="12192000" cy="2404863"/>
+          </a:xfrm>
+        </p:spPr>
+        <p:txBody>
+          <a:bodyPr anchor="ctr">
+            <a:normAutofit/>
+          </a:bodyPr>
+          <a:lstStyle/>
+          <a:p>
+            <a:pPr marL="0" indent="0" algn="ctr">
+              <a:buNone/>
+            </a:pPr>
+            <a:r>
+              <a:rPr lang="zh-TW" altLang="en-US" sz="6400" b="1" dirty="0">
+                <a:solidFill>
+                  <a:srgbClr val="660033"/>
+                </a:solidFill>
+                <a:latin typeface="Microsoft JhengHei" panose="020B0604030504040204" pitchFamily="34" charset="-120"/>
+                <a:ea typeface="Microsoft JhengHei" panose="020B0604030504040204" pitchFamily="34" charset="-120"/>
+              </a:rPr>
+              <a:t>生命之道極奇</a:t>
+            </a:r>
+          </a:p>
+          <a:p>
+            <a:pPr marL="0" indent="0" algn="ctr">
+              <a:buNone/>
+            </a:pPr>
+            <a:r>
+              <a:rPr lang="zh-TW" altLang="en-US" sz="6400" b="1" dirty="0">
+                <a:solidFill>
+                  <a:srgbClr val="660033"/>
+                </a:solidFill>
+                <a:latin typeface="Microsoft JhengHei" panose="020B0604030504040204" pitchFamily="34" charset="-120"/>
+                <a:ea typeface="Microsoft JhengHei" panose="020B0604030504040204" pitchFamily="34" charset="-120"/>
+              </a:rPr>
+              <a:t>我今篤信不疑</a:t>
+            </a:r>
+            <a:endParaRPr lang="zh-TW" altLang="en-US" sz="6400" b="1" dirty="0">
+              <a:solidFill>
+                <a:srgbClr val="660033"/>
+              </a:solidFill>
+              <a:latin typeface="Microsoft JhengHei" panose="020B0604030504040204" pitchFamily="34" charset="-120"/>
+              <a:ea typeface="Microsoft JhengHei" panose="020B0604030504040204" pitchFamily="34" charset="-120"/>
+            </a:endParaRPr>
+          </a:p>
+        </p:txBody>
+      </p:sp>
+    </p:spTree>
+    <p:extLst>
+      <p:ext uri="{BB962C8B-B14F-4D97-AF65-F5344CB8AC3E}">
+        <p14:creationId xmlns:p14="http://schemas.microsoft.com/office/powerpoint/2010/main" val="1289905607"/>
+      </p:ext>
+    </p:extLst>
+  </p:cSld>
+  <p:clrMapOvr>
+    <a:masterClrMapping/>
+  </p:clrMapOvr>
+  <p:timing>
+    <p:tnLst>
+      <p:par>
+        <p:cTn id="1" dur="indefinite" restart="never" nodeType="tmRoot"/>
+      </p:par>
+    </p:tnLst>
+  </p:timing>
+</p:sld>
+</file>
+
+<file path=ppt/slides/slide13.xml><?xml version="1.0" encoding="utf-8"?>
+<p:sld xmlns:a="http://schemas.openxmlformats.org/drawingml/2006/main" xmlns:r="http://schemas.openxmlformats.org/officeDocument/2006/relationships" xmlns:p="http://schemas.openxmlformats.org/presentationml/2006/main">
+  <p:cSld>
+    <p:spTree>
+      <p:nvGrpSpPr>
+        <p:cNvPr id="1" name=""/>
+        <p:cNvGrpSpPr/>
+        <p:nvPr/>
+      </p:nvGrpSpPr>
+      <p:grpSpPr>
+        <a:xfrm>
+          <a:off x="0" y="0"/>
+          <a:ext cx="0" cy="0"/>
+          <a:chOff x="0" y="0"/>
+          <a:chExt cx="0" cy="0"/>
+        </a:xfrm>
+      </p:grpSpPr>
+      <p:sp>
+        <p:nvSpPr>
+          <p:cNvPr id="5" name="內容版面配置區 4"/>
+          <p:cNvSpPr>
+            <a:spLocks noGrp="1"/>
+          </p:cNvSpPr>
+          <p:nvPr>
+            <p:ph idx="1"/>
+          </p:nvPr>
+        </p:nvSpPr>
+        <p:spPr>
+          <a:xfrm>
+            <a:off x="0" y="2084851"/>
+            <a:ext cx="12192000" cy="2404863"/>
+          </a:xfrm>
+        </p:spPr>
+        <p:txBody>
+          <a:bodyPr anchor="ctr">
+            <a:normAutofit/>
+          </a:bodyPr>
+          <a:lstStyle/>
+          <a:p>
+            <a:pPr marL="0" indent="0" algn="ctr">
+              <a:buNone/>
+            </a:pPr>
+            <a:r>
+              <a:rPr lang="zh-TW" altLang="en-US" sz="6400" b="1" dirty="0">
+                <a:solidFill>
+                  <a:srgbClr val="660033"/>
+                </a:solidFill>
+                <a:latin typeface="Microsoft JhengHei" panose="020B0604030504040204" pitchFamily="34" charset="-120"/>
+                <a:ea typeface="Microsoft JhengHei" panose="020B0604030504040204" pitchFamily="34" charset="-120"/>
+              </a:rPr>
+              <a:t>美哉主道  奇哉主</a:t>
+            </a:r>
+            <a:r>
+              <a:rPr lang="zh-TW" altLang="en-US" sz="6400" b="1" dirty="0">
+                <a:solidFill>
+                  <a:srgbClr val="660033"/>
+                </a:solidFill>
+                <a:latin typeface="Microsoft JhengHei" panose="020B0604030504040204" pitchFamily="34" charset="-120"/>
+                <a:ea typeface="Microsoft JhengHei" panose="020B0604030504040204" pitchFamily="34" charset="-120"/>
+              </a:rPr>
+              <a:t>道</a:t>
+            </a:r>
+            <a:endParaRPr lang="en-US" altLang="zh-TW" sz="6400" b="1" dirty="0">
+              <a:solidFill>
+                <a:srgbClr val="660033"/>
+              </a:solidFill>
+              <a:latin typeface="Microsoft JhengHei" panose="020B0604030504040204" pitchFamily="34" charset="-120"/>
+              <a:ea typeface="Microsoft JhengHei" panose="020B0604030504040204" pitchFamily="34" charset="-120"/>
+            </a:endParaRPr>
+          </a:p>
+          <a:p>
+            <a:pPr marL="0" indent="0" algn="ctr">
+              <a:buNone/>
+            </a:pPr>
+            <a:r>
+              <a:rPr lang="zh-TW" altLang="en-US" sz="6400" b="1" dirty="0">
+                <a:solidFill>
+                  <a:srgbClr val="660033"/>
+                </a:solidFill>
+                <a:latin typeface="Microsoft JhengHei" panose="020B0604030504040204" pitchFamily="34" charset="-120"/>
+                <a:ea typeface="Microsoft JhengHei" panose="020B0604030504040204" pitchFamily="34" charset="-120"/>
+              </a:rPr>
+              <a:t>生</a:t>
+            </a:r>
+            <a:r>
+              <a:rPr lang="zh-TW" altLang="en-US" sz="6400" b="1" dirty="0">
+                <a:solidFill>
+                  <a:srgbClr val="660033"/>
+                </a:solidFill>
+                <a:latin typeface="Microsoft JhengHei" panose="020B0604030504040204" pitchFamily="34" charset="-120"/>
+                <a:ea typeface="Microsoft JhengHei" panose="020B0604030504040204" pitchFamily="34" charset="-120"/>
+              </a:rPr>
+              <a:t>命之道極奇</a:t>
+            </a:r>
+            <a:endParaRPr lang="en-US" altLang="zh-TW" sz="6400" b="1" dirty="0">
+              <a:solidFill>
+                <a:srgbClr val="660033"/>
+              </a:solidFill>
+              <a:latin typeface="Microsoft JhengHei" panose="020B0604030504040204" pitchFamily="34" charset="-120"/>
+              <a:ea typeface="Microsoft JhengHei" panose="020B0604030504040204" pitchFamily="34" charset="-120"/>
+            </a:endParaRPr>
+          </a:p>
+        </p:txBody>
+      </p:sp>
+      <p:sp>
+        <p:nvSpPr>
+          <p:cNvPr id="2" name="TextBox 1"/>
+          <p:cNvSpPr txBox="1"/>
+          <p:nvPr/>
+        </p:nvSpPr>
+        <p:spPr>
+          <a:xfrm>
+            <a:off x="0" y="5061182"/>
+            <a:ext cx="12192000" cy="913007"/>
+          </a:xfrm>
+          <a:prstGeom prst="rect">
+            <a:avLst/>
+          </a:prstGeom>
+          <a:noFill/>
+        </p:spPr>
+        <p:txBody>
+          <a:bodyPr wrap="square" rtlCol="0">
+            <a:spAutoFit/>
+          </a:bodyPr>
+          <a:lstStyle/>
+          <a:p>
+            <a:pPr algn="ctr"/>
+            <a:r>
+              <a:rPr lang="en-US" sz="5333" b="1" dirty="0">
+                <a:solidFill>
+                  <a:srgbClr val="660033"/>
+                </a:solidFill>
+              </a:rPr>
+              <a:t>( x2 )</a:t>
+            </a:r>
+            <a:endParaRPr lang="vi-VN" sz="5333" b="1" dirty="0">
+              <a:solidFill>
+                <a:srgbClr val="660033"/>
+              </a:solidFill>
+            </a:endParaRPr>
+          </a:p>
+        </p:txBody>
+      </p:sp>
+    </p:spTree>
+    <p:extLst>
+      <p:ext uri="{BB962C8B-B14F-4D97-AF65-F5344CB8AC3E}">
+        <p14:creationId xmlns:p14="http://schemas.microsoft.com/office/powerpoint/2010/main" val="1107057784"/>
+      </p:ext>
+    </p:extLst>
+  </p:cSld>
+  <p:clrMapOvr>
+    <a:masterClrMapping/>
+  </p:clrMapOvr>
+  <p:timing>
+    <p:tnLst>
+      <p:par>
+        <p:cTn id="1" dur="indefinite" restart="never" nodeType="tmRoot"/>
+      </p:par>
+    </p:tnLst>
+  </p:timing>
+</p:sld>
+</file>
+
+<file path=ppt/slides/slide14.xml><?xml version="1.0" encoding="utf-8"?>
+<p:sld xmlns:a="http://schemas.openxmlformats.org/drawingml/2006/main" xmlns:r="http://schemas.openxmlformats.org/officeDocument/2006/relationships" xmlns:p="http://schemas.openxmlformats.org/presentationml/2006/main">
+  <p:cSld>
+    <p:spTree>
+      <p:nvGrpSpPr>
+        <p:cNvPr id="1" name=""/>
+        <p:cNvGrpSpPr/>
+        <p:nvPr/>
+      </p:nvGrpSpPr>
+      <p:grpSpPr>
+        <a:xfrm>
+          <a:off x="0" y="0"/>
+          <a:ext cx="0" cy="0"/>
+          <a:chOff x="0" y="0"/>
+          <a:chExt cx="0" cy="0"/>
+        </a:xfrm>
+      </p:grpSpPr>
+      <p:sp>
+        <p:nvSpPr>
+          <p:cNvPr id="5" name="內容版面配置區 4"/>
+          <p:cNvSpPr>
+            <a:spLocks noGrp="1"/>
+          </p:cNvSpPr>
+          <p:nvPr>
+            <p:ph idx="1"/>
+          </p:nvPr>
+        </p:nvSpPr>
+        <p:spPr>
+          <a:xfrm>
+            <a:off x="0" y="2084851"/>
+            <a:ext cx="12192000" cy="2404863"/>
+          </a:xfrm>
+        </p:spPr>
+        <p:txBody>
+          <a:bodyPr anchor="ctr">
+            <a:normAutofit/>
+          </a:bodyPr>
+          <a:lstStyle/>
+          <a:p>
+            <a:pPr marL="0" indent="0" algn="ctr">
+              <a:buNone/>
+            </a:pPr>
+            <a:r>
+              <a:rPr lang="zh-TW" altLang="en-US" sz="6400" b="1" dirty="0">
+                <a:solidFill>
+                  <a:srgbClr val="660033"/>
+                </a:solidFill>
+                <a:latin typeface="Microsoft JhengHei" panose="020B0604030504040204" pitchFamily="34" charset="-120"/>
+                <a:ea typeface="Microsoft JhengHei" panose="020B0604030504040204" pitchFamily="34" charset="-120"/>
+              </a:rPr>
+              <a:t>我願天天查考聖經</a:t>
+            </a:r>
+          </a:p>
+          <a:p>
+            <a:pPr marL="0" indent="0" algn="ctr">
+              <a:buNone/>
+            </a:pPr>
+            <a:r>
+              <a:rPr lang="zh-TW" altLang="en-US" sz="6400" b="1" dirty="0">
+                <a:solidFill>
+                  <a:srgbClr val="660033"/>
+                </a:solidFill>
+                <a:latin typeface="Microsoft JhengHei" panose="020B0604030504040204" pitchFamily="34" charset="-120"/>
+                <a:ea typeface="Microsoft JhengHei" panose="020B0604030504040204" pitchFamily="34" charset="-120"/>
+              </a:rPr>
+              <a:t>晝夜思想遵行</a:t>
+            </a:r>
+            <a:endParaRPr lang="zh-TW" altLang="en-US" sz="6400" b="1" dirty="0">
+              <a:solidFill>
+                <a:srgbClr val="660033"/>
+              </a:solidFill>
+              <a:latin typeface="Microsoft JhengHei" panose="020B0604030504040204" pitchFamily="34" charset="-120"/>
+              <a:ea typeface="Microsoft JhengHei" panose="020B0604030504040204" pitchFamily="34" charset="-120"/>
+            </a:endParaRPr>
+          </a:p>
+        </p:txBody>
+      </p:sp>
+      <p:sp>
+        <p:nvSpPr>
+          <p:cNvPr id="4" name="TextBox 3"/>
+          <p:cNvSpPr txBox="1"/>
+          <p:nvPr/>
+        </p:nvSpPr>
+        <p:spPr>
+          <a:xfrm>
+            <a:off x="719403" y="2276872"/>
+            <a:ext cx="1248139" cy="1077218"/>
+          </a:xfrm>
+          <a:prstGeom prst="rect">
+            <a:avLst/>
+          </a:prstGeom>
+          <a:noFill/>
+        </p:spPr>
+        <p:txBody>
+          <a:bodyPr wrap="square" rtlCol="0">
+            <a:spAutoFit/>
+          </a:bodyPr>
+          <a:lstStyle/>
+          <a:p>
+            <a:r>
+              <a:rPr lang="en-US" sz="6400" b="1" dirty="0">
+                <a:solidFill>
+                  <a:srgbClr val="660033"/>
+                </a:solidFill>
+              </a:rPr>
+              <a:t>4.</a:t>
+            </a:r>
+            <a:endParaRPr lang="vi-VN" sz="6400" b="1" dirty="0">
+              <a:solidFill>
+                <a:srgbClr val="660033"/>
+              </a:solidFill>
+            </a:endParaRPr>
+          </a:p>
+        </p:txBody>
+      </p:sp>
+    </p:spTree>
+    <p:extLst>
+      <p:ext uri="{BB962C8B-B14F-4D97-AF65-F5344CB8AC3E}">
+        <p14:creationId xmlns:p14="http://schemas.microsoft.com/office/powerpoint/2010/main" val="2719690701"/>
+      </p:ext>
+    </p:extLst>
+  </p:cSld>
+  <p:clrMapOvr>
+    <a:masterClrMapping/>
+  </p:clrMapOvr>
+  <p:timing>
+    <p:tnLst>
+      <p:par>
+        <p:cTn id="1" dur="indefinite" restart="never" nodeType="tmRoot"/>
+      </p:par>
+    </p:tnLst>
+  </p:timing>
+</p:sld>
+</file>
+
+<file path=ppt/slides/slide15.xml><?xml version="1.0" encoding="utf-8"?>
+<p:sld xmlns:a="http://schemas.openxmlformats.org/drawingml/2006/main" xmlns:r="http://schemas.openxmlformats.org/officeDocument/2006/relationships" xmlns:p="http://schemas.openxmlformats.org/presentationml/2006/main">
+  <p:cSld>
+    <p:spTree>
+      <p:nvGrpSpPr>
+        <p:cNvPr id="1" name=""/>
+        <p:cNvGrpSpPr/>
+        <p:nvPr/>
+      </p:nvGrpSpPr>
+      <p:grpSpPr>
+        <a:xfrm>
+          <a:off x="0" y="0"/>
+          <a:ext cx="0" cy="0"/>
+          <a:chOff x="0" y="0"/>
+          <a:chExt cx="0" cy="0"/>
+        </a:xfrm>
+      </p:grpSpPr>
+      <p:sp>
+        <p:nvSpPr>
+          <p:cNvPr id="5" name="內容版面配置區 4"/>
+          <p:cNvSpPr>
+            <a:spLocks noGrp="1"/>
+          </p:cNvSpPr>
+          <p:nvPr>
+            <p:ph idx="1"/>
+          </p:nvPr>
+        </p:nvSpPr>
+        <p:spPr>
+          <a:xfrm>
+            <a:off x="0" y="2084851"/>
+            <a:ext cx="12192000" cy="2404863"/>
+          </a:xfrm>
+        </p:spPr>
+        <p:txBody>
+          <a:bodyPr anchor="ctr">
+            <a:normAutofit/>
+          </a:bodyPr>
+          <a:lstStyle/>
+          <a:p>
+            <a:pPr marL="0" indent="0" algn="ctr">
+              <a:buNone/>
+            </a:pPr>
+            <a:r>
+              <a:rPr lang="zh-TW" altLang="en-US" sz="6400" b="1" dirty="0">
+                <a:solidFill>
+                  <a:srgbClr val="660033"/>
+                </a:solidFill>
+                <a:latin typeface="Microsoft JhengHei" panose="020B0604030504040204" pitchFamily="34" charset="-120"/>
+                <a:ea typeface="Microsoft JhengHei" panose="020B0604030504040204" pitchFamily="34" charset="-120"/>
+              </a:rPr>
+              <a:t>真理聖靈開導我心</a:t>
+            </a:r>
+          </a:p>
+          <a:p>
+            <a:pPr marL="0" indent="0" algn="ctr">
+              <a:buNone/>
+            </a:pPr>
+            <a:r>
+              <a:rPr lang="zh-TW" altLang="en-US" sz="6400" b="1" dirty="0">
+                <a:solidFill>
+                  <a:srgbClr val="660033"/>
+                </a:solidFill>
+                <a:latin typeface="Microsoft JhengHei" panose="020B0604030504040204" pitchFamily="34" charset="-120"/>
+                <a:ea typeface="Microsoft JhengHei" panose="020B0604030504040204" pitchFamily="34" charset="-120"/>
+              </a:rPr>
+              <a:t>使我識主更真</a:t>
+            </a:r>
+            <a:endParaRPr lang="zh-TW" altLang="en-US" sz="6400" b="1" dirty="0">
+              <a:solidFill>
+                <a:srgbClr val="660033"/>
+              </a:solidFill>
+              <a:latin typeface="Microsoft JhengHei" panose="020B0604030504040204" pitchFamily="34" charset="-120"/>
+              <a:ea typeface="Microsoft JhengHei" panose="020B0604030504040204" pitchFamily="34" charset="-120"/>
+            </a:endParaRPr>
+          </a:p>
+        </p:txBody>
+      </p:sp>
+      <p:sp>
+        <p:nvSpPr>
+          <p:cNvPr id="4" name="TextBox 3"/>
+          <p:cNvSpPr txBox="1"/>
+          <p:nvPr/>
+        </p:nvSpPr>
+        <p:spPr>
+          <a:xfrm>
+            <a:off x="719403" y="2276872"/>
+            <a:ext cx="1248139" cy="1077218"/>
+          </a:xfrm>
+          <a:prstGeom prst="rect">
+            <a:avLst/>
+          </a:prstGeom>
+          <a:noFill/>
+        </p:spPr>
+        <p:txBody>
+          <a:bodyPr wrap="square" rtlCol="0">
+            <a:spAutoFit/>
+          </a:bodyPr>
+          <a:lstStyle/>
+          <a:p>
+            <a:r>
+              <a:rPr lang="en-US" sz="6400" b="1" dirty="0">
+                <a:solidFill>
+                  <a:srgbClr val="660033"/>
+                </a:solidFill>
+              </a:rPr>
+              <a:t>4.</a:t>
+            </a:r>
+            <a:endParaRPr lang="vi-VN" sz="6400" b="1" dirty="0">
+              <a:solidFill>
+                <a:srgbClr val="660033"/>
+              </a:solidFill>
+            </a:endParaRPr>
+          </a:p>
+        </p:txBody>
+      </p:sp>
+    </p:spTree>
+    <p:extLst>
+      <p:ext uri="{BB962C8B-B14F-4D97-AF65-F5344CB8AC3E}">
+        <p14:creationId xmlns:p14="http://schemas.microsoft.com/office/powerpoint/2010/main" val="2584815628"/>
+      </p:ext>
+    </p:extLst>
+  </p:cSld>
+  <p:clrMapOvr>
+    <a:masterClrMapping/>
+  </p:clrMapOvr>
+  <p:timing>
+    <p:tnLst>
+      <p:par>
+        <p:cTn id="1" dur="indefinite" restart="never" nodeType="tmRoot"/>
+      </p:par>
+    </p:tnLst>
+  </p:timing>
+</p:sld>
+</file>
+
+<file path=ppt/slides/slide16.xml><?xml version="1.0" encoding="utf-8"?>
+<p:sld xmlns:a="http://schemas.openxmlformats.org/drawingml/2006/main" xmlns:r="http://schemas.openxmlformats.org/officeDocument/2006/relationships" xmlns:p="http://schemas.openxmlformats.org/presentationml/2006/main">
+  <p:cSld>
+    <p:spTree>
+      <p:nvGrpSpPr>
+        <p:cNvPr id="1" name=""/>
+        <p:cNvGrpSpPr/>
+        <p:nvPr/>
+      </p:nvGrpSpPr>
+      <p:grpSpPr>
+        <a:xfrm>
+          <a:off x="0" y="0"/>
+          <a:ext cx="0" cy="0"/>
+          <a:chOff x="0" y="0"/>
+          <a:chExt cx="0" cy="0"/>
+        </a:xfrm>
+      </p:grpSpPr>
+      <p:sp>
+        <p:nvSpPr>
+          <p:cNvPr id="5" name="內容版面配置區 4"/>
+          <p:cNvSpPr>
+            <a:spLocks noGrp="1"/>
+          </p:cNvSpPr>
+          <p:nvPr>
+            <p:ph idx="1"/>
+          </p:nvPr>
+        </p:nvSpPr>
+        <p:spPr>
+          <a:xfrm>
+            <a:off x="0" y="2084851"/>
+            <a:ext cx="12192000" cy="2404863"/>
+          </a:xfrm>
+        </p:spPr>
+        <p:txBody>
+          <a:bodyPr anchor="ctr">
+            <a:normAutofit/>
+          </a:bodyPr>
+          <a:lstStyle/>
+          <a:p>
+            <a:pPr marL="0" indent="0" algn="ctr">
+              <a:buNone/>
+            </a:pPr>
+            <a:r>
+              <a:rPr lang="zh-TW" altLang="en-US" sz="6400" b="1" dirty="0">
+                <a:solidFill>
+                  <a:srgbClr val="660033"/>
+                </a:solidFill>
+                <a:latin typeface="Microsoft JhengHei" panose="020B0604030504040204" pitchFamily="34" charset="-120"/>
+                <a:ea typeface="Microsoft JhengHei" panose="020B0604030504040204" pitchFamily="34" charset="-120"/>
+              </a:rPr>
+              <a:t>生命之道極奇</a:t>
+            </a:r>
+          </a:p>
+          <a:p>
+            <a:pPr marL="0" indent="0" algn="ctr">
+              <a:buNone/>
+            </a:pPr>
+            <a:r>
+              <a:rPr lang="zh-TW" altLang="en-US" sz="6400" b="1" dirty="0">
+                <a:solidFill>
+                  <a:srgbClr val="660033"/>
+                </a:solidFill>
+                <a:latin typeface="Microsoft JhengHei" panose="020B0604030504040204" pitchFamily="34" charset="-120"/>
+                <a:ea typeface="Microsoft JhengHei" panose="020B0604030504040204" pitchFamily="34" charset="-120"/>
+              </a:rPr>
+              <a:t>我今篤信不疑</a:t>
+            </a:r>
+            <a:endParaRPr lang="zh-TW" altLang="en-US" sz="6400" b="1" dirty="0">
+              <a:solidFill>
+                <a:srgbClr val="660033"/>
+              </a:solidFill>
+              <a:latin typeface="Microsoft JhengHei" panose="020B0604030504040204" pitchFamily="34" charset="-120"/>
+              <a:ea typeface="Microsoft JhengHei" panose="020B0604030504040204" pitchFamily="34" charset="-120"/>
+            </a:endParaRPr>
+          </a:p>
+        </p:txBody>
+      </p:sp>
+    </p:spTree>
+    <p:extLst>
+      <p:ext uri="{BB962C8B-B14F-4D97-AF65-F5344CB8AC3E}">
+        <p14:creationId xmlns:p14="http://schemas.microsoft.com/office/powerpoint/2010/main" val="1131964165"/>
+      </p:ext>
+    </p:extLst>
+  </p:cSld>
+  <p:clrMapOvr>
+    <a:masterClrMapping/>
+  </p:clrMapOvr>
+  <p:timing>
+    <p:tnLst>
+      <p:par>
+        <p:cTn id="1" dur="indefinite" restart="never" nodeType="tmRoot"/>
+      </p:par>
+    </p:tnLst>
+  </p:timing>
+</p:sld>
+</file>
+
+<file path=ppt/slides/slide17.xml><?xml version="1.0" encoding="utf-8"?>
+<p:sld xmlns:a="http://schemas.openxmlformats.org/drawingml/2006/main" xmlns:r="http://schemas.openxmlformats.org/officeDocument/2006/relationships" xmlns:p="http://schemas.openxmlformats.org/presentationml/2006/main">
+  <p:cSld>
+    <p:spTree>
+      <p:nvGrpSpPr>
+        <p:cNvPr id="1" name=""/>
+        <p:cNvGrpSpPr/>
+        <p:nvPr/>
+      </p:nvGrpSpPr>
+      <p:grpSpPr>
+        <a:xfrm>
+          <a:off x="0" y="0"/>
+          <a:ext cx="0" cy="0"/>
+          <a:chOff x="0" y="0"/>
+          <a:chExt cx="0" cy="0"/>
+        </a:xfrm>
+      </p:grpSpPr>
+      <p:sp>
+        <p:nvSpPr>
+          <p:cNvPr id="5" name="內容版面配置區 4"/>
+          <p:cNvSpPr>
+            <a:spLocks noGrp="1"/>
+          </p:cNvSpPr>
+          <p:nvPr>
+            <p:ph idx="1"/>
+          </p:nvPr>
+        </p:nvSpPr>
+        <p:spPr>
+          <a:xfrm>
+            <a:off x="0" y="2084851"/>
+            <a:ext cx="12192000" cy="2404863"/>
+          </a:xfrm>
+        </p:spPr>
+        <p:txBody>
+          <a:bodyPr anchor="ctr">
+            <a:normAutofit/>
+          </a:bodyPr>
+          <a:lstStyle/>
+          <a:p>
+            <a:pPr marL="0" indent="0" algn="ctr">
+              <a:buNone/>
+            </a:pPr>
+            <a:r>
+              <a:rPr lang="zh-TW" altLang="en-US" sz="6400" b="1" dirty="0">
+                <a:solidFill>
+                  <a:srgbClr val="660033"/>
+                </a:solidFill>
+                <a:latin typeface="Microsoft JhengHei" panose="020B0604030504040204" pitchFamily="34" charset="-120"/>
+                <a:ea typeface="Microsoft JhengHei" panose="020B0604030504040204" pitchFamily="34" charset="-120"/>
+              </a:rPr>
+              <a:t>美哉主道  奇哉主</a:t>
+            </a:r>
+            <a:r>
+              <a:rPr lang="zh-TW" altLang="en-US" sz="6400" b="1" dirty="0">
+                <a:solidFill>
+                  <a:srgbClr val="660033"/>
+                </a:solidFill>
+                <a:latin typeface="Microsoft JhengHei" panose="020B0604030504040204" pitchFamily="34" charset="-120"/>
+                <a:ea typeface="Microsoft JhengHei" panose="020B0604030504040204" pitchFamily="34" charset="-120"/>
+              </a:rPr>
+              <a:t>道</a:t>
+            </a:r>
+            <a:endParaRPr lang="en-US" altLang="zh-TW" sz="6400" b="1" dirty="0">
+              <a:solidFill>
+                <a:srgbClr val="660033"/>
+              </a:solidFill>
+              <a:latin typeface="Microsoft JhengHei" panose="020B0604030504040204" pitchFamily="34" charset="-120"/>
+              <a:ea typeface="Microsoft JhengHei" panose="020B0604030504040204" pitchFamily="34" charset="-120"/>
+            </a:endParaRPr>
+          </a:p>
+          <a:p>
+            <a:pPr marL="0" indent="0" algn="ctr">
+              <a:buNone/>
+            </a:pPr>
+            <a:r>
+              <a:rPr lang="zh-TW" altLang="en-US" sz="6400" b="1" dirty="0">
+                <a:solidFill>
+                  <a:srgbClr val="660033"/>
+                </a:solidFill>
+                <a:latin typeface="Microsoft JhengHei" panose="020B0604030504040204" pitchFamily="34" charset="-120"/>
+                <a:ea typeface="Microsoft JhengHei" panose="020B0604030504040204" pitchFamily="34" charset="-120"/>
+              </a:rPr>
+              <a:t>生</a:t>
+            </a:r>
+            <a:r>
+              <a:rPr lang="zh-TW" altLang="en-US" sz="6400" b="1" dirty="0">
+                <a:solidFill>
+                  <a:srgbClr val="660033"/>
+                </a:solidFill>
+                <a:latin typeface="Microsoft JhengHei" panose="020B0604030504040204" pitchFamily="34" charset="-120"/>
+                <a:ea typeface="Microsoft JhengHei" panose="020B0604030504040204" pitchFamily="34" charset="-120"/>
+              </a:rPr>
+              <a:t>命之道極奇</a:t>
+            </a:r>
+            <a:endParaRPr lang="en-US" altLang="zh-TW" sz="6400" b="1" dirty="0">
+              <a:solidFill>
+                <a:srgbClr val="660033"/>
+              </a:solidFill>
+              <a:latin typeface="Microsoft JhengHei" panose="020B0604030504040204" pitchFamily="34" charset="-120"/>
+              <a:ea typeface="Microsoft JhengHei" panose="020B0604030504040204" pitchFamily="34" charset="-120"/>
+            </a:endParaRPr>
+          </a:p>
+        </p:txBody>
+      </p:sp>
+      <p:sp>
+        <p:nvSpPr>
+          <p:cNvPr id="2" name="TextBox 1"/>
+          <p:cNvSpPr txBox="1"/>
+          <p:nvPr/>
+        </p:nvSpPr>
+        <p:spPr>
+          <a:xfrm>
+            <a:off x="0" y="5061182"/>
+            <a:ext cx="12192000" cy="913007"/>
+          </a:xfrm>
+          <a:prstGeom prst="rect">
+            <a:avLst/>
+          </a:prstGeom>
+          <a:noFill/>
+        </p:spPr>
+        <p:txBody>
+          <a:bodyPr wrap="square" rtlCol="0">
+            <a:spAutoFit/>
+          </a:bodyPr>
+          <a:lstStyle/>
+          <a:p>
+            <a:pPr algn="ctr"/>
+            <a:r>
+              <a:rPr lang="en-US" sz="5333" b="1" dirty="0">
+                <a:solidFill>
+                  <a:srgbClr val="660033"/>
+                </a:solidFill>
+              </a:rPr>
+              <a:t>( x2 )</a:t>
+            </a:r>
+            <a:endParaRPr lang="vi-VN" sz="5333" b="1" dirty="0">
+              <a:solidFill>
+                <a:srgbClr val="660033"/>
+              </a:solidFill>
+            </a:endParaRPr>
+          </a:p>
+        </p:txBody>
+      </p:sp>
+    </p:spTree>
+    <p:extLst>
+      <p:ext uri="{BB962C8B-B14F-4D97-AF65-F5344CB8AC3E}">
+        <p14:creationId xmlns:p14="http://schemas.microsoft.com/office/powerpoint/2010/main" val="3279825639"/>
+      </p:ext>
+    </p:extLst>
+  </p:cSld>
+  <p:clrMapOvr>
+    <a:masterClrMapping/>
+  </p:clrMapOvr>
+  <p:timing>
+    <p:tnLst>
+      <p:par>
+        <p:cTn id="1" dur="indefinite" restart="never" nodeType="tmRoot"/>
+      </p:par>
+    </p:tnLst>
+  </p:timing>
 </p:sld>
 </file>
 
@@ -3920,215 +4970,98 @@
       </p:grpSpPr>
       <p:sp>
         <p:nvSpPr>
-          <p:cNvPr id="4" name="Title 3"/>
-          <p:cNvSpPr>
-            <a:spLocks noGrp="1"/>
-          </p:cNvSpPr>
-          <p:nvPr>
-            <p:ph type="title"/>
-          </p:nvPr>
-        </p:nvSpPr>
-        <p:spPr/>
-        <p:txBody>
-          <a:bodyPr>
+          <p:cNvPr id="5" name="內容版面配置區 4"/>
+          <p:cNvSpPr>
+            <a:spLocks noGrp="1"/>
+          </p:cNvSpPr>
+          <p:nvPr>
+            <p:ph idx="1"/>
+          </p:nvPr>
+        </p:nvSpPr>
+        <p:spPr>
+          <a:xfrm>
+            <a:off x="0" y="2084851"/>
+            <a:ext cx="12192000" cy="2404863"/>
+          </a:xfrm>
+        </p:spPr>
+        <p:txBody>
+          <a:bodyPr anchor="ctr">
             <a:normAutofit/>
           </a:bodyPr>
           <a:lstStyle/>
           <a:p>
-            <a:r>
-              <a:rPr lang="en-US" altLang="zh-CN" sz="4800" b="1" dirty="0">
-                <a:solidFill>
-                  <a:srgbClr val="002060"/>
+            <a:pPr marL="0" indent="0" algn="ctr">
+              <a:buNone/>
+            </a:pPr>
+            <a:r>
+              <a:rPr lang="zh-TW" altLang="en-US" sz="6400" b="1" dirty="0">
+                <a:solidFill>
+                  <a:srgbClr val="660033"/>
                 </a:solidFill>
                 <a:latin typeface="Microsoft JhengHei" panose="020B0604030504040204" pitchFamily="34" charset="-120"/>
                 <a:ea typeface="Microsoft JhengHei" panose="020B0604030504040204" pitchFamily="34" charset="-120"/>
               </a:rPr>
-              <a:t>【</a:t>
-            </a:r>
-            <a:r>
-              <a:rPr lang="zh-CN" altLang="en-US" sz="4800" b="1" dirty="0">
-                <a:solidFill>
-                  <a:srgbClr val="002060"/>
+              <a:t>聖經都是真神言語</a:t>
+            </a:r>
+          </a:p>
+          <a:p>
+            <a:pPr marL="0" indent="0" algn="ctr">
+              <a:buNone/>
+            </a:pPr>
+            <a:r>
+              <a:rPr lang="zh-TW" altLang="en-US" sz="6400" b="1" dirty="0">
+                <a:solidFill>
+                  <a:srgbClr val="660033"/>
                 </a:solidFill>
                 <a:latin typeface="Microsoft JhengHei" panose="020B0604030504040204" pitchFamily="34" charset="-120"/>
                 <a:ea typeface="Microsoft JhengHei" panose="020B0604030504040204" pitchFamily="34" charset="-120"/>
               </a:rPr>
-              <a:t>生命之道</a:t>
-            </a:r>
-            <a:r>
-              <a:rPr lang="en-US" altLang="zh-CN" sz="4800" b="1" dirty="0">
-                <a:solidFill>
-                  <a:srgbClr val="002060"/>
-                </a:solidFill>
-                <a:latin typeface="Microsoft JhengHei" panose="020B0604030504040204" pitchFamily="34" charset="-120"/>
-                <a:ea typeface="Microsoft JhengHei" panose="020B0604030504040204" pitchFamily="34" charset="-120"/>
-              </a:rPr>
-              <a:t>】</a:t>
-            </a:r>
-          </a:p>
-        </p:txBody>
-      </p:sp>
-      <p:sp>
-        <p:nvSpPr>
-          <p:cNvPr id="5" name="Content Placeholder 4"/>
-          <p:cNvSpPr>
-            <a:spLocks noGrp="1"/>
-          </p:cNvSpPr>
-          <p:nvPr>
-            <p:ph idx="1"/>
-          </p:nvPr>
+              <a:t>證明耶穌基督</a:t>
+            </a:r>
+            <a:endParaRPr lang="en-US" altLang="zh-TW" sz="6400" b="1" dirty="0">
+              <a:solidFill>
+                <a:srgbClr val="660033"/>
+              </a:solidFill>
+              <a:latin typeface="Microsoft JhengHei" pitchFamily="34" charset="-120"/>
+              <a:ea typeface="Microsoft JhengHei" pitchFamily="34" charset="-120"/>
+            </a:endParaRPr>
+          </a:p>
+        </p:txBody>
+      </p:sp>
+      <p:sp>
+        <p:nvSpPr>
+          <p:cNvPr id="3" name="TextBox 2"/>
+          <p:cNvSpPr txBox="1"/>
+          <p:nvPr/>
         </p:nvSpPr>
         <p:spPr>
           <a:xfrm>
-            <a:off x="609600" y="1600203"/>
-            <a:ext cx="10972800" cy="5257797"/>
+            <a:off x="719403" y="2276872"/>
+            <a:ext cx="1248139" cy="1077218"/>
           </a:xfrm>
+          <a:prstGeom prst="rect">
+            <a:avLst/>
+          </a:prstGeom>
+          <a:noFill/>
         </p:spPr>
         <p:txBody>
-          <a:bodyPr>
-            <a:normAutofit/>
+          <a:bodyPr wrap="square" rtlCol="0">
+            <a:spAutoFit/>
           </a:bodyPr>
           <a:lstStyle/>
           <a:p>
-            <a:pPr marL="0" indent="0" algn="ctr">
-              <a:buNone/>
-            </a:pPr>
-            <a:r>
-              <a:rPr lang="zh-TW" altLang="en-US" sz="5400" b="1" dirty="0">
-                <a:solidFill>
-                  <a:srgbClr val="002060"/>
-                </a:solidFill>
-                <a:latin typeface="Microsoft JhengHei" panose="020B0604030504040204" pitchFamily="34" charset="-120"/>
-                <a:ea typeface="Microsoft JhengHei" panose="020B0604030504040204" pitchFamily="34" charset="-120"/>
+            <a:r>
+              <a:rPr lang="en-US" sz="6400" b="1" dirty="0">
+                <a:solidFill>
+                  <a:srgbClr val="660033"/>
+                </a:solidFill>
               </a:rPr>
-              <a:t>生命之道極奇</a:t>
-            </a:r>
-          </a:p>
-          <a:p>
-            <a:pPr marL="0" indent="0" algn="ctr">
-              <a:buNone/>
-            </a:pPr>
-            <a:r>
-              <a:rPr lang="zh-TW" altLang="en-US" sz="5400" b="1" dirty="0">
-                <a:solidFill>
-                  <a:srgbClr val="002060"/>
-                </a:solidFill>
-                <a:latin typeface="Microsoft JhengHei" panose="020B0604030504040204" pitchFamily="34" charset="-120"/>
-                <a:ea typeface="Microsoft JhengHei" panose="020B0604030504040204" pitchFamily="34" charset="-120"/>
-              </a:rPr>
-              <a:t>我今篤信不疑</a:t>
-            </a:r>
-          </a:p>
-          <a:p>
-            <a:pPr marL="0" indent="0" algn="ctr">
-              <a:buNone/>
-            </a:pPr>
-            <a:r>
-              <a:rPr lang="zh-TW" altLang="en-US" sz="5400" b="1" dirty="0">
-                <a:solidFill>
-                  <a:srgbClr val="002060"/>
-                </a:solidFill>
-                <a:latin typeface="Microsoft JhengHei" panose="020B0604030504040204" pitchFamily="34" charset="-120"/>
-                <a:ea typeface="Microsoft JhengHei" panose="020B0604030504040204" pitchFamily="34" charset="-120"/>
-              </a:rPr>
-              <a:t>美</a:t>
-            </a:r>
-            <a:r>
-              <a:rPr lang="zh-TW" altLang="en-US" sz="5400" b="1" dirty="0">
-                <a:solidFill>
-                  <a:srgbClr val="002060"/>
-                </a:solidFill>
-                <a:latin typeface="Microsoft JhengHei" panose="020B0604030504040204" pitchFamily="34" charset="-120"/>
-                <a:ea typeface="Microsoft JhengHei" panose="020B0604030504040204" pitchFamily="34" charset="-120"/>
-              </a:rPr>
-              <a:t>哉主道  奇哉主</a:t>
-            </a:r>
-            <a:r>
-              <a:rPr lang="zh-TW" altLang="en-US" sz="5400" b="1" dirty="0">
-                <a:solidFill>
-                  <a:srgbClr val="002060"/>
-                </a:solidFill>
-                <a:latin typeface="Microsoft JhengHei" panose="020B0604030504040204" pitchFamily="34" charset="-120"/>
-                <a:ea typeface="Microsoft JhengHei" panose="020B0604030504040204" pitchFamily="34" charset="-120"/>
-              </a:rPr>
-              <a:t>道  生</a:t>
-            </a:r>
-            <a:r>
-              <a:rPr lang="zh-TW" altLang="en-US" sz="5400" b="1" dirty="0">
-                <a:solidFill>
-                  <a:srgbClr val="002060"/>
-                </a:solidFill>
-                <a:latin typeface="Microsoft JhengHei" panose="020B0604030504040204" pitchFamily="34" charset="-120"/>
-                <a:ea typeface="Microsoft JhengHei" panose="020B0604030504040204" pitchFamily="34" charset="-120"/>
-              </a:rPr>
-              <a:t>命之道極</a:t>
-            </a:r>
-            <a:r>
-              <a:rPr lang="zh-TW" altLang="en-US" sz="5400" b="1" dirty="0">
-                <a:solidFill>
-                  <a:srgbClr val="002060"/>
-                </a:solidFill>
-                <a:latin typeface="Microsoft JhengHei" panose="020B0604030504040204" pitchFamily="34" charset="-120"/>
-                <a:ea typeface="Microsoft JhengHei" panose="020B0604030504040204" pitchFamily="34" charset="-120"/>
-              </a:rPr>
-              <a:t>奇</a:t>
-            </a:r>
-            <a:endParaRPr lang="en-US" altLang="zh-TW" sz="5400" b="1" dirty="0">
+              <a:t>1.</a:t>
+            </a:r>
+            <a:endParaRPr lang="vi-VN" sz="6400" b="1" dirty="0">
               <a:solidFill>
-                <a:srgbClr val="002060"/>
+                <a:srgbClr val="660033"/>
               </a:solidFill>
-              <a:latin typeface="Microsoft JhengHei" panose="020B0604030504040204" pitchFamily="34" charset="-120"/>
-              <a:ea typeface="Microsoft JhengHei" panose="020B0604030504040204" pitchFamily="34" charset="-120"/>
-            </a:endParaRPr>
-          </a:p>
-          <a:p>
-            <a:pPr marL="0" indent="0" algn="ctr">
-              <a:buNone/>
-            </a:pPr>
-            <a:r>
-              <a:rPr lang="zh-TW" altLang="en-US" sz="5400" b="1" dirty="0">
-                <a:solidFill>
-                  <a:srgbClr val="002060"/>
-                </a:solidFill>
-                <a:latin typeface="Microsoft JhengHei" panose="020B0604030504040204" pitchFamily="34" charset="-120"/>
-                <a:ea typeface="Microsoft JhengHei" panose="020B0604030504040204" pitchFamily="34" charset="-120"/>
-              </a:rPr>
-              <a:t>美哉主道  奇哉主</a:t>
-            </a:r>
-            <a:r>
-              <a:rPr lang="zh-TW" altLang="en-US" sz="5400" b="1" dirty="0">
-                <a:solidFill>
-                  <a:srgbClr val="002060"/>
-                </a:solidFill>
-                <a:latin typeface="Microsoft JhengHei" panose="020B0604030504040204" pitchFamily="34" charset="-120"/>
-                <a:ea typeface="Microsoft JhengHei" panose="020B0604030504040204" pitchFamily="34" charset="-120"/>
-              </a:rPr>
-              <a:t>道  生</a:t>
-            </a:r>
-            <a:r>
-              <a:rPr lang="zh-TW" altLang="en-US" sz="5400" b="1" dirty="0">
-                <a:solidFill>
-                  <a:srgbClr val="002060"/>
-                </a:solidFill>
-                <a:latin typeface="Microsoft JhengHei" panose="020B0604030504040204" pitchFamily="34" charset="-120"/>
-                <a:ea typeface="Microsoft JhengHei" panose="020B0604030504040204" pitchFamily="34" charset="-120"/>
-              </a:rPr>
-              <a:t>命之道極奇</a:t>
-            </a:r>
-            <a:r>
-              <a:rPr lang="en-US" altLang="zh-TW" sz="5400" dirty="0">
-                <a:ea typeface="中國龍標準楷" pitchFamily="49" charset="-120"/>
-              </a:rPr>
-              <a:t> </a:t>
-            </a:r>
-            <a:r>
-              <a:rPr lang="en-US" altLang="zh-TW" sz="5400" dirty="0" smtClean="0">
-                <a:ea typeface="中國龍標準楷" pitchFamily="49" charset="-120"/>
-              </a:rPr>
-              <a:t> </a:t>
-            </a:r>
-            <a:endParaRPr lang="zh-CN" altLang="en-US" sz="5400" dirty="0">
-              <a:ea typeface="中國龍標準楷" pitchFamily="49" charset="-120"/>
             </a:endParaRPr>
           </a:p>
         </p:txBody>
@@ -4136,13 +5069,20 @@
     </p:spTree>
     <p:extLst>
       <p:ext uri="{BB962C8B-B14F-4D97-AF65-F5344CB8AC3E}">
-        <p14:creationId xmlns:p14="http://schemas.microsoft.com/office/powerpoint/2010/main" val="226791519"/>
+        <p14:creationId xmlns:p14="http://schemas.microsoft.com/office/powerpoint/2010/main" val="1158235945"/>
       </p:ext>
     </p:extLst>
   </p:cSld>
   <p:clrMapOvr>
     <a:masterClrMapping/>
   </p:clrMapOvr>
+  <p:timing>
+    <p:tnLst>
+      <p:par>
+        <p:cTn id="1" dur="indefinite" restart="never" nodeType="tmRoot"/>
+      </p:par>
+    </p:tnLst>
+  </p:timing>
 </p:sld>
 </file>
 
@@ -4165,178 +5105,97 @@
       </p:grpSpPr>
       <p:sp>
         <p:nvSpPr>
-          <p:cNvPr id="4" name="Title 3"/>
-          <p:cNvSpPr>
-            <a:spLocks noGrp="1"/>
-          </p:cNvSpPr>
-          <p:nvPr>
-            <p:ph type="title"/>
-          </p:nvPr>
-        </p:nvSpPr>
-        <p:spPr/>
-        <p:txBody>
-          <a:bodyPr>
+          <p:cNvPr id="5" name="內容版面配置區 4"/>
+          <p:cNvSpPr>
+            <a:spLocks noGrp="1"/>
+          </p:cNvSpPr>
+          <p:nvPr>
+            <p:ph idx="1"/>
+          </p:nvPr>
+        </p:nvSpPr>
+        <p:spPr>
+          <a:xfrm>
+            <a:off x="0" y="2084851"/>
+            <a:ext cx="12192000" cy="2404863"/>
+          </a:xfrm>
+        </p:spPr>
+        <p:txBody>
+          <a:bodyPr anchor="ctr">
             <a:normAutofit/>
           </a:bodyPr>
           <a:lstStyle/>
           <a:p>
-            <a:r>
-              <a:rPr lang="en-US" altLang="zh-CN" sz="4800" b="1" dirty="0">
-                <a:solidFill>
-                  <a:srgbClr val="002060"/>
+            <a:pPr marL="0" indent="0" algn="ctr">
+              <a:buNone/>
+            </a:pPr>
+            <a:r>
+              <a:rPr lang="zh-TW" altLang="en-US" sz="6400" b="1" dirty="0">
+                <a:solidFill>
+                  <a:srgbClr val="660033"/>
                 </a:solidFill>
                 <a:latin typeface="Microsoft JhengHei" panose="020B0604030504040204" pitchFamily="34" charset="-120"/>
                 <a:ea typeface="Microsoft JhengHei" panose="020B0604030504040204" pitchFamily="34" charset="-120"/>
               </a:rPr>
-              <a:t>【</a:t>
-            </a:r>
-            <a:r>
-              <a:rPr lang="zh-CN" altLang="en-US" sz="4800" b="1" dirty="0">
-                <a:solidFill>
-                  <a:srgbClr val="002060"/>
+              <a:t>道成肉身釘於十架</a:t>
+            </a:r>
+          </a:p>
+          <a:p>
+            <a:pPr marL="0" indent="0" algn="ctr">
+              <a:buNone/>
+            </a:pPr>
+            <a:r>
+              <a:rPr lang="zh-TW" altLang="en-US" sz="6400" b="1" dirty="0">
+                <a:solidFill>
+                  <a:srgbClr val="660033"/>
                 </a:solidFill>
                 <a:latin typeface="Microsoft JhengHei" panose="020B0604030504040204" pitchFamily="34" charset="-120"/>
                 <a:ea typeface="Microsoft JhengHei" panose="020B0604030504040204" pitchFamily="34" charset="-120"/>
               </a:rPr>
-              <a:t>生命之道</a:t>
-            </a:r>
-            <a:r>
-              <a:rPr lang="en-US" altLang="zh-CN" sz="4800" b="1" dirty="0">
-                <a:solidFill>
-                  <a:srgbClr val="002060"/>
-                </a:solidFill>
-                <a:latin typeface="Microsoft JhengHei" panose="020B0604030504040204" pitchFamily="34" charset="-120"/>
-                <a:ea typeface="Microsoft JhengHei" panose="020B0604030504040204" pitchFamily="34" charset="-120"/>
-              </a:rPr>
-              <a:t>】</a:t>
-            </a:r>
-          </a:p>
-        </p:txBody>
-      </p:sp>
-      <p:sp>
-        <p:nvSpPr>
-          <p:cNvPr id="5" name="Content Placeholder 4"/>
-          <p:cNvSpPr>
-            <a:spLocks noGrp="1"/>
-          </p:cNvSpPr>
-          <p:nvPr>
-            <p:ph idx="1"/>
-          </p:nvPr>
-        </p:nvSpPr>
-        <p:spPr/>
-        <p:txBody>
-          <a:bodyPr>
-            <a:normAutofit/>
-          </a:bodyPr>
-          <a:lstStyle/>
-          <a:p>
-            <a:pPr marL="0" indent="0" algn="ctr">
-              <a:buNone/>
-            </a:pPr>
-            <a:r>
-              <a:rPr lang="zh-TW" altLang="en-US" sz="5400" b="1" dirty="0">
-                <a:solidFill>
-                  <a:srgbClr val="002060"/>
-                </a:solidFill>
-                <a:latin typeface="Microsoft JhengHei" panose="020B0604030504040204" pitchFamily="34" charset="-120"/>
-                <a:ea typeface="Microsoft JhengHei" panose="020B0604030504040204" pitchFamily="34" charset="-120"/>
-              </a:rPr>
-              <a:t>真神應許盡在聖經</a:t>
-            </a:r>
-          </a:p>
-          <a:p>
-            <a:pPr marL="0" indent="0" algn="ctr">
-              <a:buNone/>
-            </a:pPr>
-            <a:r>
-              <a:rPr lang="zh-TW" altLang="en-US" sz="5400" b="1" dirty="0">
-                <a:solidFill>
-                  <a:srgbClr val="002060"/>
-                </a:solidFill>
-                <a:latin typeface="Microsoft JhengHei" panose="020B0604030504040204" pitchFamily="34" charset="-120"/>
-                <a:ea typeface="Microsoft JhengHei" panose="020B0604030504040204" pitchFamily="34" charset="-120"/>
-              </a:rPr>
-              <a:t>備及今世來生</a:t>
-            </a:r>
-          </a:p>
-          <a:p>
-            <a:pPr marL="0" indent="0" algn="ctr">
-              <a:buNone/>
-            </a:pPr>
-            <a:r>
-              <a:rPr lang="zh-TW" altLang="en-US" sz="5400" b="1" dirty="0">
-                <a:solidFill>
-                  <a:srgbClr val="002060"/>
-                </a:solidFill>
-                <a:latin typeface="Microsoft JhengHei" panose="020B0604030504040204" pitchFamily="34" charset="-120"/>
-                <a:ea typeface="Microsoft JhengHei" panose="020B0604030504040204" pitchFamily="34" charset="-120"/>
-              </a:rPr>
-              <a:t>是我產業成我詩歌</a:t>
-            </a:r>
-          </a:p>
-          <a:p>
-            <a:pPr marL="0" indent="0" algn="ctr">
-              <a:buNone/>
-            </a:pPr>
-            <a:r>
-              <a:rPr lang="zh-TW" altLang="en-US" sz="5400" b="1" dirty="0">
-                <a:solidFill>
-                  <a:srgbClr val="002060"/>
-                </a:solidFill>
-                <a:latin typeface="Microsoft JhengHei" panose="020B0604030504040204" pitchFamily="34" charset="-120"/>
-                <a:ea typeface="Microsoft JhengHei" panose="020B0604030504040204" pitchFamily="34" charset="-120"/>
-              </a:rPr>
-              <a:t>為我暗處明燈</a:t>
-            </a:r>
-          </a:p>
-        </p:txBody>
-      </p:sp>
-      <p:sp>
-        <p:nvSpPr>
-          <p:cNvPr id="6" name="Text Box 1"/>
+              <a:t>流血洗我罪污</a:t>
+            </a:r>
+            <a:endParaRPr lang="zh-TW" altLang="en-US" sz="6400" b="1" dirty="0">
+              <a:solidFill>
+                <a:srgbClr val="660033"/>
+              </a:solidFill>
+              <a:latin typeface="Microsoft JhengHei" panose="020B0604030504040204" pitchFamily="34" charset="-120"/>
+              <a:ea typeface="Microsoft JhengHei" panose="020B0604030504040204" pitchFamily="34" charset="-120"/>
+            </a:endParaRPr>
+          </a:p>
+        </p:txBody>
+      </p:sp>
+      <p:sp>
+        <p:nvSpPr>
+          <p:cNvPr id="4" name="TextBox 3"/>
           <p:cNvSpPr txBox="1"/>
           <p:nvPr/>
         </p:nvSpPr>
         <p:spPr>
           <a:xfrm>
-            <a:off x="1199456" y="1700808"/>
-            <a:ext cx="1380490" cy="923330"/>
+            <a:off x="719403" y="2276872"/>
+            <a:ext cx="1248139" cy="1077218"/>
           </a:xfrm>
           <a:prstGeom prst="rect">
             <a:avLst/>
           </a:prstGeom>
           <a:noFill/>
-          <a:ln w="9525">
-            <a:noFill/>
-            <a:miter lim="800000"/>
-          </a:ln>
         </p:spPr>
         <p:txBody>
-          <a:bodyPr wrap="square">
+          <a:bodyPr wrap="square" rtlCol="0">
             <a:spAutoFit/>
           </a:bodyPr>
           <a:lstStyle/>
           <a:p>
-            <a:pPr algn="ctr"/>
-            <a:r>
-              <a:rPr lang="en-US" sz="5400" b="1" dirty="0">
-                <a:solidFill>
-                  <a:srgbClr val="002060"/>
+            <a:r>
+              <a:rPr lang="en-US" sz="6400" b="1" dirty="0">
+                <a:solidFill>
+                  <a:srgbClr val="660033"/>
                 </a:solidFill>
               </a:rPr>
-              <a:t>2</a:t>
-            </a:r>
-            <a:r>
-              <a:rPr lang="en-US" sz="5400" b="1" dirty="0" smtClean="0">
-                <a:solidFill>
-                  <a:srgbClr val="002060"/>
-                </a:solidFill>
-              </a:rPr>
-              <a:t>.</a:t>
-            </a:r>
-            <a:endParaRPr lang="en-US" sz="5400" b="1" dirty="0">
+              <a:t>1.</a:t>
+            </a:r>
+            <a:endParaRPr lang="vi-VN" sz="6400" b="1" dirty="0">
               <a:solidFill>
-                <a:srgbClr val="002060"/>
+                <a:srgbClr val="660033"/>
               </a:solidFill>
             </a:endParaRPr>
           </a:p>
@@ -4345,13 +5204,20 @@
     </p:spTree>
     <p:extLst>
       <p:ext uri="{BB962C8B-B14F-4D97-AF65-F5344CB8AC3E}">
-        <p14:creationId xmlns:p14="http://schemas.microsoft.com/office/powerpoint/2010/main" val="2328874907"/>
+        <p14:creationId xmlns:p14="http://schemas.microsoft.com/office/powerpoint/2010/main" val="3582872236"/>
       </p:ext>
     </p:extLst>
   </p:cSld>
   <p:clrMapOvr>
     <a:masterClrMapping/>
   </p:clrMapOvr>
+  <p:timing>
+    <p:tnLst>
+      <p:par>
+        <p:cTn id="1" dur="indefinite" restart="never" nodeType="tmRoot"/>
+      </p:par>
+    </p:tnLst>
+  </p:timing>
 </p:sld>
 </file>
 
@@ -4374,83 +5240,33 @@
       </p:grpSpPr>
       <p:sp>
         <p:nvSpPr>
-          <p:cNvPr id="4" name="Title 3"/>
-          <p:cNvSpPr>
-            <a:spLocks noGrp="1"/>
-          </p:cNvSpPr>
-          <p:nvPr>
-            <p:ph type="title"/>
-          </p:nvPr>
-        </p:nvSpPr>
-        <p:spPr/>
-        <p:txBody>
-          <a:bodyPr>
+          <p:cNvPr id="5" name="內容版面配置區 4"/>
+          <p:cNvSpPr>
+            <a:spLocks noGrp="1"/>
+          </p:cNvSpPr>
+          <p:nvPr>
+            <p:ph idx="1"/>
+          </p:nvPr>
+        </p:nvSpPr>
+        <p:spPr>
+          <a:xfrm>
+            <a:off x="0" y="2084851"/>
+            <a:ext cx="12192000" cy="2404863"/>
+          </a:xfrm>
+        </p:spPr>
+        <p:txBody>
+          <a:bodyPr anchor="ctr">
             <a:normAutofit/>
           </a:bodyPr>
           <a:lstStyle/>
           <a:p>
-            <a:r>
-              <a:rPr lang="en-US" altLang="zh-CN" sz="4800" b="1" dirty="0">
-                <a:solidFill>
-                  <a:srgbClr val="002060"/>
-                </a:solidFill>
-                <a:latin typeface="Microsoft JhengHei" panose="020B0604030504040204" pitchFamily="34" charset="-120"/>
-                <a:ea typeface="Microsoft JhengHei" panose="020B0604030504040204" pitchFamily="34" charset="-120"/>
-              </a:rPr>
-              <a:t>【</a:t>
-            </a:r>
-            <a:r>
-              <a:rPr lang="zh-CN" altLang="en-US" sz="4800" b="1" dirty="0">
-                <a:solidFill>
-                  <a:srgbClr val="002060"/>
-                </a:solidFill>
-                <a:latin typeface="Microsoft JhengHei" panose="020B0604030504040204" pitchFamily="34" charset="-120"/>
-                <a:ea typeface="Microsoft JhengHei" panose="020B0604030504040204" pitchFamily="34" charset="-120"/>
-              </a:rPr>
-              <a:t>生命之道</a:t>
-            </a:r>
-            <a:r>
-              <a:rPr lang="en-US" altLang="zh-CN" sz="4800" b="1" dirty="0">
-                <a:solidFill>
-                  <a:srgbClr val="002060"/>
-                </a:solidFill>
-                <a:latin typeface="Microsoft JhengHei" panose="020B0604030504040204" pitchFamily="34" charset="-120"/>
-                <a:ea typeface="Microsoft JhengHei" panose="020B0604030504040204" pitchFamily="34" charset="-120"/>
-              </a:rPr>
-              <a:t>】</a:t>
-            </a:r>
-          </a:p>
-        </p:txBody>
-      </p:sp>
-      <p:sp>
-        <p:nvSpPr>
-          <p:cNvPr id="5" name="Content Placeholder 4"/>
-          <p:cNvSpPr>
-            <a:spLocks noGrp="1"/>
-          </p:cNvSpPr>
-          <p:nvPr>
-            <p:ph idx="1"/>
-          </p:nvPr>
-        </p:nvSpPr>
-        <p:spPr>
-          <a:xfrm>
-            <a:off x="609600" y="1600203"/>
-            <a:ext cx="10972800" cy="5257797"/>
-          </a:xfrm>
-        </p:spPr>
-        <p:txBody>
-          <a:bodyPr>
-            <a:normAutofit/>
-          </a:bodyPr>
-          <a:lstStyle/>
-          <a:p>
             <a:pPr marL="0" indent="0" algn="ctr">
               <a:buNone/>
             </a:pPr>
             <a:r>
-              <a:rPr lang="zh-TW" altLang="en-US" sz="5400" b="1" dirty="0">
-                <a:solidFill>
-                  <a:srgbClr val="002060"/>
+              <a:rPr lang="zh-TW" altLang="en-US" sz="6400" b="1" dirty="0">
+                <a:solidFill>
+                  <a:srgbClr val="660033"/>
                 </a:solidFill>
                 <a:latin typeface="Microsoft JhengHei" panose="020B0604030504040204" pitchFamily="34" charset="-120"/>
                 <a:ea typeface="Microsoft JhengHei" panose="020B0604030504040204" pitchFamily="34" charset="-120"/>
@@ -4463,140 +5279,42 @@
               <a:buNone/>
             </a:pPr>
             <a:r>
-              <a:rPr lang="zh-TW" altLang="en-US" sz="5400" b="1" dirty="0">
-                <a:solidFill>
-                  <a:srgbClr val="002060"/>
+              <a:rPr lang="zh-TW" altLang="en-US" sz="6400" b="1" dirty="0">
+                <a:solidFill>
+                  <a:srgbClr val="660033"/>
                 </a:solidFill>
                 <a:latin typeface="Microsoft JhengHei" panose="020B0604030504040204" pitchFamily="34" charset="-120"/>
                 <a:ea typeface="Microsoft JhengHei" panose="020B0604030504040204" pitchFamily="34" charset="-120"/>
               </a:rPr>
               <a:t>我今篤信不疑</a:t>
             </a:r>
-          </a:p>
-          <a:p>
-            <a:pPr marL="0" indent="0" algn="ctr">
-              <a:buNone/>
-            </a:pPr>
-            <a:r>
-              <a:rPr lang="zh-TW" altLang="en-US" sz="5400" b="1" dirty="0">
-                <a:solidFill>
-                  <a:srgbClr val="002060"/>
-                </a:solidFill>
-                <a:latin typeface="Microsoft JhengHei" panose="020B0604030504040204" pitchFamily="34" charset="-120"/>
-                <a:ea typeface="Microsoft JhengHei" panose="020B0604030504040204" pitchFamily="34" charset="-120"/>
-              </a:rPr>
-              <a:t>美</a:t>
-            </a:r>
-            <a:r>
-              <a:rPr lang="zh-TW" altLang="en-US" sz="5400" b="1" dirty="0">
-                <a:solidFill>
-                  <a:srgbClr val="002060"/>
-                </a:solidFill>
-                <a:latin typeface="Microsoft JhengHei" panose="020B0604030504040204" pitchFamily="34" charset="-120"/>
-                <a:ea typeface="Microsoft JhengHei" panose="020B0604030504040204" pitchFamily="34" charset="-120"/>
-              </a:rPr>
-              <a:t>哉主道  奇哉主</a:t>
-            </a:r>
-            <a:r>
-              <a:rPr lang="zh-TW" altLang="en-US" sz="5400" b="1" dirty="0">
-                <a:solidFill>
-                  <a:srgbClr val="002060"/>
-                </a:solidFill>
-                <a:latin typeface="Microsoft JhengHei" panose="020B0604030504040204" pitchFamily="34" charset="-120"/>
-                <a:ea typeface="Microsoft JhengHei" panose="020B0604030504040204" pitchFamily="34" charset="-120"/>
-              </a:rPr>
-              <a:t>道  生</a:t>
-            </a:r>
-            <a:r>
-              <a:rPr lang="zh-TW" altLang="en-US" sz="5400" b="1" dirty="0">
-                <a:solidFill>
-                  <a:srgbClr val="002060"/>
-                </a:solidFill>
-                <a:latin typeface="Microsoft JhengHei" panose="020B0604030504040204" pitchFamily="34" charset="-120"/>
-                <a:ea typeface="Microsoft JhengHei" panose="020B0604030504040204" pitchFamily="34" charset="-120"/>
-              </a:rPr>
-              <a:t>命之道極</a:t>
-            </a:r>
-            <a:r>
-              <a:rPr lang="zh-TW" altLang="en-US" sz="5400" b="1" dirty="0">
-                <a:solidFill>
-                  <a:srgbClr val="002060"/>
-                </a:solidFill>
-                <a:latin typeface="Microsoft JhengHei" panose="020B0604030504040204" pitchFamily="34" charset="-120"/>
-                <a:ea typeface="Microsoft JhengHei" panose="020B0604030504040204" pitchFamily="34" charset="-120"/>
-              </a:rPr>
-              <a:t>奇</a:t>
-            </a:r>
-            <a:endParaRPr lang="en-US" altLang="zh-TW" sz="5400" b="1" dirty="0">
+            <a:endParaRPr lang="zh-TW" altLang="en-US" sz="6400" b="1" dirty="0">
               <a:solidFill>
-                <a:srgbClr val="002060"/>
+                <a:srgbClr val="660033"/>
               </a:solidFill>
               <a:latin typeface="Microsoft JhengHei" panose="020B0604030504040204" pitchFamily="34" charset="-120"/>
               <a:ea typeface="Microsoft JhengHei" panose="020B0604030504040204" pitchFamily="34" charset="-120"/>
             </a:endParaRPr>
           </a:p>
-          <a:p>
-            <a:pPr marL="0" indent="0" algn="ctr">
-              <a:buNone/>
-            </a:pPr>
-            <a:r>
-              <a:rPr lang="zh-TW" altLang="en-US" sz="5400" b="1" dirty="0">
-                <a:solidFill>
-                  <a:srgbClr val="002060"/>
-                </a:solidFill>
-                <a:latin typeface="Microsoft JhengHei" panose="020B0604030504040204" pitchFamily="34" charset="-120"/>
-                <a:ea typeface="Microsoft JhengHei" panose="020B0604030504040204" pitchFamily="34" charset="-120"/>
-              </a:rPr>
-              <a:t>美哉主道  奇哉主</a:t>
-            </a:r>
-            <a:r>
-              <a:rPr lang="zh-TW" altLang="en-US" sz="5400" b="1" dirty="0">
-                <a:solidFill>
-                  <a:srgbClr val="002060"/>
-                </a:solidFill>
-                <a:latin typeface="Microsoft JhengHei" panose="020B0604030504040204" pitchFamily="34" charset="-120"/>
-                <a:ea typeface="Microsoft JhengHei" panose="020B0604030504040204" pitchFamily="34" charset="-120"/>
-              </a:rPr>
-              <a:t>道  生</a:t>
-            </a:r>
-            <a:r>
-              <a:rPr lang="zh-TW" altLang="en-US" sz="5400" b="1" dirty="0">
-                <a:solidFill>
-                  <a:srgbClr val="002060"/>
-                </a:solidFill>
-                <a:latin typeface="Microsoft JhengHei" panose="020B0604030504040204" pitchFamily="34" charset="-120"/>
-                <a:ea typeface="Microsoft JhengHei" panose="020B0604030504040204" pitchFamily="34" charset="-120"/>
-              </a:rPr>
-              <a:t>命之道極奇</a:t>
-            </a:r>
-            <a:r>
-              <a:rPr lang="en-US" altLang="zh-TW" sz="5400" dirty="0">
-                <a:ea typeface="中國龍標準楷" pitchFamily="49" charset="-120"/>
-              </a:rPr>
-              <a:t> </a:t>
-            </a:r>
-            <a:r>
-              <a:rPr lang="en-US" altLang="zh-TW" sz="5400" dirty="0" smtClean="0">
-                <a:ea typeface="中國龍標準楷" pitchFamily="49" charset="-120"/>
-              </a:rPr>
-              <a:t> </a:t>
-            </a:r>
-            <a:endParaRPr lang="zh-CN" altLang="en-US" sz="5400" dirty="0">
-              <a:ea typeface="中國龍標準楷" pitchFamily="49" charset="-120"/>
-            </a:endParaRPr>
-          </a:p>
         </p:txBody>
       </p:sp>
     </p:spTree>
     <p:extLst>
       <p:ext uri="{BB962C8B-B14F-4D97-AF65-F5344CB8AC3E}">
-        <p14:creationId xmlns:p14="http://schemas.microsoft.com/office/powerpoint/2010/main" val="3493957883"/>
+        <p14:creationId xmlns:p14="http://schemas.microsoft.com/office/powerpoint/2010/main" val="3589544823"/>
       </p:ext>
     </p:extLst>
   </p:cSld>
   <p:clrMapOvr>
     <a:masterClrMapping/>
   </p:clrMapOvr>
+  <p:timing>
+    <p:tnLst>
+      <p:par>
+        <p:cTn id="1" dur="indefinite" restart="never" nodeType="tmRoot"/>
+      </p:par>
+    </p:tnLst>
+  </p:timing>
 </p:sld>
 </file>
 
@@ -4619,178 +5337,125 @@
       </p:grpSpPr>
       <p:sp>
         <p:nvSpPr>
-          <p:cNvPr id="4" name="Title 3"/>
-          <p:cNvSpPr>
-            <a:spLocks noGrp="1"/>
-          </p:cNvSpPr>
-          <p:nvPr>
-            <p:ph type="title"/>
-          </p:nvPr>
-        </p:nvSpPr>
-        <p:spPr/>
-        <p:txBody>
-          <a:bodyPr>
+          <p:cNvPr id="5" name="內容版面配置區 4"/>
+          <p:cNvSpPr>
+            <a:spLocks noGrp="1"/>
+          </p:cNvSpPr>
+          <p:nvPr>
+            <p:ph idx="1"/>
+          </p:nvPr>
+        </p:nvSpPr>
+        <p:spPr>
+          <a:xfrm>
+            <a:off x="0" y="2084851"/>
+            <a:ext cx="12192000" cy="2404863"/>
+          </a:xfrm>
+        </p:spPr>
+        <p:txBody>
+          <a:bodyPr anchor="ctr">
             <a:normAutofit/>
           </a:bodyPr>
           <a:lstStyle/>
           <a:p>
-            <a:r>
-              <a:rPr lang="en-US" altLang="zh-CN" sz="4800" b="1" dirty="0">
-                <a:solidFill>
-                  <a:srgbClr val="002060"/>
+            <a:pPr marL="0" indent="0" algn="ctr">
+              <a:buNone/>
+            </a:pPr>
+            <a:r>
+              <a:rPr lang="zh-TW" altLang="en-US" sz="6400" b="1" dirty="0">
+                <a:solidFill>
+                  <a:srgbClr val="660033"/>
                 </a:solidFill>
                 <a:latin typeface="Microsoft JhengHei" panose="020B0604030504040204" pitchFamily="34" charset="-120"/>
                 <a:ea typeface="Microsoft JhengHei" panose="020B0604030504040204" pitchFamily="34" charset="-120"/>
               </a:rPr>
-              <a:t>【</a:t>
-            </a:r>
-            <a:r>
-              <a:rPr lang="zh-CN" altLang="en-US" sz="4800" b="1" dirty="0">
-                <a:solidFill>
-                  <a:srgbClr val="002060"/>
+              <a:t>美哉主道  奇哉主</a:t>
+            </a:r>
+            <a:r>
+              <a:rPr lang="zh-TW" altLang="en-US" sz="6400" b="1" dirty="0">
+                <a:solidFill>
+                  <a:srgbClr val="660033"/>
                 </a:solidFill>
                 <a:latin typeface="Microsoft JhengHei" panose="020B0604030504040204" pitchFamily="34" charset="-120"/>
                 <a:ea typeface="Microsoft JhengHei" panose="020B0604030504040204" pitchFamily="34" charset="-120"/>
               </a:rPr>
-              <a:t>生命之道</a:t>
-            </a:r>
-            <a:r>
-              <a:rPr lang="en-US" altLang="zh-CN" sz="4800" b="1" dirty="0">
-                <a:solidFill>
-                  <a:srgbClr val="002060"/>
+              <a:t>道</a:t>
+            </a:r>
+            <a:endParaRPr lang="en-US" altLang="zh-TW" sz="6400" b="1" dirty="0">
+              <a:solidFill>
+                <a:srgbClr val="660033"/>
+              </a:solidFill>
+              <a:latin typeface="Microsoft JhengHei" panose="020B0604030504040204" pitchFamily="34" charset="-120"/>
+              <a:ea typeface="Microsoft JhengHei" panose="020B0604030504040204" pitchFamily="34" charset="-120"/>
+            </a:endParaRPr>
+          </a:p>
+          <a:p>
+            <a:pPr marL="0" indent="0" algn="ctr">
+              <a:buNone/>
+            </a:pPr>
+            <a:r>
+              <a:rPr lang="zh-TW" altLang="en-US" sz="6400" b="1" dirty="0">
+                <a:solidFill>
+                  <a:srgbClr val="660033"/>
                 </a:solidFill>
                 <a:latin typeface="Microsoft JhengHei" panose="020B0604030504040204" pitchFamily="34" charset="-120"/>
                 <a:ea typeface="Microsoft JhengHei" panose="020B0604030504040204" pitchFamily="34" charset="-120"/>
               </a:rPr>
-              <a:t>】</a:t>
-            </a:r>
-          </a:p>
-        </p:txBody>
-      </p:sp>
-      <p:sp>
-        <p:nvSpPr>
-          <p:cNvPr id="5" name="Content Placeholder 4"/>
-          <p:cNvSpPr>
-            <a:spLocks noGrp="1"/>
-          </p:cNvSpPr>
-          <p:nvPr>
-            <p:ph idx="1"/>
-          </p:nvPr>
-        </p:nvSpPr>
-        <p:spPr/>
-        <p:txBody>
-          <a:bodyPr>
-            <a:normAutofit/>
-          </a:bodyPr>
-          <a:lstStyle/>
-          <a:p>
-            <a:pPr marL="0" indent="0" algn="ctr">
-              <a:buNone/>
-            </a:pPr>
-            <a:r>
-              <a:rPr lang="zh-TW" altLang="en-US" sz="5400" b="1" dirty="0">
-                <a:solidFill>
-                  <a:srgbClr val="002060"/>
+              <a:t>生</a:t>
+            </a:r>
+            <a:r>
+              <a:rPr lang="zh-TW" altLang="en-US" sz="6400" b="1" dirty="0">
+                <a:solidFill>
+                  <a:srgbClr val="660033"/>
                 </a:solidFill>
                 <a:latin typeface="Microsoft JhengHei" panose="020B0604030504040204" pitchFamily="34" charset="-120"/>
                 <a:ea typeface="Microsoft JhengHei" panose="020B0604030504040204" pitchFamily="34" charset="-120"/>
               </a:rPr>
-              <a:t>真神言語滿有能力</a:t>
-            </a:r>
-          </a:p>
-          <a:p>
-            <a:pPr marL="0" indent="0" algn="ctr">
-              <a:buNone/>
-            </a:pPr>
-            <a:r>
-              <a:rPr lang="zh-TW" altLang="en-US" sz="5400" b="1" dirty="0">
-                <a:solidFill>
-                  <a:srgbClr val="002060"/>
-                </a:solidFill>
-                <a:latin typeface="Microsoft JhengHei" panose="020B0604030504040204" pitchFamily="34" charset="-120"/>
-                <a:ea typeface="Microsoft JhengHei" panose="020B0604030504040204" pitchFamily="34" charset="-120"/>
-              </a:rPr>
-              <a:t>主必親自堅立</a:t>
-            </a:r>
-          </a:p>
-          <a:p>
-            <a:pPr marL="0" indent="0" algn="ctr">
-              <a:buNone/>
-            </a:pPr>
-            <a:r>
-              <a:rPr lang="zh-TW" altLang="en-US" sz="5400" b="1" dirty="0">
-                <a:solidFill>
-                  <a:srgbClr val="002060"/>
-                </a:solidFill>
-                <a:latin typeface="Microsoft JhengHei" panose="020B0604030504040204" pitchFamily="34" charset="-120"/>
-                <a:ea typeface="Microsoft JhengHei" panose="020B0604030504040204" pitchFamily="34" charset="-120"/>
-              </a:rPr>
-              <a:t>比金更寶比蜜更甜</a:t>
-            </a:r>
-          </a:p>
-          <a:p>
-            <a:pPr marL="0" indent="0" algn="ctr">
-              <a:buNone/>
-            </a:pPr>
-            <a:r>
-              <a:rPr lang="zh-TW" altLang="en-US" sz="5400" b="1" dirty="0">
-                <a:solidFill>
-                  <a:srgbClr val="002060"/>
-                </a:solidFill>
-                <a:latin typeface="Microsoft JhengHei" panose="020B0604030504040204" pitchFamily="34" charset="-120"/>
-                <a:ea typeface="Microsoft JhengHei" panose="020B0604030504040204" pitchFamily="34" charset="-120"/>
-              </a:rPr>
-              <a:t>永遠安定在天</a:t>
-            </a:r>
-          </a:p>
-        </p:txBody>
-      </p:sp>
-      <p:sp>
-        <p:nvSpPr>
-          <p:cNvPr id="6" name="Text Box 1"/>
+              <a:t>命之道極奇</a:t>
+            </a:r>
+            <a:endParaRPr lang="en-US" altLang="zh-TW" sz="6400" b="1" dirty="0">
+              <a:solidFill>
+                <a:srgbClr val="660033"/>
+              </a:solidFill>
+              <a:latin typeface="Microsoft JhengHei" panose="020B0604030504040204" pitchFamily="34" charset="-120"/>
+              <a:ea typeface="Microsoft JhengHei" panose="020B0604030504040204" pitchFamily="34" charset="-120"/>
+            </a:endParaRPr>
+          </a:p>
+        </p:txBody>
+      </p:sp>
+      <p:sp>
+        <p:nvSpPr>
+          <p:cNvPr id="2" name="TextBox 1"/>
           <p:cNvSpPr txBox="1"/>
           <p:nvPr/>
         </p:nvSpPr>
         <p:spPr>
           <a:xfrm>
-            <a:off x="1199456" y="1700808"/>
-            <a:ext cx="1380490" cy="923330"/>
+            <a:off x="0" y="5061182"/>
+            <a:ext cx="12192000" cy="913007"/>
           </a:xfrm>
           <a:prstGeom prst="rect">
             <a:avLst/>
           </a:prstGeom>
           <a:noFill/>
-          <a:ln w="9525">
-            <a:noFill/>
-            <a:miter lim="800000"/>
-          </a:ln>
         </p:spPr>
         <p:txBody>
-          <a:bodyPr wrap="square">
+          <a:bodyPr wrap="square" rtlCol="0">
             <a:spAutoFit/>
           </a:bodyPr>
           <a:lstStyle/>
           <a:p>
             <a:pPr algn="ctr"/>
             <a:r>
-              <a:rPr lang="en-US" sz="5400" b="1" dirty="0">
-                <a:solidFill>
-                  <a:srgbClr val="002060"/>
+              <a:rPr lang="en-US" sz="5333" b="1" dirty="0">
+                <a:solidFill>
+                  <a:srgbClr val="660033"/>
                 </a:solidFill>
               </a:rPr>
-              <a:t>3</a:t>
-            </a:r>
-            <a:r>
-              <a:rPr lang="en-US" sz="5400" b="1" dirty="0" smtClean="0">
-                <a:solidFill>
-                  <a:srgbClr val="002060"/>
-                </a:solidFill>
-              </a:rPr>
-              <a:t>.</a:t>
-            </a:r>
-            <a:endParaRPr lang="en-US" sz="5400" b="1" dirty="0">
+              <a:t>( x2 )</a:t>
+            </a:r>
+            <a:endParaRPr lang="vi-VN" sz="5333" b="1" dirty="0">
               <a:solidFill>
-                <a:srgbClr val="002060"/>
+                <a:srgbClr val="660033"/>
               </a:solidFill>
             </a:endParaRPr>
           </a:p>
@@ -4799,13 +5464,20 @@
     </p:spTree>
     <p:extLst>
       <p:ext uri="{BB962C8B-B14F-4D97-AF65-F5344CB8AC3E}">
-        <p14:creationId xmlns:p14="http://schemas.microsoft.com/office/powerpoint/2010/main" val="3816099243"/>
+        <p14:creationId xmlns:p14="http://schemas.microsoft.com/office/powerpoint/2010/main" val="108086673"/>
       </p:ext>
     </p:extLst>
   </p:cSld>
   <p:clrMapOvr>
     <a:masterClrMapping/>
   </p:clrMapOvr>
+  <p:timing>
+    <p:tnLst>
+      <p:par>
+        <p:cTn id="1" dur="indefinite" restart="never" nodeType="tmRoot"/>
+      </p:par>
+    </p:tnLst>
+  </p:timing>
 </p:sld>
 </file>
 
@@ -4828,215 +5500,98 @@
       </p:grpSpPr>
       <p:sp>
         <p:nvSpPr>
-          <p:cNvPr id="4" name="Title 3"/>
-          <p:cNvSpPr>
-            <a:spLocks noGrp="1"/>
-          </p:cNvSpPr>
-          <p:nvPr>
-            <p:ph type="title"/>
-          </p:nvPr>
-        </p:nvSpPr>
-        <p:spPr/>
-        <p:txBody>
-          <a:bodyPr>
+          <p:cNvPr id="5" name="內容版面配置區 4"/>
+          <p:cNvSpPr>
+            <a:spLocks noGrp="1"/>
+          </p:cNvSpPr>
+          <p:nvPr>
+            <p:ph idx="1"/>
+          </p:nvPr>
+        </p:nvSpPr>
+        <p:spPr>
+          <a:xfrm>
+            <a:off x="0" y="2084851"/>
+            <a:ext cx="12192000" cy="2404863"/>
+          </a:xfrm>
+        </p:spPr>
+        <p:txBody>
+          <a:bodyPr anchor="ctr">
             <a:normAutofit/>
           </a:bodyPr>
           <a:lstStyle/>
           <a:p>
-            <a:r>
-              <a:rPr lang="en-US" altLang="zh-CN" sz="4800" b="1" dirty="0">
-                <a:solidFill>
-                  <a:srgbClr val="002060"/>
+            <a:pPr marL="0" indent="0" algn="ctr">
+              <a:buNone/>
+            </a:pPr>
+            <a:r>
+              <a:rPr lang="zh-TW" altLang="en-US" sz="6400" b="1" dirty="0">
+                <a:solidFill>
+                  <a:srgbClr val="660033"/>
                 </a:solidFill>
                 <a:latin typeface="Microsoft JhengHei" panose="020B0604030504040204" pitchFamily="34" charset="-120"/>
                 <a:ea typeface="Microsoft JhengHei" panose="020B0604030504040204" pitchFamily="34" charset="-120"/>
               </a:rPr>
-              <a:t>【</a:t>
-            </a:r>
-            <a:r>
-              <a:rPr lang="zh-CN" altLang="en-US" sz="4800" b="1" dirty="0">
-                <a:solidFill>
-                  <a:srgbClr val="002060"/>
+              <a:t>真神應許盡在聖經</a:t>
+            </a:r>
+          </a:p>
+          <a:p>
+            <a:pPr marL="0" indent="0" algn="ctr">
+              <a:buNone/>
+            </a:pPr>
+            <a:r>
+              <a:rPr lang="zh-TW" altLang="en-US" sz="6400" b="1" dirty="0">
+                <a:solidFill>
+                  <a:srgbClr val="660033"/>
                 </a:solidFill>
                 <a:latin typeface="Microsoft JhengHei" panose="020B0604030504040204" pitchFamily="34" charset="-120"/>
                 <a:ea typeface="Microsoft JhengHei" panose="020B0604030504040204" pitchFamily="34" charset="-120"/>
               </a:rPr>
-              <a:t>生命之道</a:t>
-            </a:r>
-            <a:r>
-              <a:rPr lang="en-US" altLang="zh-CN" sz="4800" b="1" dirty="0">
-                <a:solidFill>
-                  <a:srgbClr val="002060"/>
-                </a:solidFill>
-                <a:latin typeface="Microsoft JhengHei" panose="020B0604030504040204" pitchFamily="34" charset="-120"/>
-                <a:ea typeface="Microsoft JhengHei" panose="020B0604030504040204" pitchFamily="34" charset="-120"/>
-              </a:rPr>
-              <a:t>】</a:t>
-            </a:r>
-          </a:p>
-        </p:txBody>
-      </p:sp>
-      <p:sp>
-        <p:nvSpPr>
-          <p:cNvPr id="5" name="Content Placeholder 4"/>
-          <p:cNvSpPr>
-            <a:spLocks noGrp="1"/>
-          </p:cNvSpPr>
-          <p:nvPr>
-            <p:ph idx="1"/>
-          </p:nvPr>
-        </p:nvSpPr>
-        <p:spPr>
-          <a:xfrm>
-            <a:off x="609600" y="1600203"/>
-            <a:ext cx="10972800" cy="5257797"/>
-          </a:xfrm>
-        </p:spPr>
-        <p:txBody>
-          <a:bodyPr>
-            <a:normAutofit/>
-          </a:bodyPr>
-          <a:lstStyle/>
-          <a:p>
-            <a:pPr marL="0" indent="0" algn="ctr">
-              <a:buNone/>
-            </a:pPr>
-            <a:r>
-              <a:rPr lang="zh-TW" altLang="en-US" sz="5400" b="1" dirty="0">
-                <a:solidFill>
-                  <a:srgbClr val="002060"/>
-                </a:solidFill>
-                <a:latin typeface="Microsoft JhengHei" panose="020B0604030504040204" pitchFamily="34" charset="-120"/>
-                <a:ea typeface="Microsoft JhengHei" panose="020B0604030504040204" pitchFamily="34" charset="-120"/>
-              </a:rPr>
-              <a:t>生命之道極奇</a:t>
-            </a:r>
-          </a:p>
-          <a:p>
-            <a:pPr marL="0" indent="0" algn="ctr">
-              <a:buNone/>
-            </a:pPr>
-            <a:r>
-              <a:rPr lang="zh-TW" altLang="en-US" sz="5400" b="1" dirty="0">
-                <a:solidFill>
-                  <a:srgbClr val="002060"/>
-                </a:solidFill>
-                <a:latin typeface="Microsoft JhengHei" panose="020B0604030504040204" pitchFamily="34" charset="-120"/>
-                <a:ea typeface="Microsoft JhengHei" panose="020B0604030504040204" pitchFamily="34" charset="-120"/>
-              </a:rPr>
-              <a:t>我今篤信不疑</a:t>
-            </a:r>
-          </a:p>
-          <a:p>
-            <a:pPr marL="0" indent="0" algn="ctr">
-              <a:buNone/>
-            </a:pPr>
-            <a:r>
-              <a:rPr lang="zh-TW" altLang="en-US" sz="5400" b="1" dirty="0">
-                <a:solidFill>
-                  <a:srgbClr val="002060"/>
-                </a:solidFill>
-                <a:latin typeface="Microsoft JhengHei" panose="020B0604030504040204" pitchFamily="34" charset="-120"/>
-                <a:ea typeface="Microsoft JhengHei" panose="020B0604030504040204" pitchFamily="34" charset="-120"/>
-              </a:rPr>
-              <a:t>美</a:t>
-            </a:r>
-            <a:r>
-              <a:rPr lang="zh-TW" altLang="en-US" sz="5400" b="1" dirty="0">
-                <a:solidFill>
-                  <a:srgbClr val="002060"/>
-                </a:solidFill>
-                <a:latin typeface="Microsoft JhengHei" panose="020B0604030504040204" pitchFamily="34" charset="-120"/>
-                <a:ea typeface="Microsoft JhengHei" panose="020B0604030504040204" pitchFamily="34" charset="-120"/>
-              </a:rPr>
-              <a:t>哉主道  奇哉主</a:t>
-            </a:r>
-            <a:r>
-              <a:rPr lang="zh-TW" altLang="en-US" sz="5400" b="1" dirty="0">
-                <a:solidFill>
-                  <a:srgbClr val="002060"/>
-                </a:solidFill>
-                <a:latin typeface="Microsoft JhengHei" panose="020B0604030504040204" pitchFamily="34" charset="-120"/>
-                <a:ea typeface="Microsoft JhengHei" panose="020B0604030504040204" pitchFamily="34" charset="-120"/>
-              </a:rPr>
-              <a:t>道  生</a:t>
-            </a:r>
-            <a:r>
-              <a:rPr lang="zh-TW" altLang="en-US" sz="5400" b="1" dirty="0">
-                <a:solidFill>
-                  <a:srgbClr val="002060"/>
-                </a:solidFill>
-                <a:latin typeface="Microsoft JhengHei" panose="020B0604030504040204" pitchFamily="34" charset="-120"/>
-                <a:ea typeface="Microsoft JhengHei" panose="020B0604030504040204" pitchFamily="34" charset="-120"/>
-              </a:rPr>
-              <a:t>命之道極</a:t>
-            </a:r>
-            <a:r>
-              <a:rPr lang="zh-TW" altLang="en-US" sz="5400" b="1" dirty="0">
-                <a:solidFill>
-                  <a:srgbClr val="002060"/>
-                </a:solidFill>
-                <a:latin typeface="Microsoft JhengHei" panose="020B0604030504040204" pitchFamily="34" charset="-120"/>
-                <a:ea typeface="Microsoft JhengHei" panose="020B0604030504040204" pitchFamily="34" charset="-120"/>
-              </a:rPr>
-              <a:t>奇</a:t>
-            </a:r>
-            <a:endParaRPr lang="en-US" altLang="zh-TW" sz="5400" b="1" dirty="0">
+              <a:t>備及今世來生</a:t>
+            </a:r>
+            <a:endParaRPr lang="zh-TW" altLang="en-US" sz="6400" b="1" dirty="0">
               <a:solidFill>
-                <a:srgbClr val="002060"/>
+                <a:srgbClr val="660033"/>
               </a:solidFill>
               <a:latin typeface="Microsoft JhengHei" panose="020B0604030504040204" pitchFamily="34" charset="-120"/>
               <a:ea typeface="Microsoft JhengHei" panose="020B0604030504040204" pitchFamily="34" charset="-120"/>
             </a:endParaRPr>
           </a:p>
-          <a:p>
-            <a:pPr marL="0" indent="0" algn="ctr">
-              <a:buNone/>
-            </a:pPr>
-            <a:r>
-              <a:rPr lang="zh-TW" altLang="en-US" sz="5400" b="1" dirty="0">
-                <a:solidFill>
-                  <a:srgbClr val="002060"/>
-                </a:solidFill>
-                <a:latin typeface="Microsoft JhengHei" panose="020B0604030504040204" pitchFamily="34" charset="-120"/>
-                <a:ea typeface="Microsoft JhengHei" panose="020B0604030504040204" pitchFamily="34" charset="-120"/>
+        </p:txBody>
+      </p:sp>
+      <p:sp>
+        <p:nvSpPr>
+          <p:cNvPr id="4" name="TextBox 3"/>
+          <p:cNvSpPr txBox="1"/>
+          <p:nvPr/>
+        </p:nvSpPr>
+        <p:spPr>
+          <a:xfrm>
+            <a:off x="719403" y="2276872"/>
+            <a:ext cx="1248139" cy="1077218"/>
+          </a:xfrm>
+          <a:prstGeom prst="rect">
+            <a:avLst/>
+          </a:prstGeom>
+          <a:noFill/>
+        </p:spPr>
+        <p:txBody>
+          <a:bodyPr wrap="square" rtlCol="0">
+            <a:spAutoFit/>
+          </a:bodyPr>
+          <a:lstStyle/>
+          <a:p>
+            <a:r>
+              <a:rPr lang="en-US" sz="6400" b="1" dirty="0">
+                <a:solidFill>
+                  <a:srgbClr val="660033"/>
+                </a:solidFill>
               </a:rPr>
-              <a:t>美哉主道  奇哉主</a:t>
-            </a:r>
-            <a:r>
-              <a:rPr lang="zh-TW" altLang="en-US" sz="5400" b="1" dirty="0">
-                <a:solidFill>
-                  <a:srgbClr val="002060"/>
-                </a:solidFill>
-                <a:latin typeface="Microsoft JhengHei" panose="020B0604030504040204" pitchFamily="34" charset="-120"/>
-                <a:ea typeface="Microsoft JhengHei" panose="020B0604030504040204" pitchFamily="34" charset="-120"/>
-              </a:rPr>
-              <a:t>道  生</a:t>
-            </a:r>
-            <a:r>
-              <a:rPr lang="zh-TW" altLang="en-US" sz="5400" b="1" dirty="0">
-                <a:solidFill>
-                  <a:srgbClr val="002060"/>
-                </a:solidFill>
-                <a:latin typeface="Microsoft JhengHei" panose="020B0604030504040204" pitchFamily="34" charset="-120"/>
-                <a:ea typeface="Microsoft JhengHei" panose="020B0604030504040204" pitchFamily="34" charset="-120"/>
-              </a:rPr>
-              <a:t>命之道極奇</a:t>
-            </a:r>
-            <a:r>
-              <a:rPr lang="en-US" altLang="zh-TW" sz="5400" dirty="0">
-                <a:ea typeface="中國龍標準楷" pitchFamily="49" charset="-120"/>
-              </a:rPr>
-              <a:t> </a:t>
-            </a:r>
-            <a:r>
-              <a:rPr lang="en-US" altLang="zh-TW" sz="5400" dirty="0" smtClean="0">
-                <a:ea typeface="中國龍標準楷" pitchFamily="49" charset="-120"/>
-              </a:rPr>
-              <a:t> </a:t>
-            </a:r>
-            <a:endParaRPr lang="zh-CN" altLang="en-US" sz="5400" dirty="0">
-              <a:ea typeface="中國龍標準楷" pitchFamily="49" charset="-120"/>
+              <a:t>2.</a:t>
+            </a:r>
+            <a:endParaRPr lang="vi-VN" sz="6400" b="1" dirty="0">
+              <a:solidFill>
+                <a:srgbClr val="660033"/>
+              </a:solidFill>
             </a:endParaRPr>
           </a:p>
         </p:txBody>
@@ -5044,13 +5599,20 @@
     </p:spTree>
     <p:extLst>
       <p:ext uri="{BB962C8B-B14F-4D97-AF65-F5344CB8AC3E}">
-        <p14:creationId xmlns:p14="http://schemas.microsoft.com/office/powerpoint/2010/main" val="4094881840"/>
+        <p14:creationId xmlns:p14="http://schemas.microsoft.com/office/powerpoint/2010/main" val="1931922264"/>
       </p:ext>
     </p:extLst>
   </p:cSld>
   <p:clrMapOvr>
     <a:masterClrMapping/>
   </p:clrMapOvr>
+  <p:timing>
+    <p:tnLst>
+      <p:par>
+        <p:cTn id="1" dur="indefinite" restart="never" nodeType="tmRoot"/>
+      </p:par>
+    </p:tnLst>
+  </p:timing>
 </p:sld>
 </file>
 
@@ -5073,178 +5635,97 @@
       </p:grpSpPr>
       <p:sp>
         <p:nvSpPr>
-          <p:cNvPr id="4" name="Title 3"/>
-          <p:cNvSpPr>
-            <a:spLocks noGrp="1"/>
-          </p:cNvSpPr>
-          <p:nvPr>
-            <p:ph type="title"/>
-          </p:nvPr>
-        </p:nvSpPr>
-        <p:spPr/>
-        <p:txBody>
-          <a:bodyPr>
+          <p:cNvPr id="5" name="內容版面配置區 4"/>
+          <p:cNvSpPr>
+            <a:spLocks noGrp="1"/>
+          </p:cNvSpPr>
+          <p:nvPr>
+            <p:ph idx="1"/>
+          </p:nvPr>
+        </p:nvSpPr>
+        <p:spPr>
+          <a:xfrm>
+            <a:off x="0" y="2084851"/>
+            <a:ext cx="12192000" cy="2404863"/>
+          </a:xfrm>
+        </p:spPr>
+        <p:txBody>
+          <a:bodyPr anchor="ctr">
             <a:normAutofit/>
           </a:bodyPr>
           <a:lstStyle/>
           <a:p>
-            <a:r>
-              <a:rPr lang="en-US" altLang="zh-CN" sz="4800" b="1" dirty="0">
-                <a:solidFill>
-                  <a:srgbClr val="002060"/>
+            <a:pPr marL="0" indent="0" algn="ctr">
+              <a:buNone/>
+            </a:pPr>
+            <a:r>
+              <a:rPr lang="zh-TW" altLang="en-US" sz="6400" b="1" dirty="0">
+                <a:solidFill>
+                  <a:srgbClr val="660033"/>
                 </a:solidFill>
                 <a:latin typeface="Microsoft JhengHei" panose="020B0604030504040204" pitchFamily="34" charset="-120"/>
                 <a:ea typeface="Microsoft JhengHei" panose="020B0604030504040204" pitchFamily="34" charset="-120"/>
               </a:rPr>
-              <a:t>【</a:t>
-            </a:r>
-            <a:r>
-              <a:rPr lang="zh-CN" altLang="en-US" sz="4800" b="1" dirty="0">
-                <a:solidFill>
-                  <a:srgbClr val="002060"/>
+              <a:t>是我產業成我詩歌</a:t>
+            </a:r>
+          </a:p>
+          <a:p>
+            <a:pPr marL="0" indent="0" algn="ctr">
+              <a:buNone/>
+            </a:pPr>
+            <a:r>
+              <a:rPr lang="zh-TW" altLang="en-US" sz="6400" b="1" dirty="0">
+                <a:solidFill>
+                  <a:srgbClr val="660033"/>
                 </a:solidFill>
                 <a:latin typeface="Microsoft JhengHei" panose="020B0604030504040204" pitchFamily="34" charset="-120"/>
                 <a:ea typeface="Microsoft JhengHei" panose="020B0604030504040204" pitchFamily="34" charset="-120"/>
               </a:rPr>
-              <a:t>生命之道</a:t>
-            </a:r>
-            <a:r>
-              <a:rPr lang="en-US" altLang="zh-CN" sz="4800" b="1" dirty="0">
-                <a:solidFill>
-                  <a:srgbClr val="002060"/>
-                </a:solidFill>
-                <a:latin typeface="Microsoft JhengHei" panose="020B0604030504040204" pitchFamily="34" charset="-120"/>
-                <a:ea typeface="Microsoft JhengHei" panose="020B0604030504040204" pitchFamily="34" charset="-120"/>
-              </a:rPr>
-              <a:t>】</a:t>
-            </a:r>
-          </a:p>
-        </p:txBody>
-      </p:sp>
-      <p:sp>
-        <p:nvSpPr>
-          <p:cNvPr id="5" name="Content Placeholder 4"/>
-          <p:cNvSpPr>
-            <a:spLocks noGrp="1"/>
-          </p:cNvSpPr>
-          <p:nvPr>
-            <p:ph idx="1"/>
-          </p:nvPr>
-        </p:nvSpPr>
-        <p:spPr/>
-        <p:txBody>
-          <a:bodyPr>
-            <a:normAutofit/>
-          </a:bodyPr>
-          <a:lstStyle/>
-          <a:p>
-            <a:pPr marL="0" indent="0" algn="ctr">
-              <a:buNone/>
-            </a:pPr>
-            <a:r>
-              <a:rPr lang="zh-TW" altLang="en-US" sz="5400" b="1" dirty="0">
-                <a:solidFill>
-                  <a:srgbClr val="002060"/>
-                </a:solidFill>
-                <a:latin typeface="Microsoft JhengHei" panose="020B0604030504040204" pitchFamily="34" charset="-120"/>
-                <a:ea typeface="Microsoft JhengHei" panose="020B0604030504040204" pitchFamily="34" charset="-120"/>
-              </a:rPr>
-              <a:t>我願天天查考聖經</a:t>
-            </a:r>
-          </a:p>
-          <a:p>
-            <a:pPr marL="0" indent="0" algn="ctr">
-              <a:buNone/>
-            </a:pPr>
-            <a:r>
-              <a:rPr lang="zh-TW" altLang="en-US" sz="5400" b="1" dirty="0">
-                <a:solidFill>
-                  <a:srgbClr val="002060"/>
-                </a:solidFill>
-                <a:latin typeface="Microsoft JhengHei" panose="020B0604030504040204" pitchFamily="34" charset="-120"/>
-                <a:ea typeface="Microsoft JhengHei" panose="020B0604030504040204" pitchFamily="34" charset="-120"/>
-              </a:rPr>
-              <a:t>晝夜思想遵行</a:t>
-            </a:r>
-          </a:p>
-          <a:p>
-            <a:pPr marL="0" indent="0" algn="ctr">
-              <a:buNone/>
-            </a:pPr>
-            <a:r>
-              <a:rPr lang="zh-TW" altLang="en-US" sz="5400" b="1" dirty="0">
-                <a:solidFill>
-                  <a:srgbClr val="002060"/>
-                </a:solidFill>
-                <a:latin typeface="Microsoft JhengHei" panose="020B0604030504040204" pitchFamily="34" charset="-120"/>
-                <a:ea typeface="Microsoft JhengHei" panose="020B0604030504040204" pitchFamily="34" charset="-120"/>
-              </a:rPr>
-              <a:t>真理聖靈開導我心</a:t>
-            </a:r>
-          </a:p>
-          <a:p>
-            <a:pPr marL="0" indent="0" algn="ctr">
-              <a:buNone/>
-            </a:pPr>
-            <a:r>
-              <a:rPr lang="zh-TW" altLang="en-US" sz="5400" b="1" dirty="0">
-                <a:solidFill>
-                  <a:srgbClr val="002060"/>
-                </a:solidFill>
-                <a:latin typeface="Microsoft JhengHei" panose="020B0604030504040204" pitchFamily="34" charset="-120"/>
-                <a:ea typeface="Microsoft JhengHei" panose="020B0604030504040204" pitchFamily="34" charset="-120"/>
-              </a:rPr>
-              <a:t>使我識主更真</a:t>
-            </a:r>
-          </a:p>
-        </p:txBody>
-      </p:sp>
-      <p:sp>
-        <p:nvSpPr>
-          <p:cNvPr id="6" name="Text Box 1"/>
+              <a:t>為我暗處明燈</a:t>
+            </a:r>
+            <a:endParaRPr lang="zh-TW" altLang="en-US" sz="6400" b="1" dirty="0">
+              <a:solidFill>
+                <a:srgbClr val="660033"/>
+              </a:solidFill>
+              <a:latin typeface="Microsoft JhengHei" panose="020B0604030504040204" pitchFamily="34" charset="-120"/>
+              <a:ea typeface="Microsoft JhengHei" panose="020B0604030504040204" pitchFamily="34" charset="-120"/>
+            </a:endParaRPr>
+          </a:p>
+        </p:txBody>
+      </p:sp>
+      <p:sp>
+        <p:nvSpPr>
+          <p:cNvPr id="4" name="TextBox 3"/>
           <p:cNvSpPr txBox="1"/>
           <p:nvPr/>
         </p:nvSpPr>
         <p:spPr>
           <a:xfrm>
-            <a:off x="1199456" y="1700808"/>
-            <a:ext cx="1380490" cy="923330"/>
+            <a:off x="719403" y="2276872"/>
+            <a:ext cx="1248139" cy="1077218"/>
           </a:xfrm>
           <a:prstGeom prst="rect">
             <a:avLst/>
           </a:prstGeom>
           <a:noFill/>
-          <a:ln w="9525">
-            <a:noFill/>
-            <a:miter lim="800000"/>
-          </a:ln>
         </p:spPr>
         <p:txBody>
-          <a:bodyPr wrap="square">
+          <a:bodyPr wrap="square" rtlCol="0">
             <a:spAutoFit/>
           </a:bodyPr>
           <a:lstStyle/>
           <a:p>
-            <a:pPr algn="ctr"/>
-            <a:r>
-              <a:rPr lang="en-US" sz="5400" b="1" dirty="0">
-                <a:solidFill>
-                  <a:srgbClr val="002060"/>
+            <a:r>
+              <a:rPr lang="en-US" sz="6400" b="1" dirty="0">
+                <a:solidFill>
+                  <a:srgbClr val="660033"/>
                 </a:solidFill>
               </a:rPr>
-              <a:t>4</a:t>
-            </a:r>
-            <a:r>
-              <a:rPr lang="en-US" sz="5400" b="1" dirty="0" smtClean="0">
-                <a:solidFill>
-                  <a:srgbClr val="002060"/>
-                </a:solidFill>
-              </a:rPr>
-              <a:t>.</a:t>
-            </a:r>
-            <a:endParaRPr lang="en-US" sz="5400" b="1" dirty="0">
+              <a:t>2.</a:t>
+            </a:r>
+            <a:endParaRPr lang="vi-VN" sz="6400" b="1" dirty="0">
               <a:solidFill>
-                <a:srgbClr val="002060"/>
+                <a:srgbClr val="660033"/>
               </a:solidFill>
             </a:endParaRPr>
           </a:p>
@@ -5253,13 +5734,20 @@
     </p:spTree>
     <p:extLst>
       <p:ext uri="{BB962C8B-B14F-4D97-AF65-F5344CB8AC3E}">
-        <p14:creationId xmlns:p14="http://schemas.microsoft.com/office/powerpoint/2010/main" val="604313786"/>
+        <p14:creationId xmlns:p14="http://schemas.microsoft.com/office/powerpoint/2010/main" val="2479035775"/>
       </p:ext>
     </p:extLst>
   </p:cSld>
   <p:clrMapOvr>
     <a:masterClrMapping/>
   </p:clrMapOvr>
+  <p:timing>
+    <p:tnLst>
+      <p:par>
+        <p:cTn id="1" dur="indefinite" restart="never" nodeType="tmRoot"/>
+      </p:par>
+    </p:tnLst>
+  </p:timing>
 </p:sld>
 </file>
 
@@ -5282,83 +5770,33 @@
       </p:grpSpPr>
       <p:sp>
         <p:nvSpPr>
-          <p:cNvPr id="4" name="Title 3"/>
-          <p:cNvSpPr>
-            <a:spLocks noGrp="1"/>
-          </p:cNvSpPr>
-          <p:nvPr>
-            <p:ph type="title"/>
-          </p:nvPr>
-        </p:nvSpPr>
-        <p:spPr/>
-        <p:txBody>
-          <a:bodyPr>
+          <p:cNvPr id="5" name="內容版面配置區 4"/>
+          <p:cNvSpPr>
+            <a:spLocks noGrp="1"/>
+          </p:cNvSpPr>
+          <p:nvPr>
+            <p:ph idx="1"/>
+          </p:nvPr>
+        </p:nvSpPr>
+        <p:spPr>
+          <a:xfrm>
+            <a:off x="0" y="2084851"/>
+            <a:ext cx="12192000" cy="2404863"/>
+          </a:xfrm>
+        </p:spPr>
+        <p:txBody>
+          <a:bodyPr anchor="ctr">
             <a:normAutofit/>
           </a:bodyPr>
           <a:lstStyle/>
           <a:p>
-            <a:r>
-              <a:rPr lang="en-US" altLang="zh-CN" sz="4800" b="1" dirty="0">
-                <a:solidFill>
-                  <a:srgbClr val="002060"/>
-                </a:solidFill>
-                <a:latin typeface="Microsoft JhengHei" panose="020B0604030504040204" pitchFamily="34" charset="-120"/>
-                <a:ea typeface="Microsoft JhengHei" panose="020B0604030504040204" pitchFamily="34" charset="-120"/>
-              </a:rPr>
-              <a:t>【</a:t>
-            </a:r>
-            <a:r>
-              <a:rPr lang="zh-CN" altLang="en-US" sz="4800" b="1" dirty="0">
-                <a:solidFill>
-                  <a:srgbClr val="002060"/>
-                </a:solidFill>
-                <a:latin typeface="Microsoft JhengHei" panose="020B0604030504040204" pitchFamily="34" charset="-120"/>
-                <a:ea typeface="Microsoft JhengHei" panose="020B0604030504040204" pitchFamily="34" charset="-120"/>
-              </a:rPr>
-              <a:t>生命之道</a:t>
-            </a:r>
-            <a:r>
-              <a:rPr lang="en-US" altLang="zh-CN" sz="4800" b="1" dirty="0">
-                <a:solidFill>
-                  <a:srgbClr val="002060"/>
-                </a:solidFill>
-                <a:latin typeface="Microsoft JhengHei" panose="020B0604030504040204" pitchFamily="34" charset="-120"/>
-                <a:ea typeface="Microsoft JhengHei" panose="020B0604030504040204" pitchFamily="34" charset="-120"/>
-              </a:rPr>
-              <a:t>】</a:t>
-            </a:r>
-          </a:p>
-        </p:txBody>
-      </p:sp>
-      <p:sp>
-        <p:nvSpPr>
-          <p:cNvPr id="5" name="Content Placeholder 4"/>
-          <p:cNvSpPr>
-            <a:spLocks noGrp="1"/>
-          </p:cNvSpPr>
-          <p:nvPr>
-            <p:ph idx="1"/>
-          </p:nvPr>
-        </p:nvSpPr>
-        <p:spPr>
-          <a:xfrm>
-            <a:off x="609600" y="1600203"/>
-            <a:ext cx="10972800" cy="5257797"/>
-          </a:xfrm>
-        </p:spPr>
-        <p:txBody>
-          <a:bodyPr>
-            <a:normAutofit/>
-          </a:bodyPr>
-          <a:lstStyle/>
-          <a:p>
             <a:pPr marL="0" indent="0" algn="ctr">
               <a:buNone/>
             </a:pPr>
             <a:r>
-              <a:rPr lang="zh-TW" altLang="en-US" sz="5400" b="1" dirty="0">
-                <a:solidFill>
-                  <a:srgbClr val="002060"/>
+              <a:rPr lang="zh-TW" altLang="en-US" sz="6400" b="1" dirty="0">
+                <a:solidFill>
+                  <a:srgbClr val="660033"/>
                 </a:solidFill>
                 <a:latin typeface="Microsoft JhengHei" panose="020B0604030504040204" pitchFamily="34" charset="-120"/>
                 <a:ea typeface="Microsoft JhengHei" panose="020B0604030504040204" pitchFamily="34" charset="-120"/>
@@ -5371,140 +5809,205 @@
               <a:buNone/>
             </a:pPr>
             <a:r>
-              <a:rPr lang="zh-TW" altLang="en-US" sz="5400" b="1" dirty="0">
-                <a:solidFill>
-                  <a:srgbClr val="002060"/>
+              <a:rPr lang="zh-TW" altLang="en-US" sz="6400" b="1" dirty="0">
+                <a:solidFill>
+                  <a:srgbClr val="660033"/>
                 </a:solidFill>
                 <a:latin typeface="Microsoft JhengHei" panose="020B0604030504040204" pitchFamily="34" charset="-120"/>
                 <a:ea typeface="Microsoft JhengHei" panose="020B0604030504040204" pitchFamily="34" charset="-120"/>
               </a:rPr>
               <a:t>我今篤信不疑</a:t>
             </a:r>
-          </a:p>
-          <a:p>
-            <a:pPr marL="0" indent="0" algn="ctr">
-              <a:buNone/>
-            </a:pPr>
-            <a:r>
-              <a:rPr lang="zh-TW" altLang="en-US" sz="5400" b="1" dirty="0">
-                <a:solidFill>
-                  <a:srgbClr val="002060"/>
-                </a:solidFill>
-                <a:latin typeface="Microsoft JhengHei" panose="020B0604030504040204" pitchFamily="34" charset="-120"/>
-                <a:ea typeface="Microsoft JhengHei" panose="020B0604030504040204" pitchFamily="34" charset="-120"/>
-              </a:rPr>
-              <a:t>美</a:t>
-            </a:r>
-            <a:r>
-              <a:rPr lang="zh-TW" altLang="en-US" sz="5400" b="1" dirty="0">
-                <a:solidFill>
-                  <a:srgbClr val="002060"/>
-                </a:solidFill>
-                <a:latin typeface="Microsoft JhengHei" panose="020B0604030504040204" pitchFamily="34" charset="-120"/>
-                <a:ea typeface="Microsoft JhengHei" panose="020B0604030504040204" pitchFamily="34" charset="-120"/>
-              </a:rPr>
-              <a:t>哉主道  奇哉主</a:t>
-            </a:r>
-            <a:r>
-              <a:rPr lang="zh-TW" altLang="en-US" sz="5400" b="1" dirty="0">
-                <a:solidFill>
-                  <a:srgbClr val="002060"/>
-                </a:solidFill>
-                <a:latin typeface="Microsoft JhengHei" panose="020B0604030504040204" pitchFamily="34" charset="-120"/>
-                <a:ea typeface="Microsoft JhengHei" panose="020B0604030504040204" pitchFamily="34" charset="-120"/>
-              </a:rPr>
-              <a:t>道  生</a:t>
-            </a:r>
-            <a:r>
-              <a:rPr lang="zh-TW" altLang="en-US" sz="5400" b="1" dirty="0">
-                <a:solidFill>
-                  <a:srgbClr val="002060"/>
-                </a:solidFill>
-                <a:latin typeface="Microsoft JhengHei" panose="020B0604030504040204" pitchFamily="34" charset="-120"/>
-                <a:ea typeface="Microsoft JhengHei" panose="020B0604030504040204" pitchFamily="34" charset="-120"/>
-              </a:rPr>
-              <a:t>命之道極</a:t>
-            </a:r>
-            <a:r>
-              <a:rPr lang="zh-TW" altLang="en-US" sz="5400" b="1" dirty="0">
-                <a:solidFill>
-                  <a:srgbClr val="002060"/>
-                </a:solidFill>
-                <a:latin typeface="Microsoft JhengHei" panose="020B0604030504040204" pitchFamily="34" charset="-120"/>
-                <a:ea typeface="Microsoft JhengHei" panose="020B0604030504040204" pitchFamily="34" charset="-120"/>
-              </a:rPr>
-              <a:t>奇</a:t>
-            </a:r>
-            <a:endParaRPr lang="en-US" altLang="zh-TW" sz="5400" b="1" dirty="0">
+            <a:endParaRPr lang="zh-TW" altLang="en-US" sz="6400" b="1" dirty="0">
               <a:solidFill>
-                <a:srgbClr val="002060"/>
+                <a:srgbClr val="660033"/>
               </a:solidFill>
               <a:latin typeface="Microsoft JhengHei" panose="020B0604030504040204" pitchFamily="34" charset="-120"/>
               <a:ea typeface="Microsoft JhengHei" panose="020B0604030504040204" pitchFamily="34" charset="-120"/>
             </a:endParaRPr>
           </a:p>
-          <a:p>
-            <a:pPr marL="0" indent="0" algn="ctr">
-              <a:buNone/>
-            </a:pPr>
-            <a:r>
-              <a:rPr lang="zh-TW" altLang="en-US" sz="5400" b="1" dirty="0">
-                <a:solidFill>
-                  <a:srgbClr val="002060"/>
-                </a:solidFill>
-                <a:latin typeface="Microsoft JhengHei" panose="020B0604030504040204" pitchFamily="34" charset="-120"/>
-                <a:ea typeface="Microsoft JhengHei" panose="020B0604030504040204" pitchFamily="34" charset="-120"/>
-              </a:rPr>
-              <a:t>美哉主道  奇哉主</a:t>
-            </a:r>
-            <a:r>
-              <a:rPr lang="zh-TW" altLang="en-US" sz="5400" b="1" dirty="0">
-                <a:solidFill>
-                  <a:srgbClr val="002060"/>
-                </a:solidFill>
-                <a:latin typeface="Microsoft JhengHei" panose="020B0604030504040204" pitchFamily="34" charset="-120"/>
-                <a:ea typeface="Microsoft JhengHei" panose="020B0604030504040204" pitchFamily="34" charset="-120"/>
-              </a:rPr>
-              <a:t>道  生</a:t>
-            </a:r>
-            <a:r>
-              <a:rPr lang="zh-TW" altLang="en-US" sz="5400" b="1" dirty="0">
-                <a:solidFill>
-                  <a:srgbClr val="002060"/>
-                </a:solidFill>
-                <a:latin typeface="Microsoft JhengHei" panose="020B0604030504040204" pitchFamily="34" charset="-120"/>
-                <a:ea typeface="Microsoft JhengHei" panose="020B0604030504040204" pitchFamily="34" charset="-120"/>
-              </a:rPr>
-              <a:t>命之道極奇</a:t>
-            </a:r>
-            <a:r>
-              <a:rPr lang="en-US" altLang="zh-TW" sz="5400" dirty="0">
-                <a:ea typeface="中國龍標準楷" pitchFamily="49" charset="-120"/>
-              </a:rPr>
-              <a:t> </a:t>
-            </a:r>
-            <a:r>
-              <a:rPr lang="en-US" altLang="zh-TW" sz="5400" dirty="0" smtClean="0">
-                <a:ea typeface="中國龍標準楷" pitchFamily="49" charset="-120"/>
-              </a:rPr>
-              <a:t> </a:t>
-            </a:r>
-            <a:endParaRPr lang="zh-CN" altLang="en-US" sz="5400" dirty="0">
-              <a:ea typeface="中國龍標準楷" pitchFamily="49" charset="-120"/>
-            </a:endParaRPr>
-          </a:p>
         </p:txBody>
       </p:sp>
     </p:spTree>
     <p:extLst>
       <p:ext uri="{BB962C8B-B14F-4D97-AF65-F5344CB8AC3E}">
-        <p14:creationId xmlns:p14="http://schemas.microsoft.com/office/powerpoint/2010/main" val="4243879509"/>
+        <p14:creationId xmlns:p14="http://schemas.microsoft.com/office/powerpoint/2010/main" val="2018055116"/>
       </p:ext>
     </p:extLst>
   </p:cSld>
   <p:clrMapOvr>
     <a:masterClrMapping/>
   </p:clrMapOvr>
+  <p:timing>
+    <p:tnLst>
+      <p:par>
+        <p:cTn id="1" dur="indefinite" restart="never" nodeType="tmRoot"/>
+      </p:par>
+    </p:tnLst>
+  </p:timing>
+</p:sld>
+</file>
+
+<file path=ppt/slides/slide9.xml><?xml version="1.0" encoding="utf-8"?>
+<p:sld xmlns:a="http://schemas.openxmlformats.org/drawingml/2006/main" xmlns:r="http://schemas.openxmlformats.org/officeDocument/2006/relationships" xmlns:p="http://schemas.openxmlformats.org/presentationml/2006/main">
+  <p:cSld>
+    <p:spTree>
+      <p:nvGrpSpPr>
+        <p:cNvPr id="1" name=""/>
+        <p:cNvGrpSpPr/>
+        <p:nvPr/>
+      </p:nvGrpSpPr>
+      <p:grpSpPr>
+        <a:xfrm>
+          <a:off x="0" y="0"/>
+          <a:ext cx="0" cy="0"/>
+          <a:chOff x="0" y="0"/>
+          <a:chExt cx="0" cy="0"/>
+        </a:xfrm>
+      </p:grpSpPr>
+      <p:sp>
+        <p:nvSpPr>
+          <p:cNvPr id="5" name="內容版面配置區 4"/>
+          <p:cNvSpPr>
+            <a:spLocks noGrp="1"/>
+          </p:cNvSpPr>
+          <p:nvPr>
+            <p:ph idx="1"/>
+          </p:nvPr>
+        </p:nvSpPr>
+        <p:spPr>
+          <a:xfrm>
+            <a:off x="0" y="2084851"/>
+            <a:ext cx="12192000" cy="2404863"/>
+          </a:xfrm>
+        </p:spPr>
+        <p:txBody>
+          <a:bodyPr anchor="ctr">
+            <a:normAutofit/>
+          </a:bodyPr>
+          <a:lstStyle/>
+          <a:p>
+            <a:pPr marL="0" indent="0" algn="ctr">
+              <a:buNone/>
+            </a:pPr>
+            <a:r>
+              <a:rPr lang="zh-TW" altLang="en-US" sz="6400" b="1" dirty="0">
+                <a:solidFill>
+                  <a:srgbClr val="660033"/>
+                </a:solidFill>
+                <a:latin typeface="Microsoft JhengHei" panose="020B0604030504040204" pitchFamily="34" charset="-120"/>
+                <a:ea typeface="Microsoft JhengHei" panose="020B0604030504040204" pitchFamily="34" charset="-120"/>
+              </a:rPr>
+              <a:t>美哉主道  奇哉主</a:t>
+            </a:r>
+            <a:r>
+              <a:rPr lang="zh-TW" altLang="en-US" sz="6400" b="1" dirty="0">
+                <a:solidFill>
+                  <a:srgbClr val="660033"/>
+                </a:solidFill>
+                <a:latin typeface="Microsoft JhengHei" panose="020B0604030504040204" pitchFamily="34" charset="-120"/>
+                <a:ea typeface="Microsoft JhengHei" panose="020B0604030504040204" pitchFamily="34" charset="-120"/>
+              </a:rPr>
+              <a:t>道</a:t>
+            </a:r>
+            <a:endParaRPr lang="en-US" altLang="zh-TW" sz="6400" b="1" dirty="0">
+              <a:solidFill>
+                <a:srgbClr val="660033"/>
+              </a:solidFill>
+              <a:latin typeface="Microsoft JhengHei" panose="020B0604030504040204" pitchFamily="34" charset="-120"/>
+              <a:ea typeface="Microsoft JhengHei" panose="020B0604030504040204" pitchFamily="34" charset="-120"/>
+            </a:endParaRPr>
+          </a:p>
+          <a:p>
+            <a:pPr marL="0" indent="0" algn="ctr">
+              <a:buNone/>
+            </a:pPr>
+            <a:r>
+              <a:rPr lang="zh-TW" altLang="en-US" sz="6400" b="1" dirty="0">
+                <a:solidFill>
+                  <a:srgbClr val="660033"/>
+                </a:solidFill>
+                <a:latin typeface="Microsoft JhengHei" panose="020B0604030504040204" pitchFamily="34" charset="-120"/>
+                <a:ea typeface="Microsoft JhengHei" panose="020B0604030504040204" pitchFamily="34" charset="-120"/>
+              </a:rPr>
+              <a:t>生</a:t>
+            </a:r>
+            <a:r>
+              <a:rPr lang="zh-TW" altLang="en-US" sz="6400" b="1" dirty="0">
+                <a:solidFill>
+                  <a:srgbClr val="660033"/>
+                </a:solidFill>
+                <a:latin typeface="Microsoft JhengHei" panose="020B0604030504040204" pitchFamily="34" charset="-120"/>
+                <a:ea typeface="Microsoft JhengHei" panose="020B0604030504040204" pitchFamily="34" charset="-120"/>
+              </a:rPr>
+              <a:t>命之道極奇</a:t>
+            </a:r>
+            <a:endParaRPr lang="en-US" altLang="zh-TW" sz="6400" b="1" dirty="0">
+              <a:solidFill>
+                <a:srgbClr val="660033"/>
+              </a:solidFill>
+              <a:latin typeface="Microsoft JhengHei" panose="020B0604030504040204" pitchFamily="34" charset="-120"/>
+              <a:ea typeface="Microsoft JhengHei" panose="020B0604030504040204" pitchFamily="34" charset="-120"/>
+            </a:endParaRPr>
+          </a:p>
+        </p:txBody>
+      </p:sp>
+      <p:sp>
+        <p:nvSpPr>
+          <p:cNvPr id="2" name="TextBox 1"/>
+          <p:cNvSpPr txBox="1"/>
+          <p:nvPr/>
+        </p:nvSpPr>
+        <p:spPr>
+          <a:xfrm>
+            <a:off x="0" y="5061182"/>
+            <a:ext cx="12192000" cy="913007"/>
+          </a:xfrm>
+          <a:prstGeom prst="rect">
+            <a:avLst/>
+          </a:prstGeom>
+          <a:noFill/>
+        </p:spPr>
+        <p:txBody>
+          <a:bodyPr wrap="square" rtlCol="0">
+            <a:spAutoFit/>
+          </a:bodyPr>
+          <a:lstStyle/>
+          <a:p>
+            <a:pPr algn="ctr"/>
+            <a:r>
+              <a:rPr lang="en-US" sz="5333" b="1" dirty="0">
+                <a:solidFill>
+                  <a:srgbClr val="660033"/>
+                </a:solidFill>
+              </a:rPr>
+              <a:t>( x2 )</a:t>
+            </a:r>
+            <a:endParaRPr lang="vi-VN" sz="5333" b="1" dirty="0">
+              <a:solidFill>
+                <a:srgbClr val="660033"/>
+              </a:solidFill>
+            </a:endParaRPr>
+          </a:p>
+        </p:txBody>
+      </p:sp>
+    </p:spTree>
+    <p:extLst>
+      <p:ext uri="{BB962C8B-B14F-4D97-AF65-F5344CB8AC3E}">
+        <p14:creationId xmlns:p14="http://schemas.microsoft.com/office/powerpoint/2010/main" val="2184037094"/>
+      </p:ext>
+    </p:extLst>
+  </p:cSld>
+  <p:clrMapOvr>
+    <a:masterClrMapping/>
+  </p:clrMapOvr>
+  <p:timing>
+    <p:tnLst>
+      <p:par>
+        <p:cTn id="1" dur="indefinite" restart="never" nodeType="tmRoot"/>
+      </p:par>
+    </p:tnLst>
+  </p:timing>
 </p:sld>
 </file>
 

--- a/宣道詩/(宣道詩144) 生命之道.pptx
+++ b/宣道詩/(宣道詩144) 生命之道.pptx
@@ -3835,24 +3835,7 @@
                 <a:latin typeface="微軟正黑體" pitchFamily="34" charset="-120"/>
                 <a:ea typeface="微軟正黑體" pitchFamily="34" charset="-120"/>
               </a:rPr>
-              <a:t>生</a:t>
-            </a:r>
-            <a:r>
-              <a:rPr lang="zh-CN" altLang="en-US" sz="8000" b="1" dirty="0">
-                <a:solidFill>
-                  <a:srgbClr val="660033"/>
-                </a:solidFill>
-                <a:effectLst>
-                  <a:outerShdw blurRad="38100" dist="38100" dir="2700000" algn="tl">
-                    <a:srgbClr val="000000">
-                      <a:alpha val="43137"/>
-                    </a:srgbClr>
-                  </a:outerShdw>
-                </a:effectLst>
-                <a:latin typeface="微軟正黑體" pitchFamily="34" charset="-120"/>
-                <a:ea typeface="微軟正黑體" pitchFamily="34" charset="-120"/>
-              </a:rPr>
-              <a:t>命之道</a:t>
+              <a:t>生命之道</a:t>
             </a:r>
             <a:endParaRPr lang="zh-TW" altLang="en-US" sz="8000" b="1" dirty="0">
               <a:solidFill>
@@ -3958,26 +3941,19 @@
               </a:rPr>
               <a:t>主必親自堅立</a:t>
             </a:r>
-            <a:endParaRPr lang="zh-TW" altLang="en-US" sz="6400" b="1" dirty="0">
-              <a:solidFill>
-                <a:srgbClr val="660033"/>
-              </a:solidFill>
-              <a:latin typeface="Microsoft JhengHei" panose="020B0604030504040204" pitchFamily="34" charset="-120"/>
-              <a:ea typeface="Microsoft JhengHei" panose="020B0604030504040204" pitchFamily="34" charset="-120"/>
-            </a:endParaRPr>
-          </a:p>
-        </p:txBody>
-      </p:sp>
-      <p:sp>
-        <p:nvSpPr>
-          <p:cNvPr id="4" name="TextBox 3"/>
+          </a:p>
+        </p:txBody>
+      </p:sp>
+      <p:sp>
+        <p:nvSpPr>
+          <p:cNvPr id="6" name="TextBox 5"/>
           <p:cNvSpPr txBox="1"/>
           <p:nvPr/>
         </p:nvSpPr>
         <p:spPr>
           <a:xfrm>
-            <a:off x="719403" y="2276872"/>
-            <a:ext cx="1248139" cy="1077218"/>
+            <a:off x="0" y="5301208"/>
+            <a:ext cx="12192000" cy="769441"/>
           </a:xfrm>
           <a:prstGeom prst="rect">
             <a:avLst/>
@@ -3985,23 +3961,44 @@
           <a:noFill/>
         </p:spPr>
         <p:txBody>
-          <a:bodyPr wrap="square" rtlCol="0">
+          <a:bodyPr wrap="square" rtlCol="0" anchor="ctr">
             <a:spAutoFit/>
           </a:bodyPr>
           <a:lstStyle/>
           <a:p>
-            <a:r>
-              <a:rPr lang="en-US" sz="6400" b="1" dirty="0">
+            <a:pPr algn="ctr"/>
+            <a:r>
+              <a:rPr lang="en-US" sz="4400" b="1" dirty="0">
                 <a:solidFill>
                   <a:srgbClr val="660033"/>
                 </a:solidFill>
+                <a:effectLst/>
               </a:rPr>
-              <a:t>3.</a:t>
-            </a:r>
-            <a:endParaRPr lang="vi-VN" sz="6400" b="1" dirty="0">
+              <a:t>( </a:t>
+            </a:r>
+            <a:r>
+              <a:rPr lang="en-US" sz="4400" b="1" dirty="0" smtClean="0">
+                <a:solidFill>
+                  <a:srgbClr val="660033"/>
+                </a:solidFill>
+                <a:effectLst/>
+              </a:rPr>
+              <a:t>3 </a:t>
+            </a:r>
+            <a:r>
+              <a:rPr lang="en-US" sz="4400" b="1" dirty="0">
+                <a:solidFill>
+                  <a:srgbClr val="660033"/>
+                </a:solidFill>
+                <a:effectLst/>
+              </a:rPr>
+              <a:t>)</a:t>
+            </a:r>
+            <a:endParaRPr lang="vi-VN" sz="4400" b="1" dirty="0">
               <a:solidFill>
                 <a:srgbClr val="660033"/>
               </a:solidFill>
+              <a:effectLst/>
             </a:endParaRPr>
           </a:p>
         </p:txBody>
@@ -4093,26 +4090,19 @@
               </a:rPr>
               <a:t>永遠安定在天</a:t>
             </a:r>
-            <a:endParaRPr lang="zh-TW" altLang="en-US" sz="6400" b="1" dirty="0">
-              <a:solidFill>
-                <a:srgbClr val="660033"/>
-              </a:solidFill>
-              <a:latin typeface="Microsoft JhengHei" panose="020B0604030504040204" pitchFamily="34" charset="-120"/>
-              <a:ea typeface="Microsoft JhengHei" panose="020B0604030504040204" pitchFamily="34" charset="-120"/>
-            </a:endParaRPr>
-          </a:p>
-        </p:txBody>
-      </p:sp>
-      <p:sp>
-        <p:nvSpPr>
-          <p:cNvPr id="4" name="TextBox 3"/>
+          </a:p>
+        </p:txBody>
+      </p:sp>
+      <p:sp>
+        <p:nvSpPr>
+          <p:cNvPr id="6" name="TextBox 5"/>
           <p:cNvSpPr txBox="1"/>
           <p:nvPr/>
         </p:nvSpPr>
         <p:spPr>
           <a:xfrm>
-            <a:off x="719403" y="2276872"/>
-            <a:ext cx="1248139" cy="1077218"/>
+            <a:off x="0" y="5301208"/>
+            <a:ext cx="12192000" cy="769441"/>
           </a:xfrm>
           <a:prstGeom prst="rect">
             <a:avLst/>
@@ -4120,23 +4110,44 @@
           <a:noFill/>
         </p:spPr>
         <p:txBody>
-          <a:bodyPr wrap="square" rtlCol="0">
+          <a:bodyPr wrap="square" rtlCol="0" anchor="ctr">
             <a:spAutoFit/>
           </a:bodyPr>
           <a:lstStyle/>
           <a:p>
-            <a:r>
-              <a:rPr lang="en-US" sz="6400" b="1" dirty="0">
+            <a:pPr algn="ctr"/>
+            <a:r>
+              <a:rPr lang="en-US" sz="4400" b="1" dirty="0">
                 <a:solidFill>
                   <a:srgbClr val="660033"/>
                 </a:solidFill>
+                <a:effectLst/>
               </a:rPr>
-              <a:t>3.</a:t>
-            </a:r>
-            <a:endParaRPr lang="vi-VN" sz="6400" b="1" dirty="0">
+              <a:t>( </a:t>
+            </a:r>
+            <a:r>
+              <a:rPr lang="en-US" sz="4400" b="1" dirty="0" smtClean="0">
+                <a:solidFill>
+                  <a:srgbClr val="660033"/>
+                </a:solidFill>
+                <a:effectLst/>
+              </a:rPr>
+              <a:t>3 </a:t>
+            </a:r>
+            <a:r>
+              <a:rPr lang="en-US" sz="4400" b="1" dirty="0">
+                <a:solidFill>
+                  <a:srgbClr val="660033"/>
+                </a:solidFill>
+                <a:effectLst/>
+              </a:rPr>
+              <a:t>)</a:t>
+            </a:r>
+            <a:endParaRPr lang="vi-VN" sz="4400" b="1" dirty="0">
               <a:solidFill>
                 <a:srgbClr val="660033"/>
               </a:solidFill>
+              <a:effectLst/>
             </a:endParaRPr>
           </a:p>
         </p:txBody>
@@ -4228,13 +4239,6 @@
               </a:rPr>
               <a:t>我今篤信不疑</a:t>
             </a:r>
-            <a:endParaRPr lang="zh-TW" altLang="en-US" sz="6400" b="1" dirty="0">
-              <a:solidFill>
-                <a:srgbClr val="660033"/>
-              </a:solidFill>
-              <a:latin typeface="Microsoft JhengHei" panose="020B0604030504040204" pitchFamily="34" charset="-120"/>
-              <a:ea typeface="Microsoft JhengHei" panose="020B0604030504040204" pitchFamily="34" charset="-120"/>
-            </a:endParaRPr>
           </a:p>
         </p:txBody>
       </p:sp>
@@ -4308,17 +4312,7 @@
                 <a:latin typeface="Microsoft JhengHei" panose="020B0604030504040204" pitchFamily="34" charset="-120"/>
                 <a:ea typeface="Microsoft JhengHei" panose="020B0604030504040204" pitchFamily="34" charset="-120"/>
               </a:rPr>
-              <a:t>美哉主道  奇哉主</a:t>
-            </a:r>
-            <a:r>
-              <a:rPr lang="zh-TW" altLang="en-US" sz="6400" b="1" dirty="0">
-                <a:solidFill>
-                  <a:srgbClr val="660033"/>
-                </a:solidFill>
-                <a:latin typeface="Microsoft JhengHei" panose="020B0604030504040204" pitchFamily="34" charset="-120"/>
-                <a:ea typeface="Microsoft JhengHei" panose="020B0604030504040204" pitchFamily="34" charset="-120"/>
-              </a:rPr>
-              <a:t>道</a:t>
+              <a:t>美哉主道  奇哉主道</a:t>
             </a:r>
             <a:endParaRPr lang="en-US" altLang="zh-TW" sz="6400" b="1" dirty="0">
               <a:solidFill>
@@ -4340,17 +4334,7 @@
                 <a:latin typeface="Microsoft JhengHei" panose="020B0604030504040204" pitchFamily="34" charset="-120"/>
                 <a:ea typeface="Microsoft JhengHei" panose="020B0604030504040204" pitchFamily="34" charset="-120"/>
               </a:rPr>
-              <a:t>生</a:t>
-            </a:r>
-            <a:r>
-              <a:rPr lang="zh-TW" altLang="en-US" sz="6400" b="1" dirty="0">
-                <a:solidFill>
-                  <a:srgbClr val="660033"/>
-                </a:solidFill>
-                <a:latin typeface="Microsoft JhengHei" panose="020B0604030504040204" pitchFamily="34" charset="-120"/>
-                <a:ea typeface="Microsoft JhengHei" panose="020B0604030504040204" pitchFamily="34" charset="-120"/>
-              </a:rPr>
-              <a:t>命之道極奇</a:t>
+              <a:t>生命之道極奇</a:t>
             </a:r>
             <a:endParaRPr lang="en-US" altLang="zh-TW" sz="6400" b="1" dirty="0">
               <a:solidFill>
@@ -4488,26 +4472,19 @@
               </a:rPr>
               <a:t>晝夜思想遵行</a:t>
             </a:r>
-            <a:endParaRPr lang="zh-TW" altLang="en-US" sz="6400" b="1" dirty="0">
-              <a:solidFill>
-                <a:srgbClr val="660033"/>
-              </a:solidFill>
-              <a:latin typeface="Microsoft JhengHei" panose="020B0604030504040204" pitchFamily="34" charset="-120"/>
-              <a:ea typeface="Microsoft JhengHei" panose="020B0604030504040204" pitchFamily="34" charset="-120"/>
-            </a:endParaRPr>
-          </a:p>
-        </p:txBody>
-      </p:sp>
-      <p:sp>
-        <p:nvSpPr>
-          <p:cNvPr id="4" name="TextBox 3"/>
+          </a:p>
+        </p:txBody>
+      </p:sp>
+      <p:sp>
+        <p:nvSpPr>
+          <p:cNvPr id="6" name="TextBox 5"/>
           <p:cNvSpPr txBox="1"/>
           <p:nvPr/>
         </p:nvSpPr>
         <p:spPr>
           <a:xfrm>
-            <a:off x="719403" y="2276872"/>
-            <a:ext cx="1248139" cy="1077218"/>
+            <a:off x="0" y="5301208"/>
+            <a:ext cx="12192000" cy="769441"/>
           </a:xfrm>
           <a:prstGeom prst="rect">
             <a:avLst/>
@@ -4515,23 +4492,44 @@
           <a:noFill/>
         </p:spPr>
         <p:txBody>
-          <a:bodyPr wrap="square" rtlCol="0">
+          <a:bodyPr wrap="square" rtlCol="0" anchor="ctr">
             <a:spAutoFit/>
           </a:bodyPr>
           <a:lstStyle/>
           <a:p>
-            <a:r>
-              <a:rPr lang="en-US" sz="6400" b="1" dirty="0">
+            <a:pPr algn="ctr"/>
+            <a:r>
+              <a:rPr lang="en-US" sz="4400" b="1" dirty="0">
                 <a:solidFill>
                   <a:srgbClr val="660033"/>
                 </a:solidFill>
+                <a:effectLst/>
               </a:rPr>
-              <a:t>4.</a:t>
-            </a:r>
-            <a:endParaRPr lang="vi-VN" sz="6400" b="1" dirty="0">
+              <a:t>( </a:t>
+            </a:r>
+            <a:r>
+              <a:rPr lang="en-US" sz="4400" b="1" dirty="0" smtClean="0">
+                <a:solidFill>
+                  <a:srgbClr val="660033"/>
+                </a:solidFill>
+                <a:effectLst/>
+              </a:rPr>
+              <a:t>4 </a:t>
+            </a:r>
+            <a:r>
+              <a:rPr lang="en-US" sz="4400" b="1" dirty="0">
+                <a:solidFill>
+                  <a:srgbClr val="660033"/>
+                </a:solidFill>
+                <a:effectLst/>
+              </a:rPr>
+              <a:t>)</a:t>
+            </a:r>
+            <a:endParaRPr lang="vi-VN" sz="4400" b="1" dirty="0">
               <a:solidFill>
                 <a:srgbClr val="660033"/>
               </a:solidFill>
+              <a:effectLst/>
             </a:endParaRPr>
           </a:p>
         </p:txBody>
@@ -4623,26 +4621,19 @@
               </a:rPr>
               <a:t>使我識主更真</a:t>
             </a:r>
-            <a:endParaRPr lang="zh-TW" altLang="en-US" sz="6400" b="1" dirty="0">
-              <a:solidFill>
-                <a:srgbClr val="660033"/>
-              </a:solidFill>
-              <a:latin typeface="Microsoft JhengHei" panose="020B0604030504040204" pitchFamily="34" charset="-120"/>
-              <a:ea typeface="Microsoft JhengHei" panose="020B0604030504040204" pitchFamily="34" charset="-120"/>
-            </a:endParaRPr>
-          </a:p>
-        </p:txBody>
-      </p:sp>
-      <p:sp>
-        <p:nvSpPr>
-          <p:cNvPr id="4" name="TextBox 3"/>
+          </a:p>
+        </p:txBody>
+      </p:sp>
+      <p:sp>
+        <p:nvSpPr>
+          <p:cNvPr id="6" name="TextBox 5"/>
           <p:cNvSpPr txBox="1"/>
           <p:nvPr/>
         </p:nvSpPr>
         <p:spPr>
           <a:xfrm>
-            <a:off x="719403" y="2276872"/>
-            <a:ext cx="1248139" cy="1077218"/>
+            <a:off x="0" y="5301208"/>
+            <a:ext cx="12192000" cy="769441"/>
           </a:xfrm>
           <a:prstGeom prst="rect">
             <a:avLst/>
@@ -4650,23 +4641,44 @@
           <a:noFill/>
         </p:spPr>
         <p:txBody>
-          <a:bodyPr wrap="square" rtlCol="0">
+          <a:bodyPr wrap="square" rtlCol="0" anchor="ctr">
             <a:spAutoFit/>
           </a:bodyPr>
           <a:lstStyle/>
           <a:p>
-            <a:r>
-              <a:rPr lang="en-US" sz="6400" b="1" dirty="0">
+            <a:pPr algn="ctr"/>
+            <a:r>
+              <a:rPr lang="en-US" sz="4400" b="1" dirty="0">
                 <a:solidFill>
                   <a:srgbClr val="660033"/>
                 </a:solidFill>
+                <a:effectLst/>
               </a:rPr>
-              <a:t>4.</a:t>
-            </a:r>
-            <a:endParaRPr lang="vi-VN" sz="6400" b="1" dirty="0">
+              <a:t>( </a:t>
+            </a:r>
+            <a:r>
+              <a:rPr lang="en-US" sz="4400" b="1" dirty="0" smtClean="0">
+                <a:solidFill>
+                  <a:srgbClr val="660033"/>
+                </a:solidFill>
+                <a:effectLst/>
+              </a:rPr>
+              <a:t>4 </a:t>
+            </a:r>
+            <a:r>
+              <a:rPr lang="en-US" sz="4400" b="1" dirty="0">
+                <a:solidFill>
+                  <a:srgbClr val="660033"/>
+                </a:solidFill>
+                <a:effectLst/>
+              </a:rPr>
+              <a:t>)</a:t>
+            </a:r>
+            <a:endParaRPr lang="vi-VN" sz="4400" b="1" dirty="0">
               <a:solidFill>
                 <a:srgbClr val="660033"/>
               </a:solidFill>
+              <a:effectLst/>
             </a:endParaRPr>
           </a:p>
         </p:txBody>
@@ -4758,13 +4770,6 @@
               </a:rPr>
               <a:t>我今篤信不疑</a:t>
             </a:r>
-            <a:endParaRPr lang="zh-TW" altLang="en-US" sz="6400" b="1" dirty="0">
-              <a:solidFill>
-                <a:srgbClr val="660033"/>
-              </a:solidFill>
-              <a:latin typeface="Microsoft JhengHei" panose="020B0604030504040204" pitchFamily="34" charset="-120"/>
-              <a:ea typeface="Microsoft JhengHei" panose="020B0604030504040204" pitchFamily="34" charset="-120"/>
-            </a:endParaRPr>
           </a:p>
         </p:txBody>
       </p:sp>
@@ -4838,17 +4843,7 @@
                 <a:latin typeface="Microsoft JhengHei" panose="020B0604030504040204" pitchFamily="34" charset="-120"/>
                 <a:ea typeface="Microsoft JhengHei" panose="020B0604030504040204" pitchFamily="34" charset="-120"/>
               </a:rPr>
-              <a:t>美哉主道  奇哉主</a:t>
-            </a:r>
-            <a:r>
-              <a:rPr lang="zh-TW" altLang="en-US" sz="6400" b="1" dirty="0">
-                <a:solidFill>
-                  <a:srgbClr val="660033"/>
-                </a:solidFill>
-                <a:latin typeface="Microsoft JhengHei" panose="020B0604030504040204" pitchFamily="34" charset="-120"/>
-                <a:ea typeface="Microsoft JhengHei" panose="020B0604030504040204" pitchFamily="34" charset="-120"/>
-              </a:rPr>
-              <a:t>道</a:t>
+              <a:t>美哉主道  奇哉主道</a:t>
             </a:r>
             <a:endParaRPr lang="en-US" altLang="zh-TW" sz="6400" b="1" dirty="0">
               <a:solidFill>
@@ -4870,17 +4865,7 @@
                 <a:latin typeface="Microsoft JhengHei" panose="020B0604030504040204" pitchFamily="34" charset="-120"/>
                 <a:ea typeface="Microsoft JhengHei" panose="020B0604030504040204" pitchFamily="34" charset="-120"/>
               </a:rPr>
-              <a:t>生</a:t>
-            </a:r>
-            <a:r>
-              <a:rPr lang="zh-TW" altLang="en-US" sz="6400" b="1" dirty="0">
-                <a:solidFill>
-                  <a:srgbClr val="660033"/>
-                </a:solidFill>
-                <a:latin typeface="Microsoft JhengHei" panose="020B0604030504040204" pitchFamily="34" charset="-120"/>
-                <a:ea typeface="Microsoft JhengHei" panose="020B0604030504040204" pitchFamily="34" charset="-120"/>
-              </a:rPr>
-              <a:t>命之道極奇</a:t>
+              <a:t>生命之道極奇</a:t>
             </a:r>
             <a:endParaRPr lang="en-US" altLang="zh-TW" sz="6400" b="1" dirty="0">
               <a:solidFill>
@@ -5030,14 +5015,14 @@
       </p:sp>
       <p:sp>
         <p:nvSpPr>
-          <p:cNvPr id="3" name="TextBox 2"/>
+          <p:cNvPr id="4" name="TextBox 3"/>
           <p:cNvSpPr txBox="1"/>
           <p:nvPr/>
         </p:nvSpPr>
         <p:spPr>
           <a:xfrm>
-            <a:off x="719403" y="2276872"/>
-            <a:ext cx="1248139" cy="1077218"/>
+            <a:off x="0" y="5301208"/>
+            <a:ext cx="12192000" cy="769441"/>
           </a:xfrm>
           <a:prstGeom prst="rect">
             <a:avLst/>
@@ -5045,23 +5030,26 @@
           <a:noFill/>
         </p:spPr>
         <p:txBody>
-          <a:bodyPr wrap="square" rtlCol="0">
+          <a:bodyPr wrap="square" rtlCol="0" anchor="ctr">
             <a:spAutoFit/>
           </a:bodyPr>
           <a:lstStyle/>
           <a:p>
-            <a:r>
-              <a:rPr lang="en-US" sz="6400" b="1" dirty="0">
+            <a:pPr algn="ctr"/>
+            <a:r>
+              <a:rPr lang="en-US" sz="4400" b="1" dirty="0">
                 <a:solidFill>
                   <a:srgbClr val="660033"/>
                 </a:solidFill>
+                <a:effectLst/>
               </a:rPr>
-              <a:t>1.</a:t>
-            </a:r>
-            <a:endParaRPr lang="vi-VN" sz="6400" b="1" dirty="0">
+              <a:t>( 1 )</a:t>
+            </a:r>
+            <a:endParaRPr lang="vi-VN" sz="4400" b="1" dirty="0">
               <a:solidFill>
                 <a:srgbClr val="660033"/>
               </a:solidFill>
+              <a:effectLst/>
             </a:endParaRPr>
           </a:p>
         </p:txBody>
@@ -5153,26 +5141,19 @@
               </a:rPr>
               <a:t>流血洗我罪污</a:t>
             </a:r>
-            <a:endParaRPr lang="zh-TW" altLang="en-US" sz="6400" b="1" dirty="0">
-              <a:solidFill>
-                <a:srgbClr val="660033"/>
-              </a:solidFill>
-              <a:latin typeface="Microsoft JhengHei" panose="020B0604030504040204" pitchFamily="34" charset="-120"/>
-              <a:ea typeface="Microsoft JhengHei" panose="020B0604030504040204" pitchFamily="34" charset="-120"/>
-            </a:endParaRPr>
-          </a:p>
-        </p:txBody>
-      </p:sp>
-      <p:sp>
-        <p:nvSpPr>
-          <p:cNvPr id="4" name="TextBox 3"/>
+          </a:p>
+        </p:txBody>
+      </p:sp>
+      <p:sp>
+        <p:nvSpPr>
+          <p:cNvPr id="6" name="TextBox 5"/>
           <p:cNvSpPr txBox="1"/>
           <p:nvPr/>
         </p:nvSpPr>
         <p:spPr>
           <a:xfrm>
-            <a:off x="719403" y="2276872"/>
-            <a:ext cx="1248139" cy="1077218"/>
+            <a:off x="0" y="5301208"/>
+            <a:ext cx="12192000" cy="769441"/>
           </a:xfrm>
           <a:prstGeom prst="rect">
             <a:avLst/>
@@ -5180,23 +5161,26 @@
           <a:noFill/>
         </p:spPr>
         <p:txBody>
-          <a:bodyPr wrap="square" rtlCol="0">
+          <a:bodyPr wrap="square" rtlCol="0" anchor="ctr">
             <a:spAutoFit/>
           </a:bodyPr>
           <a:lstStyle/>
           <a:p>
-            <a:r>
-              <a:rPr lang="en-US" sz="6400" b="1" dirty="0">
+            <a:pPr algn="ctr"/>
+            <a:r>
+              <a:rPr lang="en-US" sz="4400" b="1" dirty="0">
                 <a:solidFill>
                   <a:srgbClr val="660033"/>
                 </a:solidFill>
+                <a:effectLst/>
               </a:rPr>
-              <a:t>1.</a:t>
-            </a:r>
-            <a:endParaRPr lang="vi-VN" sz="6400" b="1" dirty="0">
+              <a:t>( 1 )</a:t>
+            </a:r>
+            <a:endParaRPr lang="vi-VN" sz="4400" b="1" dirty="0">
               <a:solidFill>
                 <a:srgbClr val="660033"/>
               </a:solidFill>
+              <a:effectLst/>
             </a:endParaRPr>
           </a:p>
         </p:txBody>
@@ -5288,13 +5272,6 @@
               </a:rPr>
               <a:t>我今篤信不疑</a:t>
             </a:r>
-            <a:endParaRPr lang="zh-TW" altLang="en-US" sz="6400" b="1" dirty="0">
-              <a:solidFill>
-                <a:srgbClr val="660033"/>
-              </a:solidFill>
-              <a:latin typeface="Microsoft JhengHei" panose="020B0604030504040204" pitchFamily="34" charset="-120"/>
-              <a:ea typeface="Microsoft JhengHei" panose="020B0604030504040204" pitchFamily="34" charset="-120"/>
-            </a:endParaRPr>
           </a:p>
         </p:txBody>
       </p:sp>
@@ -5368,17 +5345,7 @@
                 <a:latin typeface="Microsoft JhengHei" panose="020B0604030504040204" pitchFamily="34" charset="-120"/>
                 <a:ea typeface="Microsoft JhengHei" panose="020B0604030504040204" pitchFamily="34" charset="-120"/>
               </a:rPr>
-              <a:t>美哉主道  奇哉主</a:t>
-            </a:r>
-            <a:r>
-              <a:rPr lang="zh-TW" altLang="en-US" sz="6400" b="1" dirty="0">
-                <a:solidFill>
-                  <a:srgbClr val="660033"/>
-                </a:solidFill>
-                <a:latin typeface="Microsoft JhengHei" panose="020B0604030504040204" pitchFamily="34" charset="-120"/>
-                <a:ea typeface="Microsoft JhengHei" panose="020B0604030504040204" pitchFamily="34" charset="-120"/>
-              </a:rPr>
-              <a:t>道</a:t>
+              <a:t>美哉主道  奇哉主道</a:t>
             </a:r>
             <a:endParaRPr lang="en-US" altLang="zh-TW" sz="6400" b="1" dirty="0">
               <a:solidFill>
@@ -5400,17 +5367,7 @@
                 <a:latin typeface="Microsoft JhengHei" panose="020B0604030504040204" pitchFamily="34" charset="-120"/>
                 <a:ea typeface="Microsoft JhengHei" panose="020B0604030504040204" pitchFamily="34" charset="-120"/>
               </a:rPr>
-              <a:t>生</a:t>
-            </a:r>
-            <a:r>
-              <a:rPr lang="zh-TW" altLang="en-US" sz="6400" b="1" dirty="0">
-                <a:solidFill>
-                  <a:srgbClr val="660033"/>
-                </a:solidFill>
-                <a:latin typeface="Microsoft JhengHei" panose="020B0604030504040204" pitchFamily="34" charset="-120"/>
-                <a:ea typeface="Microsoft JhengHei" panose="020B0604030504040204" pitchFamily="34" charset="-120"/>
-              </a:rPr>
-              <a:t>命之道極奇</a:t>
+              <a:t>生命之道極奇</a:t>
             </a:r>
             <a:endParaRPr lang="en-US" altLang="zh-TW" sz="6400" b="1" dirty="0">
               <a:solidFill>
@@ -5548,26 +5505,19 @@
               </a:rPr>
               <a:t>備及今世來生</a:t>
             </a:r>
-            <a:endParaRPr lang="zh-TW" altLang="en-US" sz="6400" b="1" dirty="0">
-              <a:solidFill>
-                <a:srgbClr val="660033"/>
-              </a:solidFill>
-              <a:latin typeface="Microsoft JhengHei" panose="020B0604030504040204" pitchFamily="34" charset="-120"/>
-              <a:ea typeface="Microsoft JhengHei" panose="020B0604030504040204" pitchFamily="34" charset="-120"/>
-            </a:endParaRPr>
-          </a:p>
-        </p:txBody>
-      </p:sp>
-      <p:sp>
-        <p:nvSpPr>
-          <p:cNvPr id="4" name="TextBox 3"/>
+          </a:p>
+        </p:txBody>
+      </p:sp>
+      <p:sp>
+        <p:nvSpPr>
+          <p:cNvPr id="6" name="TextBox 5"/>
           <p:cNvSpPr txBox="1"/>
           <p:nvPr/>
         </p:nvSpPr>
         <p:spPr>
           <a:xfrm>
-            <a:off x="719403" y="2276872"/>
-            <a:ext cx="1248139" cy="1077218"/>
+            <a:off x="0" y="5301208"/>
+            <a:ext cx="12192000" cy="769441"/>
           </a:xfrm>
           <a:prstGeom prst="rect">
             <a:avLst/>
@@ -5575,23 +5525,44 @@
           <a:noFill/>
         </p:spPr>
         <p:txBody>
-          <a:bodyPr wrap="square" rtlCol="0">
+          <a:bodyPr wrap="square" rtlCol="0" anchor="ctr">
             <a:spAutoFit/>
           </a:bodyPr>
           <a:lstStyle/>
           <a:p>
-            <a:r>
-              <a:rPr lang="en-US" sz="6400" b="1" dirty="0">
+            <a:pPr algn="ctr"/>
+            <a:r>
+              <a:rPr lang="en-US" sz="4400" b="1" dirty="0">
                 <a:solidFill>
                   <a:srgbClr val="660033"/>
                 </a:solidFill>
+                <a:effectLst/>
               </a:rPr>
-              <a:t>2.</a:t>
-            </a:r>
-            <a:endParaRPr lang="vi-VN" sz="6400" b="1" dirty="0">
+              <a:t>( </a:t>
+            </a:r>
+            <a:r>
+              <a:rPr lang="en-US" sz="4400" b="1" dirty="0" smtClean="0">
+                <a:solidFill>
+                  <a:srgbClr val="660033"/>
+                </a:solidFill>
+                <a:effectLst/>
+              </a:rPr>
+              <a:t>2 </a:t>
+            </a:r>
+            <a:r>
+              <a:rPr lang="en-US" sz="4400" b="1" dirty="0">
+                <a:solidFill>
+                  <a:srgbClr val="660033"/>
+                </a:solidFill>
+                <a:effectLst/>
+              </a:rPr>
+              <a:t>)</a:t>
+            </a:r>
+            <a:endParaRPr lang="vi-VN" sz="4400" b="1" dirty="0">
               <a:solidFill>
                 <a:srgbClr val="660033"/>
               </a:solidFill>
+              <a:effectLst/>
             </a:endParaRPr>
           </a:p>
         </p:txBody>
@@ -5683,26 +5654,19 @@
               </a:rPr>
               <a:t>為我暗處明燈</a:t>
             </a:r>
-            <a:endParaRPr lang="zh-TW" altLang="en-US" sz="6400" b="1" dirty="0">
-              <a:solidFill>
-                <a:srgbClr val="660033"/>
-              </a:solidFill>
-              <a:latin typeface="Microsoft JhengHei" panose="020B0604030504040204" pitchFamily="34" charset="-120"/>
-              <a:ea typeface="Microsoft JhengHei" panose="020B0604030504040204" pitchFamily="34" charset="-120"/>
-            </a:endParaRPr>
-          </a:p>
-        </p:txBody>
-      </p:sp>
-      <p:sp>
-        <p:nvSpPr>
-          <p:cNvPr id="4" name="TextBox 3"/>
+          </a:p>
+        </p:txBody>
+      </p:sp>
+      <p:sp>
+        <p:nvSpPr>
+          <p:cNvPr id="6" name="TextBox 5"/>
           <p:cNvSpPr txBox="1"/>
           <p:nvPr/>
         </p:nvSpPr>
         <p:spPr>
           <a:xfrm>
-            <a:off x="719403" y="2276872"/>
-            <a:ext cx="1248139" cy="1077218"/>
+            <a:off x="0" y="5301208"/>
+            <a:ext cx="12192000" cy="769441"/>
           </a:xfrm>
           <a:prstGeom prst="rect">
             <a:avLst/>
@@ -5710,23 +5674,44 @@
           <a:noFill/>
         </p:spPr>
         <p:txBody>
-          <a:bodyPr wrap="square" rtlCol="0">
+          <a:bodyPr wrap="square" rtlCol="0" anchor="ctr">
             <a:spAutoFit/>
           </a:bodyPr>
           <a:lstStyle/>
           <a:p>
-            <a:r>
-              <a:rPr lang="en-US" sz="6400" b="1" dirty="0">
+            <a:pPr algn="ctr"/>
+            <a:r>
+              <a:rPr lang="en-US" sz="4400" b="1" dirty="0">
                 <a:solidFill>
                   <a:srgbClr val="660033"/>
                 </a:solidFill>
+                <a:effectLst/>
               </a:rPr>
-              <a:t>2.</a:t>
-            </a:r>
-            <a:endParaRPr lang="vi-VN" sz="6400" b="1" dirty="0">
+              <a:t>( </a:t>
+            </a:r>
+            <a:r>
+              <a:rPr lang="en-US" sz="4400" b="1" dirty="0" smtClean="0">
+                <a:solidFill>
+                  <a:srgbClr val="660033"/>
+                </a:solidFill>
+                <a:effectLst/>
+              </a:rPr>
+              <a:t>2 </a:t>
+            </a:r>
+            <a:r>
+              <a:rPr lang="en-US" sz="4400" b="1" dirty="0">
+                <a:solidFill>
+                  <a:srgbClr val="660033"/>
+                </a:solidFill>
+                <a:effectLst/>
+              </a:rPr>
+              <a:t>)</a:t>
+            </a:r>
+            <a:endParaRPr lang="vi-VN" sz="4400" b="1" dirty="0">
               <a:solidFill>
                 <a:srgbClr val="660033"/>
               </a:solidFill>
+              <a:effectLst/>
             </a:endParaRPr>
           </a:p>
         </p:txBody>
@@ -5818,13 +5803,6 @@
               </a:rPr>
               <a:t>我今篤信不疑</a:t>
             </a:r>
-            <a:endParaRPr lang="zh-TW" altLang="en-US" sz="6400" b="1" dirty="0">
-              <a:solidFill>
-                <a:srgbClr val="660033"/>
-              </a:solidFill>
-              <a:latin typeface="Microsoft JhengHei" panose="020B0604030504040204" pitchFamily="34" charset="-120"/>
-              <a:ea typeface="Microsoft JhengHei" panose="020B0604030504040204" pitchFamily="34" charset="-120"/>
-            </a:endParaRPr>
           </a:p>
         </p:txBody>
       </p:sp>
@@ -5898,17 +5876,7 @@
                 <a:latin typeface="Microsoft JhengHei" panose="020B0604030504040204" pitchFamily="34" charset="-120"/>
                 <a:ea typeface="Microsoft JhengHei" panose="020B0604030504040204" pitchFamily="34" charset="-120"/>
               </a:rPr>
-              <a:t>美哉主道  奇哉主</a:t>
-            </a:r>
-            <a:r>
-              <a:rPr lang="zh-TW" altLang="en-US" sz="6400" b="1" dirty="0">
-                <a:solidFill>
-                  <a:srgbClr val="660033"/>
-                </a:solidFill>
-                <a:latin typeface="Microsoft JhengHei" panose="020B0604030504040204" pitchFamily="34" charset="-120"/>
-                <a:ea typeface="Microsoft JhengHei" panose="020B0604030504040204" pitchFamily="34" charset="-120"/>
-              </a:rPr>
-              <a:t>道</a:t>
+              <a:t>美哉主道  奇哉主道</a:t>
             </a:r>
             <a:endParaRPr lang="en-US" altLang="zh-TW" sz="6400" b="1" dirty="0">
               <a:solidFill>
@@ -5930,17 +5898,7 @@
                 <a:latin typeface="Microsoft JhengHei" panose="020B0604030504040204" pitchFamily="34" charset="-120"/>
                 <a:ea typeface="Microsoft JhengHei" panose="020B0604030504040204" pitchFamily="34" charset="-120"/>
               </a:rPr>
-              <a:t>生</a:t>
-            </a:r>
-            <a:r>
-              <a:rPr lang="zh-TW" altLang="en-US" sz="6400" b="1" dirty="0">
-                <a:solidFill>
-                  <a:srgbClr val="660033"/>
-                </a:solidFill>
-                <a:latin typeface="Microsoft JhengHei" panose="020B0604030504040204" pitchFamily="34" charset="-120"/>
-                <a:ea typeface="Microsoft JhengHei" panose="020B0604030504040204" pitchFamily="34" charset="-120"/>
-              </a:rPr>
-              <a:t>命之道極奇</a:t>
+              <a:t>生命之道極奇</a:t>
             </a:r>
             <a:endParaRPr lang="en-US" altLang="zh-TW" sz="6400" b="1" dirty="0">
               <a:solidFill>

--- a/宣道詩/(宣道詩144) 生命之道.pptx
+++ b/宣道詩/(宣道詩144) 生命之道.pptx
@@ -3972,7 +3972,6 @@
                 <a:solidFill>
                   <a:srgbClr val="660033"/>
                 </a:solidFill>
-                <a:effectLst/>
               </a:rPr>
               <a:t>( </a:t>
             </a:r>
@@ -3981,7 +3980,6 @@
                 <a:solidFill>
                   <a:srgbClr val="660033"/>
                 </a:solidFill>
-                <a:effectLst/>
               </a:rPr>
               <a:t>3 </a:t>
             </a:r>
@@ -3990,15 +3988,13 @@
                 <a:solidFill>
                   <a:srgbClr val="660033"/>
                 </a:solidFill>
-                <a:effectLst/>
               </a:rPr>
-              <a:t>)</a:t>
+              <a:t>/ 4 )</a:t>
             </a:r>
             <a:endParaRPr lang="vi-VN" sz="4400" b="1" dirty="0">
               <a:solidFill>
                 <a:srgbClr val="660033"/>
               </a:solidFill>
-              <a:effectLst/>
             </a:endParaRPr>
           </a:p>
         </p:txBody>
@@ -4121,33 +4117,13 @@
                 <a:solidFill>
                   <a:srgbClr val="660033"/>
                 </a:solidFill>
-                <a:effectLst/>
               </a:rPr>
-              <a:t>( </a:t>
-            </a:r>
-            <a:r>
-              <a:rPr lang="en-US" sz="4400" b="1" dirty="0" smtClean="0">
-                <a:solidFill>
-                  <a:srgbClr val="660033"/>
-                </a:solidFill>
-                <a:effectLst/>
-              </a:rPr>
-              <a:t>3 </a:t>
-            </a:r>
-            <a:r>
-              <a:rPr lang="en-US" sz="4400" b="1" dirty="0">
-                <a:solidFill>
-                  <a:srgbClr val="660033"/>
-                </a:solidFill>
-                <a:effectLst/>
-              </a:rPr>
-              <a:t>)</a:t>
+              <a:t>( 3 / 4 )</a:t>
             </a:r>
             <a:endParaRPr lang="vi-VN" sz="4400" b="1" dirty="0">
               <a:solidFill>
                 <a:srgbClr val="660033"/>
               </a:solidFill>
-              <a:effectLst/>
             </a:endParaRPr>
           </a:p>
         </p:txBody>
@@ -4503,7 +4479,6 @@
                 <a:solidFill>
                   <a:srgbClr val="660033"/>
                 </a:solidFill>
-                <a:effectLst/>
               </a:rPr>
               <a:t>( </a:t>
             </a:r>
@@ -4512,7 +4487,6 @@
                 <a:solidFill>
                   <a:srgbClr val="660033"/>
                 </a:solidFill>
-                <a:effectLst/>
               </a:rPr>
               <a:t>4 </a:t>
             </a:r>
@@ -4521,15 +4495,13 @@
                 <a:solidFill>
                   <a:srgbClr val="660033"/>
                 </a:solidFill>
-                <a:effectLst/>
               </a:rPr>
-              <a:t>)</a:t>
+              <a:t>/ 4 )</a:t>
             </a:r>
             <a:endParaRPr lang="vi-VN" sz="4400" b="1" dirty="0">
               <a:solidFill>
                 <a:srgbClr val="660033"/>
               </a:solidFill>
-              <a:effectLst/>
             </a:endParaRPr>
           </a:p>
         </p:txBody>
@@ -4652,33 +4624,13 @@
                 <a:solidFill>
                   <a:srgbClr val="660033"/>
                 </a:solidFill>
-                <a:effectLst/>
               </a:rPr>
-              <a:t>( </a:t>
-            </a:r>
-            <a:r>
-              <a:rPr lang="en-US" sz="4400" b="1" dirty="0" smtClean="0">
-                <a:solidFill>
-                  <a:srgbClr val="660033"/>
-                </a:solidFill>
-                <a:effectLst/>
-              </a:rPr>
-              <a:t>4 </a:t>
-            </a:r>
-            <a:r>
-              <a:rPr lang="en-US" sz="4400" b="1" dirty="0">
-                <a:solidFill>
-                  <a:srgbClr val="660033"/>
-                </a:solidFill>
-                <a:effectLst/>
-              </a:rPr>
-              <a:t>)</a:t>
+              <a:t>( 4 / 4 )</a:t>
             </a:r>
             <a:endParaRPr lang="vi-VN" sz="4400" b="1" dirty="0">
               <a:solidFill>
                 <a:srgbClr val="660033"/>
               </a:solidFill>
-              <a:effectLst/>
             </a:endParaRPr>
           </a:p>
         </p:txBody>
@@ -5043,7 +4995,16 @@
                 </a:solidFill>
                 <a:effectLst/>
               </a:rPr>
-              <a:t>( 1 )</a:t>
+              <a:t>( 1 </a:t>
+            </a:r>
+            <a:r>
+              <a:rPr lang="en-US" sz="4400" b="1" dirty="0" smtClean="0">
+                <a:solidFill>
+                  <a:srgbClr val="660033"/>
+                </a:solidFill>
+                <a:effectLst/>
+              </a:rPr>
+              <a:t>/ 4 )</a:t>
             </a:r>
             <a:endParaRPr lang="vi-VN" sz="4400" b="1" dirty="0">
               <a:solidFill>
@@ -5172,15 +5133,13 @@
                 <a:solidFill>
                   <a:srgbClr val="660033"/>
                 </a:solidFill>
-                <a:effectLst/>
               </a:rPr>
-              <a:t>( 1 )</a:t>
+              <a:t>( 1 / 4 )</a:t>
             </a:r>
             <a:endParaRPr lang="vi-VN" sz="4400" b="1" dirty="0">
               <a:solidFill>
                 <a:srgbClr val="660033"/>
               </a:solidFill>
-              <a:effectLst/>
             </a:endParaRPr>
           </a:p>
         </p:txBody>
@@ -5536,7 +5495,6 @@
                 <a:solidFill>
                   <a:srgbClr val="660033"/>
                 </a:solidFill>
-                <a:effectLst/>
               </a:rPr>
               <a:t>( </a:t>
             </a:r>
@@ -5545,7 +5503,6 @@
                 <a:solidFill>
                   <a:srgbClr val="660033"/>
                 </a:solidFill>
-                <a:effectLst/>
               </a:rPr>
               <a:t>2 </a:t>
             </a:r>
@@ -5554,15 +5511,13 @@
                 <a:solidFill>
                   <a:srgbClr val="660033"/>
                 </a:solidFill>
-                <a:effectLst/>
               </a:rPr>
-              <a:t>)</a:t>
+              <a:t>/ 4 )</a:t>
             </a:r>
             <a:endParaRPr lang="vi-VN" sz="4400" b="1" dirty="0">
               <a:solidFill>
                 <a:srgbClr val="660033"/>
               </a:solidFill>
-              <a:effectLst/>
             </a:endParaRPr>
           </a:p>
         </p:txBody>
@@ -5685,33 +5640,13 @@
                 <a:solidFill>
                   <a:srgbClr val="660033"/>
                 </a:solidFill>
-                <a:effectLst/>
               </a:rPr>
-              <a:t>( </a:t>
-            </a:r>
-            <a:r>
-              <a:rPr lang="en-US" sz="4400" b="1" dirty="0" smtClean="0">
-                <a:solidFill>
-                  <a:srgbClr val="660033"/>
-                </a:solidFill>
-                <a:effectLst/>
-              </a:rPr>
-              <a:t>2 </a:t>
-            </a:r>
-            <a:r>
-              <a:rPr lang="en-US" sz="4400" b="1" dirty="0">
-                <a:solidFill>
-                  <a:srgbClr val="660033"/>
-                </a:solidFill>
-                <a:effectLst/>
-              </a:rPr>
-              <a:t>)</a:t>
+              <a:t>( 2 / 4 )</a:t>
             </a:r>
             <a:endParaRPr lang="vi-VN" sz="4400" b="1" dirty="0">
               <a:solidFill>
                 <a:srgbClr val="660033"/>
               </a:solidFill>
-              <a:effectLst/>
             </a:endParaRPr>
           </a:p>
         </p:txBody>

--- a/宣道詩/(宣道詩144) 生命之道.pptx
+++ b/宣道詩/(宣道詩144) 生命之道.pptx
@@ -3743,7 +3743,7 @@
         </p:nvSpPr>
         <p:spPr>
           <a:xfrm>
-            <a:off x="0" y="2857513"/>
+            <a:off x="0" y="2708920"/>
             <a:ext cx="12192000" cy="1143000"/>
           </a:xfrm>
         </p:spPr>
@@ -3952,8 +3952,8 @@
         </p:nvSpPr>
         <p:spPr>
           <a:xfrm>
-            <a:off x="0" y="5301208"/>
-            <a:ext cx="12192000" cy="769441"/>
+            <a:off x="0" y="5362763"/>
+            <a:ext cx="12192000" cy="646331"/>
           </a:xfrm>
           <a:prstGeom prst="rect">
             <a:avLst/>
@@ -3968,33 +3968,37 @@
           <a:p>
             <a:pPr algn="ctr"/>
             <a:r>
-              <a:rPr lang="en-US" sz="4400" b="1" dirty="0">
+              <a:rPr lang="en-US" sz="3600" b="1" dirty="0">
                 <a:solidFill>
                   <a:srgbClr val="660033"/>
                 </a:solidFill>
+                <a:latin typeface="+mn-lt"/>
               </a:rPr>
               <a:t>( </a:t>
             </a:r>
             <a:r>
-              <a:rPr lang="en-US" sz="4400" b="1" dirty="0" smtClean="0">
+              <a:rPr lang="en-US" sz="3600" b="1" dirty="0">
                 <a:solidFill>
                   <a:srgbClr val="660033"/>
                 </a:solidFill>
+                <a:latin typeface="+mn-lt"/>
               </a:rPr>
               <a:t>3 </a:t>
             </a:r>
             <a:r>
-              <a:rPr lang="en-US" sz="4400" b="1" dirty="0">
+              <a:rPr lang="en-US" sz="3600" b="1" dirty="0">
                 <a:solidFill>
                   <a:srgbClr val="660033"/>
                 </a:solidFill>
+                <a:latin typeface="+mn-lt"/>
               </a:rPr>
               <a:t>/ 4 )</a:t>
             </a:r>
-            <a:endParaRPr lang="vi-VN" sz="4400" b="1" dirty="0">
+            <a:endParaRPr lang="vi-VN" sz="3600" b="1" dirty="0">
               <a:solidFill>
                 <a:srgbClr val="660033"/>
               </a:solidFill>
+              <a:latin typeface="+mn-lt"/>
             </a:endParaRPr>
           </a:p>
         </p:txBody>
@@ -4097,8 +4101,8 @@
         </p:nvSpPr>
         <p:spPr>
           <a:xfrm>
-            <a:off x="0" y="5301208"/>
-            <a:ext cx="12192000" cy="769441"/>
+            <a:off x="0" y="5362763"/>
+            <a:ext cx="12192000" cy="646331"/>
           </a:xfrm>
           <a:prstGeom prst="rect">
             <a:avLst/>
@@ -4113,17 +4117,19 @@
           <a:p>
             <a:pPr algn="ctr"/>
             <a:r>
-              <a:rPr lang="en-US" sz="4400" b="1" dirty="0">
+              <a:rPr lang="en-US" sz="3600" b="1" dirty="0">
                 <a:solidFill>
                   <a:srgbClr val="660033"/>
                 </a:solidFill>
+                <a:latin typeface="+mn-lt"/>
               </a:rPr>
               <a:t>( 3 / 4 )</a:t>
             </a:r>
-            <a:endParaRPr lang="vi-VN" sz="4400" b="1" dirty="0">
+            <a:endParaRPr lang="vi-VN" sz="3600" b="1" dirty="0">
               <a:solidFill>
                 <a:srgbClr val="660033"/>
               </a:solidFill>
+              <a:latin typeface="+mn-lt"/>
             </a:endParaRPr>
           </a:p>
         </p:txBody>
@@ -4331,7 +4337,7 @@
         <p:spPr>
           <a:xfrm>
             <a:off x="0" y="5061182"/>
-            <a:ext cx="12192000" cy="913007"/>
+            <a:ext cx="12192000" cy="646331"/>
           </a:xfrm>
           <a:prstGeom prst="rect">
             <a:avLst/>
@@ -4346,17 +4352,19 @@
           <a:p>
             <a:pPr algn="ctr"/>
             <a:r>
-              <a:rPr lang="en-US" sz="5333" b="1" dirty="0">
+              <a:rPr lang="en-US" sz="3600" b="1" dirty="0">
                 <a:solidFill>
                   <a:srgbClr val="660033"/>
                 </a:solidFill>
+                <a:latin typeface="+mn-lt"/>
               </a:rPr>
               <a:t>( x2 )</a:t>
             </a:r>
-            <a:endParaRPr lang="vi-VN" sz="5333" b="1" dirty="0">
+            <a:endParaRPr lang="vi-VN" sz="3600" b="1" dirty="0">
               <a:solidFill>
                 <a:srgbClr val="660033"/>
               </a:solidFill>
+              <a:latin typeface="+mn-lt"/>
             </a:endParaRPr>
           </a:p>
         </p:txBody>
@@ -4459,8 +4467,8 @@
         </p:nvSpPr>
         <p:spPr>
           <a:xfrm>
-            <a:off x="0" y="5301208"/>
-            <a:ext cx="12192000" cy="769441"/>
+            <a:off x="0" y="5362763"/>
+            <a:ext cx="12192000" cy="646331"/>
           </a:xfrm>
           <a:prstGeom prst="rect">
             <a:avLst/>
@@ -4475,33 +4483,37 @@
           <a:p>
             <a:pPr algn="ctr"/>
             <a:r>
-              <a:rPr lang="en-US" sz="4400" b="1" dirty="0">
+              <a:rPr lang="en-US" sz="3600" b="1" dirty="0">
                 <a:solidFill>
                   <a:srgbClr val="660033"/>
                 </a:solidFill>
+                <a:latin typeface="+mn-lt"/>
               </a:rPr>
               <a:t>( </a:t>
             </a:r>
             <a:r>
-              <a:rPr lang="en-US" sz="4400" b="1" dirty="0" smtClean="0">
+              <a:rPr lang="en-US" sz="3600" b="1" dirty="0">
                 <a:solidFill>
                   <a:srgbClr val="660033"/>
                 </a:solidFill>
+                <a:latin typeface="+mn-lt"/>
               </a:rPr>
               <a:t>4 </a:t>
             </a:r>
             <a:r>
-              <a:rPr lang="en-US" sz="4400" b="1" dirty="0">
+              <a:rPr lang="en-US" sz="3600" b="1" dirty="0">
                 <a:solidFill>
                   <a:srgbClr val="660033"/>
                 </a:solidFill>
+                <a:latin typeface="+mn-lt"/>
               </a:rPr>
               <a:t>/ 4 )</a:t>
             </a:r>
-            <a:endParaRPr lang="vi-VN" sz="4400" b="1" dirty="0">
+            <a:endParaRPr lang="vi-VN" sz="3600" b="1" dirty="0">
               <a:solidFill>
                 <a:srgbClr val="660033"/>
               </a:solidFill>
+              <a:latin typeface="+mn-lt"/>
             </a:endParaRPr>
           </a:p>
         </p:txBody>
@@ -4604,8 +4616,8 @@
         </p:nvSpPr>
         <p:spPr>
           <a:xfrm>
-            <a:off x="0" y="5301208"/>
-            <a:ext cx="12192000" cy="769441"/>
+            <a:off x="0" y="5362763"/>
+            <a:ext cx="12192000" cy="646331"/>
           </a:xfrm>
           <a:prstGeom prst="rect">
             <a:avLst/>
@@ -4620,17 +4632,19 @@
           <a:p>
             <a:pPr algn="ctr"/>
             <a:r>
-              <a:rPr lang="en-US" sz="4400" b="1" dirty="0">
+              <a:rPr lang="en-US" sz="3600" b="1" dirty="0">
                 <a:solidFill>
                   <a:srgbClr val="660033"/>
                 </a:solidFill>
+                <a:latin typeface="+mn-lt"/>
               </a:rPr>
               <a:t>( 4 / 4 )</a:t>
             </a:r>
-            <a:endParaRPr lang="vi-VN" sz="4400" b="1" dirty="0">
+            <a:endParaRPr lang="vi-VN" sz="3600" b="1" dirty="0">
               <a:solidFill>
                 <a:srgbClr val="660033"/>
               </a:solidFill>
+              <a:latin typeface="+mn-lt"/>
             </a:endParaRPr>
           </a:p>
         </p:txBody>
@@ -4838,7 +4852,7 @@
         <p:spPr>
           <a:xfrm>
             <a:off x="0" y="5061182"/>
-            <a:ext cx="12192000" cy="913007"/>
+            <a:ext cx="12192000" cy="646331"/>
           </a:xfrm>
           <a:prstGeom prst="rect">
             <a:avLst/>
@@ -4853,17 +4867,19 @@
           <a:p>
             <a:pPr algn="ctr"/>
             <a:r>
-              <a:rPr lang="en-US" sz="5333" b="1" dirty="0">
+              <a:rPr lang="en-US" sz="3600" b="1" dirty="0">
                 <a:solidFill>
                   <a:srgbClr val="660033"/>
                 </a:solidFill>
+                <a:latin typeface="+mn-lt"/>
               </a:rPr>
               <a:t>( x2 )</a:t>
             </a:r>
-            <a:endParaRPr lang="vi-VN" sz="5333" b="1" dirty="0">
+            <a:endParaRPr lang="vi-VN" sz="3600" b="1" dirty="0">
               <a:solidFill>
                 <a:srgbClr val="660033"/>
               </a:solidFill>
+              <a:latin typeface="+mn-lt"/>
             </a:endParaRPr>
           </a:p>
         </p:txBody>
@@ -4973,8 +4989,8 @@
         </p:nvSpPr>
         <p:spPr>
           <a:xfrm>
-            <a:off x="0" y="5301208"/>
-            <a:ext cx="12192000" cy="769441"/>
+            <a:off x="0" y="5362762"/>
+            <a:ext cx="12192000" cy="646331"/>
           </a:xfrm>
           <a:prstGeom prst="rect">
             <a:avLst/>
@@ -4989,28 +5005,31 @@
           <a:p>
             <a:pPr algn="ctr"/>
             <a:r>
-              <a:rPr lang="en-US" sz="4400" b="1" dirty="0">
+              <a:rPr lang="en-US" sz="3600" b="1" dirty="0">
                 <a:solidFill>
                   <a:srgbClr val="660033"/>
                 </a:solidFill>
                 <a:effectLst/>
+                <a:latin typeface="+mn-lt"/>
               </a:rPr>
               <a:t>( 1 </a:t>
             </a:r>
             <a:r>
-              <a:rPr lang="en-US" sz="4400" b="1" dirty="0" smtClean="0">
+              <a:rPr lang="en-US" sz="3600" b="1" dirty="0" smtClean="0">
                 <a:solidFill>
                   <a:srgbClr val="660033"/>
                 </a:solidFill>
                 <a:effectLst/>
+                <a:latin typeface="+mn-lt"/>
               </a:rPr>
               <a:t>/ 4 )</a:t>
             </a:r>
-            <a:endParaRPr lang="vi-VN" sz="4400" b="1" dirty="0">
+            <a:endParaRPr lang="vi-VN" sz="3600" b="1" dirty="0">
               <a:solidFill>
                 <a:srgbClr val="660033"/>
               </a:solidFill>
               <a:effectLst/>
+              <a:latin typeface="+mn-lt"/>
             </a:endParaRPr>
           </a:p>
         </p:txBody>
@@ -5113,8 +5132,8 @@
         </p:nvSpPr>
         <p:spPr>
           <a:xfrm>
-            <a:off x="0" y="5301208"/>
-            <a:ext cx="12192000" cy="769441"/>
+            <a:off x="0" y="5362763"/>
+            <a:ext cx="12192000" cy="646331"/>
           </a:xfrm>
           <a:prstGeom prst="rect">
             <a:avLst/>
@@ -5129,17 +5148,19 @@
           <a:p>
             <a:pPr algn="ctr"/>
             <a:r>
-              <a:rPr lang="en-US" sz="4400" b="1" dirty="0">
+              <a:rPr lang="en-US" sz="3600" b="1" dirty="0">
                 <a:solidFill>
                   <a:srgbClr val="660033"/>
                 </a:solidFill>
+                <a:latin typeface="+mn-lt"/>
               </a:rPr>
               <a:t>( 1 / 4 )</a:t>
             </a:r>
-            <a:endParaRPr lang="vi-VN" sz="4400" b="1" dirty="0">
+            <a:endParaRPr lang="vi-VN" sz="3600" b="1" dirty="0">
               <a:solidFill>
                 <a:srgbClr val="660033"/>
               </a:solidFill>
+              <a:latin typeface="+mn-lt"/>
             </a:endParaRPr>
           </a:p>
         </p:txBody>
@@ -5347,7 +5368,7 @@
         <p:spPr>
           <a:xfrm>
             <a:off x="0" y="5061182"/>
-            <a:ext cx="12192000" cy="913007"/>
+            <a:ext cx="12192000" cy="646331"/>
           </a:xfrm>
           <a:prstGeom prst="rect">
             <a:avLst/>
@@ -5362,17 +5383,19 @@
           <a:p>
             <a:pPr algn="ctr"/>
             <a:r>
-              <a:rPr lang="en-US" sz="5333" b="1" dirty="0">
+              <a:rPr lang="en-US" sz="3600" b="1" dirty="0">
                 <a:solidFill>
                   <a:srgbClr val="660033"/>
                 </a:solidFill>
+                <a:latin typeface="+mn-lt"/>
               </a:rPr>
               <a:t>( x2 )</a:t>
             </a:r>
-            <a:endParaRPr lang="vi-VN" sz="5333" b="1" dirty="0">
+            <a:endParaRPr lang="vi-VN" sz="3600" b="1" dirty="0">
               <a:solidFill>
                 <a:srgbClr val="660033"/>
               </a:solidFill>
+              <a:latin typeface="+mn-lt"/>
             </a:endParaRPr>
           </a:p>
         </p:txBody>
@@ -5475,8 +5498,8 @@
         </p:nvSpPr>
         <p:spPr>
           <a:xfrm>
-            <a:off x="0" y="5301208"/>
-            <a:ext cx="12192000" cy="769441"/>
+            <a:off x="0" y="5362763"/>
+            <a:ext cx="12192000" cy="646331"/>
           </a:xfrm>
           <a:prstGeom prst="rect">
             <a:avLst/>
@@ -5491,33 +5514,37 @@
           <a:p>
             <a:pPr algn="ctr"/>
             <a:r>
-              <a:rPr lang="en-US" sz="4400" b="1" dirty="0">
+              <a:rPr lang="en-US" sz="3600" b="1" dirty="0">
                 <a:solidFill>
                   <a:srgbClr val="660033"/>
                 </a:solidFill>
+                <a:latin typeface="+mn-lt"/>
               </a:rPr>
               <a:t>( </a:t>
             </a:r>
             <a:r>
-              <a:rPr lang="en-US" sz="4400" b="1" dirty="0" smtClean="0">
+              <a:rPr lang="en-US" sz="3600" b="1" dirty="0">
                 <a:solidFill>
                   <a:srgbClr val="660033"/>
                 </a:solidFill>
+                <a:latin typeface="+mn-lt"/>
               </a:rPr>
               <a:t>2 </a:t>
             </a:r>
             <a:r>
-              <a:rPr lang="en-US" sz="4400" b="1" dirty="0">
+              <a:rPr lang="en-US" sz="3600" b="1" dirty="0">
                 <a:solidFill>
                   <a:srgbClr val="660033"/>
                 </a:solidFill>
+                <a:latin typeface="+mn-lt"/>
               </a:rPr>
               <a:t>/ 4 )</a:t>
             </a:r>
-            <a:endParaRPr lang="vi-VN" sz="4400" b="1" dirty="0">
+            <a:endParaRPr lang="vi-VN" sz="3600" b="1" dirty="0">
               <a:solidFill>
                 <a:srgbClr val="660033"/>
               </a:solidFill>
+              <a:latin typeface="+mn-lt"/>
             </a:endParaRPr>
           </a:p>
         </p:txBody>
@@ -5620,8 +5647,8 @@
         </p:nvSpPr>
         <p:spPr>
           <a:xfrm>
-            <a:off x="0" y="5301208"/>
-            <a:ext cx="12192000" cy="769441"/>
+            <a:off x="0" y="5362763"/>
+            <a:ext cx="12192000" cy="646331"/>
           </a:xfrm>
           <a:prstGeom prst="rect">
             <a:avLst/>
@@ -5636,17 +5663,19 @@
           <a:p>
             <a:pPr algn="ctr"/>
             <a:r>
-              <a:rPr lang="en-US" sz="4400" b="1" dirty="0">
+              <a:rPr lang="en-US" sz="3600" b="1" dirty="0">
                 <a:solidFill>
                   <a:srgbClr val="660033"/>
                 </a:solidFill>
+                <a:latin typeface="+mn-lt"/>
               </a:rPr>
               <a:t>( 2 / 4 )</a:t>
             </a:r>
-            <a:endParaRPr lang="vi-VN" sz="4400" b="1" dirty="0">
+            <a:endParaRPr lang="vi-VN" sz="3600" b="1" dirty="0">
               <a:solidFill>
                 <a:srgbClr val="660033"/>
               </a:solidFill>
+              <a:latin typeface="+mn-lt"/>
             </a:endParaRPr>
           </a:p>
         </p:txBody>
@@ -5854,7 +5883,7 @@
         <p:spPr>
           <a:xfrm>
             <a:off x="0" y="5061182"/>
-            <a:ext cx="12192000" cy="913007"/>
+            <a:ext cx="12192000" cy="646331"/>
           </a:xfrm>
           <a:prstGeom prst="rect">
             <a:avLst/>
@@ -5869,17 +5898,19 @@
           <a:p>
             <a:pPr algn="ctr"/>
             <a:r>
-              <a:rPr lang="en-US" sz="5333" b="1" dirty="0">
+              <a:rPr lang="en-US" sz="3600" b="1" dirty="0">
                 <a:solidFill>
                   <a:srgbClr val="660033"/>
                 </a:solidFill>
+                <a:latin typeface="+mn-lt"/>
               </a:rPr>
               <a:t>( x2 )</a:t>
             </a:r>
-            <a:endParaRPr lang="vi-VN" sz="5333" b="1" dirty="0">
+            <a:endParaRPr lang="vi-VN" sz="3600" b="1" dirty="0">
               <a:solidFill>
                 <a:srgbClr val="660033"/>
               </a:solidFill>
+              <a:latin typeface="+mn-lt"/>
             </a:endParaRPr>
           </a:p>
         </p:txBody>
